--- a/Python과제/Python_9강.pptx
+++ b/Python과제/Python_9강.pptx
@@ -6,26 +6,32 @@
   </p:sldMasterIdLst>
   <p:sldIdLst>
     <p:sldId id="256" r:id="rId2"/>
-    <p:sldId id="257" r:id="rId3"/>
-    <p:sldId id="258" r:id="rId4"/>
-    <p:sldId id="259" r:id="rId5"/>
-    <p:sldId id="260" r:id="rId6"/>
-    <p:sldId id="261" r:id="rId7"/>
-    <p:sldId id="262" r:id="rId8"/>
-    <p:sldId id="263" r:id="rId9"/>
-    <p:sldId id="264" r:id="rId10"/>
-    <p:sldId id="276" r:id="rId11"/>
-    <p:sldId id="277" r:id="rId12"/>
-    <p:sldId id="278" r:id="rId13"/>
-    <p:sldId id="279" r:id="rId14"/>
-    <p:sldId id="280" r:id="rId15"/>
-    <p:sldId id="281" r:id="rId16"/>
-    <p:sldId id="265" r:id="rId17"/>
-    <p:sldId id="266" r:id="rId18"/>
-    <p:sldId id="267" r:id="rId19"/>
-    <p:sldId id="268" r:id="rId20"/>
-    <p:sldId id="269" r:id="rId21"/>
-    <p:sldId id="270" r:id="rId22"/>
+    <p:sldId id="286" r:id="rId3"/>
+    <p:sldId id="287" r:id="rId4"/>
+    <p:sldId id="257" r:id="rId5"/>
+    <p:sldId id="258" r:id="rId6"/>
+    <p:sldId id="259" r:id="rId7"/>
+    <p:sldId id="260" r:id="rId8"/>
+    <p:sldId id="261" r:id="rId9"/>
+    <p:sldId id="262" r:id="rId10"/>
+    <p:sldId id="288" r:id="rId11"/>
+    <p:sldId id="263" r:id="rId12"/>
+    <p:sldId id="264" r:id="rId13"/>
+    <p:sldId id="276" r:id="rId14"/>
+    <p:sldId id="277" r:id="rId15"/>
+    <p:sldId id="289" r:id="rId16"/>
+    <p:sldId id="278" r:id="rId17"/>
+    <p:sldId id="279" r:id="rId18"/>
+    <p:sldId id="280" r:id="rId19"/>
+    <p:sldId id="281" r:id="rId20"/>
+    <p:sldId id="265" r:id="rId21"/>
+    <p:sldId id="266" r:id="rId22"/>
+    <p:sldId id="267" r:id="rId23"/>
+    <p:sldId id="268" r:id="rId24"/>
+    <p:sldId id="269" r:id="rId25"/>
+    <p:sldId id="270" r:id="rId26"/>
+    <p:sldId id="291" r:id="rId27"/>
+    <p:sldId id="292" r:id="rId28"/>
   </p:sldIdLst>
   <p:sldSz cx="12192000" cy="6858000"/>
   <p:notesSz cx="6858000" cy="9144000"/>
@@ -132,6 +138,673 @@
 </p:presentation>
 </file>
 
+<file path=ppt/ink/ink1.xml><?xml version="1.0" encoding="utf-8"?>
+<inkml:ink xmlns:inkml="http://www.w3.org/2003/InkML">
+  <inkml:definitions>
+    <inkml:context xml:id="ctx0">
+      <inkml:inkSource xml:id="inkSrc0">
+        <inkml:traceFormat>
+          <inkml:channel name="X" type="integer" min="-2.14748E9" max="2.14748E9" units="cm"/>
+          <inkml:channel name="Y" type="integer" min="-2.14748E9" max="2.14748E9" units="cm"/>
+        </inkml:traceFormat>
+        <inkml:channelProperties>
+          <inkml:channelProperty channel="X" name="resolution" value="1000" units="1/cm"/>
+          <inkml:channelProperty channel="Y" name="resolution" value="1000" units="1/cm"/>
+        </inkml:channelProperties>
+      </inkml:inkSource>
+      <inkml:timestamp xml:id="ts0" timeString="2023-05-06T14:57:34.419"/>
+    </inkml:context>
+    <inkml:brush xml:id="br0">
+      <inkml:brushProperty name="width" value="0.4" units="cm"/>
+      <inkml:brushProperty name="height" value="0.8" units="cm"/>
+      <inkml:brushProperty name="color" value="#C0E494"/>
+      <inkml:brushProperty name="tip" value="rectangle"/>
+      <inkml:brushProperty name="rasterOp" value="maskPen"/>
+      <inkml:brushProperty name="ignorePressure" value="1"/>
+    </inkml:brush>
+  </inkml:definitions>
+  <inkml:trace contextRef="#ctx0" brushRef="#br0">0 0,'3302'0,"-3262"0</inkml:trace>
+</inkml:ink>
+</file>
+
+<file path=ppt/ink/ink10.xml><?xml version="1.0" encoding="utf-8"?>
+<inkml:ink xmlns:inkml="http://www.w3.org/2003/InkML">
+  <inkml:definitions>
+    <inkml:context xml:id="ctx0">
+      <inkml:inkSource xml:id="inkSrc0">
+        <inkml:traceFormat>
+          <inkml:channel name="X" type="integer" min="-2.14748E9" max="2.14748E9" units="cm"/>
+          <inkml:channel name="Y" type="integer" min="-2.14748E9" max="2.14748E9" units="cm"/>
+        </inkml:traceFormat>
+        <inkml:channelProperties>
+          <inkml:channelProperty channel="X" name="resolution" value="1000" units="1/cm"/>
+          <inkml:channelProperty channel="Y" name="resolution" value="1000" units="1/cm"/>
+        </inkml:channelProperties>
+      </inkml:inkSource>
+      <inkml:timestamp xml:id="ts0" timeString="2023-05-06T15:00:46.236"/>
+    </inkml:context>
+    <inkml:brush xml:id="br0">
+      <inkml:brushProperty name="width" value="0.3" units="cm"/>
+      <inkml:brushProperty name="height" value="0.6" units="cm"/>
+      <inkml:brushProperty name="color" value="#C0E494"/>
+      <inkml:brushProperty name="tip" value="rectangle"/>
+      <inkml:brushProperty name="rasterOp" value="maskPen"/>
+      <inkml:brushProperty name="ignorePressure" value="1"/>
+    </inkml:brush>
+  </inkml:definitions>
+  <inkml:trace contextRef="#ctx0" brushRef="#br0">1 0,'10433'0,"-10394"0</inkml:trace>
+</inkml:ink>
+</file>
+
+<file path=ppt/ink/ink11.xml><?xml version="1.0" encoding="utf-8"?>
+<inkml:ink xmlns:inkml="http://www.w3.org/2003/InkML">
+  <inkml:definitions>
+    <inkml:context xml:id="ctx0">
+      <inkml:inkSource xml:id="inkSrc0">
+        <inkml:traceFormat>
+          <inkml:channel name="X" type="integer" min="-2.14748E9" max="2.14748E9" units="cm"/>
+          <inkml:channel name="Y" type="integer" min="-2.14748E9" max="2.14748E9" units="cm"/>
+        </inkml:traceFormat>
+        <inkml:channelProperties>
+          <inkml:channelProperty channel="X" name="resolution" value="1000" units="1/cm"/>
+          <inkml:channelProperty channel="Y" name="resolution" value="1000" units="1/cm"/>
+        </inkml:channelProperties>
+      </inkml:inkSource>
+      <inkml:timestamp xml:id="ts0" timeString="2023-05-06T15:00:49.889"/>
+    </inkml:context>
+    <inkml:brush xml:id="br0">
+      <inkml:brushProperty name="width" value="0.3" units="cm"/>
+      <inkml:brushProperty name="height" value="0.6" units="cm"/>
+      <inkml:brushProperty name="color" value="#C0E494"/>
+      <inkml:brushProperty name="tip" value="rectangle"/>
+      <inkml:brushProperty name="rasterOp" value="maskPen"/>
+      <inkml:brushProperty name="ignorePressure" value="1"/>
+    </inkml:brush>
+  </inkml:definitions>
+  <inkml:trace contextRef="#ctx0" brushRef="#br0">0 0,'7583'0,"2617"0,-10162 0</inkml:trace>
+</inkml:ink>
+</file>
+
+<file path=ppt/ink/ink12.xml><?xml version="1.0" encoding="utf-8"?>
+<inkml:ink xmlns:inkml="http://www.w3.org/2003/InkML">
+  <inkml:definitions>
+    <inkml:context xml:id="ctx0">
+      <inkml:inkSource xml:id="inkSrc0">
+        <inkml:traceFormat>
+          <inkml:channel name="X" type="integer" min="-2.14748E9" max="2.14748E9" units="cm"/>
+          <inkml:channel name="Y" type="integer" min="-2.14748E9" max="2.14748E9" units="cm"/>
+        </inkml:traceFormat>
+        <inkml:channelProperties>
+          <inkml:channelProperty channel="X" name="resolution" value="1000" units="1/cm"/>
+          <inkml:channelProperty channel="Y" name="resolution" value="1000" units="1/cm"/>
+        </inkml:channelProperties>
+      </inkml:inkSource>
+      <inkml:timestamp xml:id="ts0" timeString="2023-05-06T15:01:02.654"/>
+    </inkml:context>
+    <inkml:brush xml:id="br0">
+      <inkml:brushProperty name="width" value="0.3" units="cm"/>
+      <inkml:brushProperty name="height" value="0.6" units="cm"/>
+      <inkml:brushProperty name="color" value="#C0E494"/>
+      <inkml:brushProperty name="tip" value="rectangle"/>
+      <inkml:brushProperty name="rasterOp" value="maskPen"/>
+      <inkml:brushProperty name="ignorePressure" value="1"/>
+    </inkml:brush>
+  </inkml:definitions>
+  <inkml:trace contextRef="#ctx0" brushRef="#br0">1 1,'3040'0,"-3001"0</inkml:trace>
+</inkml:ink>
+</file>
+
+<file path=ppt/ink/ink13.xml><?xml version="1.0" encoding="utf-8"?>
+<inkml:ink xmlns:inkml="http://www.w3.org/2003/InkML">
+  <inkml:definitions>
+    <inkml:context xml:id="ctx0">
+      <inkml:inkSource xml:id="inkSrc0">
+        <inkml:traceFormat>
+          <inkml:channel name="X" type="integer" min="-2.14748E9" max="2.14748E9" units="cm"/>
+          <inkml:channel name="Y" type="integer" min="-2.14748E9" max="2.14748E9" units="cm"/>
+        </inkml:traceFormat>
+        <inkml:channelProperties>
+          <inkml:channelProperty channel="X" name="resolution" value="1000" units="1/cm"/>
+          <inkml:channelProperty channel="Y" name="resolution" value="1000" units="1/cm"/>
+        </inkml:channelProperties>
+      </inkml:inkSource>
+      <inkml:timestamp xml:id="ts0" timeString="2023-05-06T15:03:17.673"/>
+    </inkml:context>
+    <inkml:brush xml:id="br0">
+      <inkml:brushProperty name="width" value="0.3" units="cm"/>
+      <inkml:brushProperty name="height" value="0.6" units="cm"/>
+      <inkml:brushProperty name="color" value="#C0E494"/>
+      <inkml:brushProperty name="tip" value="rectangle"/>
+      <inkml:brushProperty name="rasterOp" value="maskPen"/>
+      <inkml:brushProperty name="ignorePressure" value="1"/>
+    </inkml:brush>
+  </inkml:definitions>
+  <inkml:trace contextRef="#ctx0" brushRef="#br0">0 1,'7667'0,"-7628"0</inkml:trace>
+</inkml:ink>
+</file>
+
+<file path=ppt/ink/ink14.xml><?xml version="1.0" encoding="utf-8"?>
+<inkml:ink xmlns:inkml="http://www.w3.org/2003/InkML">
+  <inkml:definitions>
+    <inkml:context xml:id="ctx0">
+      <inkml:inkSource xml:id="inkSrc0">
+        <inkml:traceFormat>
+          <inkml:channel name="X" type="integer" min="-2.14748E9" max="2.14748E9" units="cm"/>
+          <inkml:channel name="Y" type="integer" min="-2.14748E9" max="2.14748E9" units="cm"/>
+        </inkml:traceFormat>
+        <inkml:channelProperties>
+          <inkml:channelProperty channel="X" name="resolution" value="1000" units="1/cm"/>
+          <inkml:channelProperty channel="Y" name="resolution" value="1000" units="1/cm"/>
+        </inkml:channelProperties>
+      </inkml:inkSource>
+      <inkml:timestamp xml:id="ts0" timeString="2023-05-06T15:03:40.883"/>
+    </inkml:context>
+    <inkml:brush xml:id="br0">
+      <inkml:brushProperty name="width" value="0.5" units="cm"/>
+      <inkml:brushProperty name="height" value="1" units="cm"/>
+      <inkml:brushProperty name="color" value="#C0E494"/>
+      <inkml:brushProperty name="tip" value="rectangle"/>
+      <inkml:brushProperty name="rasterOp" value="maskPen"/>
+      <inkml:brushProperty name="ignorePressure" value="1"/>
+    </inkml:brush>
+  </inkml:definitions>
+  <inkml:trace contextRef="#ctx0" brushRef="#br0">0 1,'17583'0,"-16172"0,-1378 0</inkml:trace>
+</inkml:ink>
+</file>
+
+<file path=ppt/ink/ink15.xml><?xml version="1.0" encoding="utf-8"?>
+<inkml:ink xmlns:inkml="http://www.w3.org/2003/InkML">
+  <inkml:definitions>
+    <inkml:context xml:id="ctx0">
+      <inkml:inkSource xml:id="inkSrc0">
+        <inkml:traceFormat>
+          <inkml:channel name="X" type="integer" min="-2.14748E9" max="2.14748E9" units="cm"/>
+          <inkml:channel name="Y" type="integer" min="-2.14748E9" max="2.14748E9" units="cm"/>
+        </inkml:traceFormat>
+        <inkml:channelProperties>
+          <inkml:channelProperty channel="X" name="resolution" value="1000" units="1/cm"/>
+          <inkml:channelProperty channel="Y" name="resolution" value="1000" units="1/cm"/>
+        </inkml:channelProperties>
+      </inkml:inkSource>
+      <inkml:timestamp xml:id="ts0" timeString="2023-05-06T15:04:00.097"/>
+    </inkml:context>
+    <inkml:brush xml:id="br0">
+      <inkml:brushProperty name="width" value="0.4" units="cm"/>
+      <inkml:brushProperty name="height" value="0.8" units="cm"/>
+      <inkml:brushProperty name="color" value="#C0E494"/>
+      <inkml:brushProperty name="tip" value="rectangle"/>
+      <inkml:brushProperty name="rasterOp" value="maskPen"/>
+      <inkml:brushProperty name="ignorePressure" value="1"/>
+    </inkml:brush>
+  </inkml:definitions>
+  <inkml:trace contextRef="#ctx0" brushRef="#br0">1 0,'2626'0,"-1861"39,-394 2,-214-23</inkml:trace>
+</inkml:ink>
+</file>
+
+<file path=ppt/ink/ink16.xml><?xml version="1.0" encoding="utf-8"?>
+<inkml:ink xmlns:inkml="http://www.w3.org/2003/InkML">
+  <inkml:definitions>
+    <inkml:context xml:id="ctx0">
+      <inkml:inkSource xml:id="inkSrc0">
+        <inkml:traceFormat>
+          <inkml:channel name="X" type="integer" min="-2.14748E9" max="2.14748E9" units="cm"/>
+          <inkml:channel name="Y" type="integer" min="-2.14748E9" max="2.14748E9" units="cm"/>
+        </inkml:traceFormat>
+        <inkml:channelProperties>
+          <inkml:channelProperty channel="X" name="resolution" value="1000" units="1/cm"/>
+          <inkml:channelProperty channel="Y" name="resolution" value="1000" units="1/cm"/>
+        </inkml:channelProperties>
+      </inkml:inkSource>
+      <inkml:timestamp xml:id="ts0" timeString="2023-05-06T15:04:03.415"/>
+    </inkml:context>
+    <inkml:brush xml:id="br0">
+      <inkml:brushProperty name="width" value="0.4" units="cm"/>
+      <inkml:brushProperty name="height" value="0.8" units="cm"/>
+      <inkml:brushProperty name="color" value="#C0E494"/>
+      <inkml:brushProperty name="tip" value="rectangle"/>
+      <inkml:brushProperty name="rasterOp" value="maskPen"/>
+      <inkml:brushProperty name="ignorePressure" value="1"/>
+    </inkml:brush>
+  </inkml:definitions>
+  <inkml:trace contextRef="#ctx0" brushRef="#br0">1 0,'6390'0,"3834"0,-10188 0</inkml:trace>
+</inkml:ink>
+</file>
+
+<file path=ppt/ink/ink17.xml><?xml version="1.0" encoding="utf-8"?>
+<inkml:ink xmlns:inkml="http://www.w3.org/2003/InkML">
+  <inkml:definitions>
+    <inkml:context xml:id="ctx0">
+      <inkml:inkSource xml:id="inkSrc0">
+        <inkml:traceFormat>
+          <inkml:channel name="X" type="integer" min="-2.14748E9" max="2.14748E9" units="cm"/>
+          <inkml:channel name="Y" type="integer" min="-2.14748E9" max="2.14748E9" units="cm"/>
+        </inkml:traceFormat>
+        <inkml:channelProperties>
+          <inkml:channelProperty channel="X" name="resolution" value="1000" units="1/cm"/>
+          <inkml:channelProperty channel="Y" name="resolution" value="1000" units="1/cm"/>
+        </inkml:channelProperties>
+      </inkml:inkSource>
+      <inkml:timestamp xml:id="ts0" timeString="2023-05-06T15:04:13.223"/>
+    </inkml:context>
+    <inkml:brush xml:id="br0">
+      <inkml:brushProperty name="width" value="0.4" units="cm"/>
+      <inkml:brushProperty name="height" value="0.8" units="cm"/>
+      <inkml:brushProperty name="color" value="#C0E494"/>
+      <inkml:brushProperty name="tip" value="rectangle"/>
+      <inkml:brushProperty name="rasterOp" value="maskPen"/>
+      <inkml:brushProperty name="ignorePressure" value="1"/>
+    </inkml:brush>
+  </inkml:definitions>
+  <inkml:trace contextRef="#ctx0" brushRef="#br0">0 1,'14471'0,"-14433"0</inkml:trace>
+</inkml:ink>
+</file>
+
+<file path=ppt/ink/ink18.xml><?xml version="1.0" encoding="utf-8"?>
+<inkml:ink xmlns:inkml="http://www.w3.org/2003/InkML">
+  <inkml:definitions>
+    <inkml:context xml:id="ctx0">
+      <inkml:inkSource xml:id="inkSrc0">
+        <inkml:traceFormat>
+          <inkml:channel name="X" type="integer" min="-2.14748E9" max="2.14748E9" units="cm"/>
+          <inkml:channel name="Y" type="integer" min="-2.14748E9" max="2.14748E9" units="cm"/>
+        </inkml:traceFormat>
+        <inkml:channelProperties>
+          <inkml:channelProperty channel="X" name="resolution" value="1000" units="1/cm"/>
+          <inkml:channelProperty channel="Y" name="resolution" value="1000" units="1/cm"/>
+        </inkml:channelProperties>
+      </inkml:inkSource>
+      <inkml:timestamp xml:id="ts0" timeString="2023-05-06T15:04:33.119"/>
+    </inkml:context>
+    <inkml:brush xml:id="br0">
+      <inkml:brushProperty name="width" value="0.3" units="cm"/>
+      <inkml:brushProperty name="height" value="0.6" units="cm"/>
+      <inkml:brushProperty name="color" value="#C0E494"/>
+      <inkml:brushProperty name="tip" value="rectangle"/>
+      <inkml:brushProperty name="rasterOp" value="maskPen"/>
+      <inkml:brushProperty name="ignorePressure" value="1"/>
+    </inkml:brush>
+  </inkml:definitions>
+  <inkml:trace contextRef="#ctx0" brushRef="#br0">1 1,'3102'0,"-3071"0</inkml:trace>
+</inkml:ink>
+</file>
+
+<file path=ppt/ink/ink19.xml><?xml version="1.0" encoding="utf-8"?>
+<inkml:ink xmlns:inkml="http://www.w3.org/2003/InkML">
+  <inkml:definitions>
+    <inkml:context xml:id="ctx0">
+      <inkml:inkSource xml:id="inkSrc0">
+        <inkml:traceFormat>
+          <inkml:channel name="X" type="integer" min="-2.14748E9" max="2.14748E9" units="cm"/>
+          <inkml:channel name="Y" type="integer" min="-2.14748E9" max="2.14748E9" units="cm"/>
+        </inkml:traceFormat>
+        <inkml:channelProperties>
+          <inkml:channelProperty channel="X" name="resolution" value="1000" units="1/cm"/>
+          <inkml:channelProperty channel="Y" name="resolution" value="1000" units="1/cm"/>
+        </inkml:channelProperties>
+      </inkml:inkSource>
+      <inkml:timestamp xml:id="ts0" timeString="2023-05-06T15:04:42.289"/>
+    </inkml:context>
+    <inkml:brush xml:id="br0">
+      <inkml:brushProperty name="width" value="0.3" units="cm"/>
+      <inkml:brushProperty name="height" value="0.6" units="cm"/>
+      <inkml:brushProperty name="color" value="#C0E494"/>
+      <inkml:brushProperty name="tip" value="rectangle"/>
+      <inkml:brushProperty name="rasterOp" value="maskPen"/>
+      <inkml:brushProperty name="ignorePressure" value="1"/>
+    </inkml:brush>
+  </inkml:definitions>
+  <inkml:trace contextRef="#ctx0" brushRef="#br0">1 1,'1498'0,"-1461"0</inkml:trace>
+</inkml:ink>
+</file>
+
+<file path=ppt/ink/ink2.xml><?xml version="1.0" encoding="utf-8"?>
+<inkml:ink xmlns:inkml="http://www.w3.org/2003/InkML">
+  <inkml:definitions>
+    <inkml:context xml:id="ctx0">
+      <inkml:inkSource xml:id="inkSrc0">
+        <inkml:traceFormat>
+          <inkml:channel name="X" type="integer" min="-2.14748E9" max="2.14748E9" units="cm"/>
+          <inkml:channel name="Y" type="integer" min="-2.14748E9" max="2.14748E9" units="cm"/>
+        </inkml:traceFormat>
+        <inkml:channelProperties>
+          <inkml:channelProperty channel="X" name="resolution" value="1000" units="1/cm"/>
+          <inkml:channelProperty channel="Y" name="resolution" value="1000" units="1/cm"/>
+        </inkml:channelProperties>
+      </inkml:inkSource>
+      <inkml:timestamp xml:id="ts0" timeString="2023-05-06T14:57:50.256"/>
+    </inkml:context>
+    <inkml:brush xml:id="br0">
+      <inkml:brushProperty name="width" value="0.4" units="cm"/>
+      <inkml:brushProperty name="height" value="0.8" units="cm"/>
+      <inkml:brushProperty name="color" value="#C0E494"/>
+      <inkml:brushProperty name="tip" value="rectangle"/>
+      <inkml:brushProperty name="rasterOp" value="maskPen"/>
+      <inkml:brushProperty name="ignorePressure" value="1"/>
+    </inkml:brush>
+  </inkml:definitions>
+  <inkml:trace contextRef="#ctx0" brushRef="#br0">0 1,'7252'0,"5690"0,-12907 0</inkml:trace>
+</inkml:ink>
+</file>
+
+<file path=ppt/ink/ink20.xml><?xml version="1.0" encoding="utf-8"?>
+<inkml:ink xmlns:inkml="http://www.w3.org/2003/InkML">
+  <inkml:definitions>
+    <inkml:context xml:id="ctx0">
+      <inkml:inkSource xml:id="inkSrc0">
+        <inkml:traceFormat>
+          <inkml:channel name="X" type="integer" min="-2.14748E9" max="2.14748E9" units="cm"/>
+          <inkml:channel name="Y" type="integer" min="-2.14748E9" max="2.14748E9" units="cm"/>
+        </inkml:traceFormat>
+        <inkml:channelProperties>
+          <inkml:channelProperty channel="X" name="resolution" value="1000" units="1/cm"/>
+          <inkml:channelProperty channel="Y" name="resolution" value="1000" units="1/cm"/>
+        </inkml:channelProperties>
+      </inkml:inkSource>
+      <inkml:timestamp xml:id="ts0" timeString="2023-05-06T15:04:45.606"/>
+    </inkml:context>
+    <inkml:brush xml:id="br0">
+      <inkml:brushProperty name="width" value="0.3" units="cm"/>
+      <inkml:brushProperty name="height" value="0.6" units="cm"/>
+      <inkml:brushProperty name="color" value="#C0E494"/>
+      <inkml:brushProperty name="tip" value="rectangle"/>
+      <inkml:brushProperty name="rasterOp" value="maskPen"/>
+      <inkml:brushProperty name="ignorePressure" value="1"/>
+    </inkml:brush>
+  </inkml:definitions>
+  <inkml:trace contextRef="#ctx0" brushRef="#br0">0 1,'8265'0,"-8222"0</inkml:trace>
+</inkml:ink>
+</file>
+
+<file path=ppt/ink/ink21.xml><?xml version="1.0" encoding="utf-8"?>
+<inkml:ink xmlns:inkml="http://www.w3.org/2003/InkML">
+  <inkml:definitions>
+    <inkml:context xml:id="ctx0">
+      <inkml:inkSource xml:id="inkSrc0">
+        <inkml:traceFormat>
+          <inkml:channel name="X" type="integer" min="-2.14748E9" max="2.14748E9" units="cm"/>
+          <inkml:channel name="Y" type="integer" min="-2.14748E9" max="2.14748E9" units="cm"/>
+        </inkml:traceFormat>
+        <inkml:channelProperties>
+          <inkml:channelProperty channel="X" name="resolution" value="1000" units="1/cm"/>
+          <inkml:channelProperty channel="Y" name="resolution" value="1000" units="1/cm"/>
+        </inkml:channelProperties>
+      </inkml:inkSource>
+      <inkml:timestamp xml:id="ts0" timeString="2023-05-06T15:05:09.033"/>
+    </inkml:context>
+    <inkml:brush xml:id="br0">
+      <inkml:brushProperty name="width" value="0.3" units="cm"/>
+      <inkml:brushProperty name="height" value="0.6" units="cm"/>
+      <inkml:brushProperty name="color" value="#C0E494"/>
+      <inkml:brushProperty name="tip" value="rectangle"/>
+      <inkml:brushProperty name="rasterOp" value="maskPen"/>
+      <inkml:brushProperty name="ignorePressure" value="1"/>
+    </inkml:brush>
+  </inkml:definitions>
+  <inkml:trace contextRef="#ctx0" brushRef="#br0">0 0</inkml:trace>
+</inkml:ink>
+</file>
+
+<file path=ppt/ink/ink22.xml><?xml version="1.0" encoding="utf-8"?>
+<inkml:ink xmlns:inkml="http://www.w3.org/2003/InkML">
+  <inkml:definitions>
+    <inkml:context xml:id="ctx0">
+      <inkml:inkSource xml:id="inkSrc0">
+        <inkml:traceFormat>
+          <inkml:channel name="X" type="integer" min="-2.14748E9" max="2.14748E9" units="cm"/>
+          <inkml:channel name="Y" type="integer" min="-2.14748E9" max="2.14748E9" units="cm"/>
+        </inkml:traceFormat>
+        <inkml:channelProperties>
+          <inkml:channelProperty channel="X" name="resolution" value="1000" units="1/cm"/>
+          <inkml:channelProperty channel="Y" name="resolution" value="1000" units="1/cm"/>
+        </inkml:channelProperties>
+      </inkml:inkSource>
+      <inkml:timestamp xml:id="ts0" timeString="2023-05-06T15:05:13.643"/>
+    </inkml:context>
+    <inkml:brush xml:id="br0">
+      <inkml:brushProperty name="width" value="0.3" units="cm"/>
+      <inkml:brushProperty name="height" value="0.6" units="cm"/>
+      <inkml:brushProperty name="color" value="#C0E494"/>
+      <inkml:brushProperty name="tip" value="rectangle"/>
+      <inkml:brushProperty name="rasterOp" value="maskPen"/>
+      <inkml:brushProperty name="ignorePressure" value="1"/>
+    </inkml:brush>
+  </inkml:definitions>
+  <inkml:trace contextRef="#ctx0" brushRef="#br0">1 1,'1502'0,"-1464"0</inkml:trace>
+</inkml:ink>
+</file>
+
+<file path=ppt/ink/ink23.xml><?xml version="1.0" encoding="utf-8"?>
+<inkml:ink xmlns:inkml="http://www.w3.org/2003/InkML">
+  <inkml:definitions>
+    <inkml:context xml:id="ctx0">
+      <inkml:inkSource xml:id="inkSrc0">
+        <inkml:traceFormat>
+          <inkml:channel name="X" type="integer" min="-2.14748E9" max="2.14748E9" units="cm"/>
+          <inkml:channel name="Y" type="integer" min="-2.14748E9" max="2.14748E9" units="cm"/>
+        </inkml:traceFormat>
+        <inkml:channelProperties>
+          <inkml:channelProperty channel="X" name="resolution" value="1000" units="1/cm"/>
+          <inkml:channelProperty channel="Y" name="resolution" value="1000" units="1/cm"/>
+        </inkml:channelProperties>
+      </inkml:inkSource>
+      <inkml:timestamp xml:id="ts0" timeString="2023-05-06T15:05:00.492"/>
+    </inkml:context>
+    <inkml:brush xml:id="br0">
+      <inkml:brushProperty name="width" value="0.2" units="cm"/>
+      <inkml:brushProperty name="height" value="0.4" units="cm"/>
+      <inkml:brushProperty name="color" value="#C0E494"/>
+      <inkml:brushProperty name="tip" value="rectangle"/>
+      <inkml:brushProperty name="rasterOp" value="maskPen"/>
+      <inkml:brushProperty name="ignorePressure" value="1"/>
+    </inkml:brush>
+  </inkml:definitions>
+  <inkml:trace contextRef="#ctx0" brushRef="#br0">1 1,'1418'0,"-1385"0</inkml:trace>
+</inkml:ink>
+</file>
+
+<file path=ppt/ink/ink3.xml><?xml version="1.0" encoding="utf-8"?>
+<inkml:ink xmlns:inkml="http://www.w3.org/2003/InkML">
+  <inkml:definitions>
+    <inkml:context xml:id="ctx0">
+      <inkml:inkSource xml:id="inkSrc0">
+        <inkml:traceFormat>
+          <inkml:channel name="X" type="integer" min="-2.14748E9" max="2.14748E9" units="cm"/>
+          <inkml:channel name="Y" type="integer" min="-2.14748E9" max="2.14748E9" units="cm"/>
+        </inkml:traceFormat>
+        <inkml:channelProperties>
+          <inkml:channelProperty channel="X" name="resolution" value="1000" units="1/cm"/>
+          <inkml:channelProperty channel="Y" name="resolution" value="1000" units="1/cm"/>
+        </inkml:channelProperties>
+      </inkml:inkSource>
+      <inkml:timestamp xml:id="ts0" timeString="2023-05-06T14:58:04.589"/>
+    </inkml:context>
+    <inkml:brush xml:id="br0">
+      <inkml:brushProperty name="width" value="0.4" units="cm"/>
+      <inkml:brushProperty name="height" value="0.8" units="cm"/>
+      <inkml:brushProperty name="color" value="#C0E494"/>
+      <inkml:brushProperty name="tip" value="rectangle"/>
+      <inkml:brushProperty name="rasterOp" value="maskPen"/>
+      <inkml:brushProperty name="ignorePressure" value="1"/>
+    </inkml:brush>
+  </inkml:definitions>
+  <inkml:trace contextRef="#ctx0" brushRef="#br0">0 1,'11293'0,"-11253"0</inkml:trace>
+</inkml:ink>
+</file>
+
+<file path=ppt/ink/ink4.xml><?xml version="1.0" encoding="utf-8"?>
+<inkml:ink xmlns:inkml="http://www.w3.org/2003/InkML">
+  <inkml:definitions>
+    <inkml:context xml:id="ctx0">
+      <inkml:inkSource xml:id="inkSrc0">
+        <inkml:traceFormat>
+          <inkml:channel name="X" type="integer" min="-2.14748E9" max="2.14748E9" units="cm"/>
+          <inkml:channel name="Y" type="integer" min="-2.14748E9" max="2.14748E9" units="cm"/>
+        </inkml:traceFormat>
+        <inkml:channelProperties>
+          <inkml:channelProperty channel="X" name="resolution" value="1000" units="1/cm"/>
+          <inkml:channelProperty channel="Y" name="resolution" value="1000" units="1/cm"/>
+        </inkml:channelProperties>
+      </inkml:inkSource>
+      <inkml:timestamp xml:id="ts0" timeString="2023-05-06T14:59:11.717"/>
+    </inkml:context>
+    <inkml:brush xml:id="br0">
+      <inkml:brushProperty name="width" value="0.4" units="cm"/>
+      <inkml:brushProperty name="height" value="0.8" units="cm"/>
+      <inkml:brushProperty name="color" value="#C0E494"/>
+      <inkml:brushProperty name="tip" value="rectangle"/>
+      <inkml:brushProperty name="rasterOp" value="maskPen"/>
+      <inkml:brushProperty name="ignorePressure" value="1"/>
+    </inkml:brush>
+  </inkml:definitions>
+  <inkml:trace contextRef="#ctx0" brushRef="#br0">0 1,'8595'0,"-8558"0</inkml:trace>
+</inkml:ink>
+</file>
+
+<file path=ppt/ink/ink5.xml><?xml version="1.0" encoding="utf-8"?>
+<inkml:ink xmlns:inkml="http://www.w3.org/2003/InkML">
+  <inkml:definitions>
+    <inkml:context xml:id="ctx0">
+      <inkml:inkSource xml:id="inkSrc0">
+        <inkml:traceFormat>
+          <inkml:channel name="X" type="integer" min="-2.14748E9" max="2.14748E9" units="cm"/>
+          <inkml:channel name="Y" type="integer" min="-2.14748E9" max="2.14748E9" units="cm"/>
+        </inkml:traceFormat>
+        <inkml:channelProperties>
+          <inkml:channelProperty channel="X" name="resolution" value="1000" units="1/cm"/>
+          <inkml:channelProperty channel="Y" name="resolution" value="1000" units="1/cm"/>
+        </inkml:channelProperties>
+      </inkml:inkSource>
+      <inkml:timestamp xml:id="ts0" timeString="2023-05-06T14:59:30.609"/>
+    </inkml:context>
+    <inkml:brush xml:id="br0">
+      <inkml:brushProperty name="width" value="0.3" units="cm"/>
+      <inkml:brushProperty name="height" value="0.6" units="cm"/>
+      <inkml:brushProperty name="color" value="#C0E494"/>
+      <inkml:brushProperty name="tip" value="rectangle"/>
+      <inkml:brushProperty name="rasterOp" value="maskPen"/>
+      <inkml:brushProperty name="ignorePressure" value="1"/>
+    </inkml:brush>
+  </inkml:definitions>
+  <inkml:trace contextRef="#ctx0" brushRef="#br0">1 0,'7'0,"19"0,11 0,16 0,22 0,6 0,4 0,-4 0,-9 0,-8 0,-8 0,-5 0,-4 0,-10 0</inkml:trace>
+</inkml:ink>
+</file>
+
+<file path=ppt/ink/ink6.xml><?xml version="1.0" encoding="utf-8"?>
+<inkml:ink xmlns:inkml="http://www.w3.org/2003/InkML">
+  <inkml:definitions>
+    <inkml:context xml:id="ctx0">
+      <inkml:inkSource xml:id="inkSrc0">
+        <inkml:traceFormat>
+          <inkml:channel name="X" type="integer" min="-2.14748E9" max="2.14748E9" units="cm"/>
+          <inkml:channel name="Y" type="integer" min="-2.14748E9" max="2.14748E9" units="cm"/>
+        </inkml:traceFormat>
+        <inkml:channelProperties>
+          <inkml:channelProperty channel="X" name="resolution" value="1000" units="1/cm"/>
+          <inkml:channelProperty channel="Y" name="resolution" value="1000" units="1/cm"/>
+        </inkml:channelProperties>
+      </inkml:inkSource>
+      <inkml:timestamp xml:id="ts0" timeString="2023-05-06T14:59:41.704"/>
+    </inkml:context>
+    <inkml:brush xml:id="br0">
+      <inkml:brushProperty name="width" value="0.3" units="cm"/>
+      <inkml:brushProperty name="height" value="0.6" units="cm"/>
+      <inkml:brushProperty name="color" value="#C0E494"/>
+      <inkml:brushProperty name="tip" value="rectangle"/>
+      <inkml:brushProperty name="rasterOp" value="maskPen"/>
+      <inkml:brushProperty name="ignorePressure" value="1"/>
+    </inkml:brush>
+  </inkml:definitions>
+  <inkml:trace contextRef="#ctx0" brushRef="#br0">1 1,'2116'0,"-2087"0</inkml:trace>
+</inkml:ink>
+</file>
+
+<file path=ppt/ink/ink7.xml><?xml version="1.0" encoding="utf-8"?>
+<inkml:ink xmlns:inkml="http://www.w3.org/2003/InkML">
+  <inkml:definitions>
+    <inkml:context xml:id="ctx0">
+      <inkml:inkSource xml:id="inkSrc0">
+        <inkml:traceFormat>
+          <inkml:channel name="X" type="integer" min="-2.14748E9" max="2.14748E9" units="cm"/>
+          <inkml:channel name="Y" type="integer" min="-2.14748E9" max="2.14748E9" units="cm"/>
+        </inkml:traceFormat>
+        <inkml:channelProperties>
+          <inkml:channelProperty channel="X" name="resolution" value="1000" units="1/cm"/>
+          <inkml:channelProperty channel="Y" name="resolution" value="1000" units="1/cm"/>
+        </inkml:channelProperties>
+      </inkml:inkSource>
+      <inkml:timestamp xml:id="ts0" timeString="2023-05-06T15:00:06.225"/>
+    </inkml:context>
+    <inkml:brush xml:id="br0">
+      <inkml:brushProperty name="width" value="0.3" units="cm"/>
+      <inkml:brushProperty name="height" value="0.6" units="cm"/>
+      <inkml:brushProperty name="color" value="#C0E494"/>
+      <inkml:brushProperty name="tip" value="rectangle"/>
+      <inkml:brushProperty name="rasterOp" value="maskPen"/>
+      <inkml:brushProperty name="ignorePressure" value="1"/>
+    </inkml:brush>
+  </inkml:definitions>
+  <inkml:trace contextRef="#ctx0" brushRef="#br0">1 0,'1669'0,"-1624"0</inkml:trace>
+</inkml:ink>
+</file>
+
+<file path=ppt/ink/ink8.xml><?xml version="1.0" encoding="utf-8"?>
+<inkml:ink xmlns:inkml="http://www.w3.org/2003/InkML">
+  <inkml:definitions>
+    <inkml:context xml:id="ctx0">
+      <inkml:inkSource xml:id="inkSrc0">
+        <inkml:traceFormat>
+          <inkml:channel name="X" type="integer" min="-2.14748E9" max="2.14748E9" units="cm"/>
+          <inkml:channel name="Y" type="integer" min="-2.14748E9" max="2.14748E9" units="cm"/>
+        </inkml:traceFormat>
+        <inkml:channelProperties>
+          <inkml:channelProperty channel="X" name="resolution" value="1000" units="1/cm"/>
+          <inkml:channelProperty channel="Y" name="resolution" value="1000" units="1/cm"/>
+        </inkml:channelProperties>
+      </inkml:inkSource>
+      <inkml:timestamp xml:id="ts0" timeString="2023-05-06T15:00:11.618"/>
+    </inkml:context>
+    <inkml:brush xml:id="br0">
+      <inkml:brushProperty name="width" value="0.3" units="cm"/>
+      <inkml:brushProperty name="height" value="0.6" units="cm"/>
+      <inkml:brushProperty name="color" value="#C0E494"/>
+      <inkml:brushProperty name="tip" value="rectangle"/>
+      <inkml:brushProperty name="rasterOp" value="maskPen"/>
+      <inkml:brushProperty name="ignorePressure" value="1"/>
+    </inkml:brush>
+  </inkml:definitions>
+  <inkml:trace contextRef="#ctx0" brushRef="#br0">1 0,'2532'0,"-2503"0</inkml:trace>
+</inkml:ink>
+</file>
+
+<file path=ppt/ink/ink9.xml><?xml version="1.0" encoding="utf-8"?>
+<inkml:ink xmlns:inkml="http://www.w3.org/2003/InkML">
+  <inkml:definitions>
+    <inkml:context xml:id="ctx0">
+      <inkml:inkSource xml:id="inkSrc0">
+        <inkml:traceFormat>
+          <inkml:channel name="X" type="integer" min="-2.14748E9" max="2.14748E9" units="cm"/>
+          <inkml:channel name="Y" type="integer" min="-2.14748E9" max="2.14748E9" units="cm"/>
+        </inkml:traceFormat>
+        <inkml:channelProperties>
+          <inkml:channelProperty channel="X" name="resolution" value="1000" units="1/cm"/>
+          <inkml:channelProperty channel="Y" name="resolution" value="1000" units="1/cm"/>
+        </inkml:channelProperties>
+      </inkml:inkSource>
+      <inkml:timestamp xml:id="ts0" timeString="2023-05-06T15:00:35.069"/>
+    </inkml:context>
+    <inkml:brush xml:id="br0">
+      <inkml:brushProperty name="width" value="0.3" units="cm"/>
+      <inkml:brushProperty name="height" value="0.6" units="cm"/>
+      <inkml:brushProperty name="color" value="#C0E494"/>
+      <inkml:brushProperty name="tip" value="rectangle"/>
+      <inkml:brushProperty name="rasterOp" value="maskPen"/>
+      <inkml:brushProperty name="ignorePressure" value="1"/>
+    </inkml:brush>
+  </inkml:definitions>
+  <inkml:trace contextRef="#ctx0" brushRef="#br0">1 1,'10858'0,"-10824"0</inkml:trace>
+</inkml:ink>
+</file>
+
 <file path=ppt/slideLayouts/slideLayout1.xml><?xml version="1.0" encoding="utf-8"?>
 <p:sldLayout xmlns:a="http://schemas.openxmlformats.org/drawingml/2006/main" xmlns:r="http://schemas.openxmlformats.org/officeDocument/2006/relationships" xmlns:p="http://schemas.openxmlformats.org/presentationml/2006/main" type="title" preserve="1">
   <p:cSld name="제목 슬라이드">
@@ -328,7 +1001,7 @@
           <a:p>
             <a:fld id="{96DFF08F-DC6B-4601-B491-B0F83F6DD2DA}" type="datetimeFigureOut">
               <a:rPr lang="en-US" smtClean="0"/>
-              <a:t>5/4/2023</a:t>
+              <a:t>5/6/2023</a:t>
             </a:fld>
             <a:endParaRPr lang="en-US" dirty="0"/>
           </a:p>
@@ -549,7 +1222,7 @@
           <a:p>
             <a:fld id="{96DFF08F-DC6B-4601-B491-B0F83F6DD2DA}" type="datetimeFigureOut">
               <a:rPr lang="en-US" smtClean="0"/>
-              <a:t>5/4/2023</a:t>
+              <a:t>5/6/2023</a:t>
             </a:fld>
             <a:endParaRPr lang="en-US" dirty="0"/>
           </a:p>
@@ -729,7 +1402,7 @@
           <a:p>
             <a:fld id="{96DFF08F-DC6B-4601-B491-B0F83F6DD2DA}" type="datetimeFigureOut">
               <a:rPr lang="en-US" smtClean="0"/>
-              <a:t>5/4/2023</a:t>
+              <a:t>5/6/2023</a:t>
             </a:fld>
             <a:endParaRPr lang="en-US" dirty="0"/>
           </a:p>
@@ -899,7 +1572,7 @@
           <a:p>
             <a:fld id="{96DFF08F-DC6B-4601-B491-B0F83F6DD2DA}" type="datetimeFigureOut">
               <a:rPr lang="en-US" smtClean="0"/>
-              <a:t>5/4/2023</a:t>
+              <a:t>5/6/2023</a:t>
             </a:fld>
             <a:endParaRPr lang="en-US" dirty="0"/>
           </a:p>
@@ -1150,7 +1823,7 @@
           <a:p>
             <a:fld id="{96DFF08F-DC6B-4601-B491-B0F83F6DD2DA}" type="datetimeFigureOut">
               <a:rPr lang="en-US" smtClean="0"/>
-              <a:t>5/4/2023</a:t>
+              <a:t>5/6/2023</a:t>
             </a:fld>
             <a:endParaRPr lang="en-US" dirty="0"/>
           </a:p>
@@ -1473,7 +2146,7 @@
           <a:p>
             <a:fld id="{96DFF08F-DC6B-4601-B491-B0F83F6DD2DA}" type="datetimeFigureOut">
               <a:rPr lang="en-US" smtClean="0"/>
-              <a:t>5/4/2023</a:t>
+              <a:t>5/6/2023</a:t>
             </a:fld>
             <a:endParaRPr lang="en-US" dirty="0"/>
           </a:p>
@@ -1897,7 +2570,7 @@
           <a:p>
             <a:fld id="{96DFF08F-DC6B-4601-B491-B0F83F6DD2DA}" type="datetimeFigureOut">
               <a:rPr lang="en-US" smtClean="0"/>
-              <a:t>5/4/2023</a:t>
+              <a:t>5/6/2023</a:t>
             </a:fld>
             <a:endParaRPr lang="en-US" dirty="0"/>
           </a:p>
@@ -2015,7 +2688,7 @@
           <a:p>
             <a:fld id="{96DFF08F-DC6B-4601-B491-B0F83F6DD2DA}" type="datetimeFigureOut">
               <a:rPr lang="en-US" smtClean="0"/>
-              <a:t>5/4/2023</a:t>
+              <a:t>5/6/2023</a:t>
             </a:fld>
             <a:endParaRPr lang="en-US" dirty="0"/>
           </a:p>
@@ -2110,7 +2783,7 @@
           <a:p>
             <a:fld id="{96DFF08F-DC6B-4601-B491-B0F83F6DD2DA}" type="datetimeFigureOut">
               <a:rPr lang="en-US" smtClean="0"/>
-              <a:t>5/4/2023</a:t>
+              <a:t>5/6/2023</a:t>
             </a:fld>
             <a:endParaRPr lang="en-US" dirty="0"/>
           </a:p>
@@ -2400,7 +3073,7 @@
           <a:p>
             <a:fld id="{96DFF08F-DC6B-4601-B491-B0F83F6DD2DA}" type="datetimeFigureOut">
               <a:rPr lang="en-US" smtClean="0"/>
-              <a:t>5/4/2023</a:t>
+              <a:t>5/6/2023</a:t>
             </a:fld>
             <a:endParaRPr lang="en-US" dirty="0"/>
           </a:p>
@@ -2672,7 +3345,7 @@
           <a:p>
             <a:fld id="{96DFF08F-DC6B-4601-B491-B0F83F6DD2DA}" type="datetimeFigureOut">
               <a:rPr lang="en-US" smtClean="0"/>
-              <a:t>5/4/2023</a:t>
+              <a:t>5/6/2023</a:t>
             </a:fld>
             <a:endParaRPr lang="en-US" dirty="0"/>
           </a:p>
@@ -2927,7 +3600,7 @@
             <a:fld id="{96DFF08F-DC6B-4601-B491-B0F83F6DD2DA}" type="datetimeFigureOut">
               <a:rPr lang="en-US" smtClean="0"/>
               <a:pPr/>
-              <a:t>5/4/2023</a:t>
+              <a:t>5/6/2023</a:t>
             </a:fld>
             <a:endParaRPr lang="en-US" dirty="0"/>
           </a:p>
@@ -3547,6 +4220,485 @@
           <a:chExt cx="0" cy="0"/>
         </a:xfrm>
       </p:grpSpPr>
+      <p:sp>
+        <p:nvSpPr>
+          <p:cNvPr id="2" name="TextBox 1">
+            <a:extLst>
+              <a:ext uri="{FF2B5EF4-FFF2-40B4-BE49-F238E27FC236}">
+                <a16:creationId xmlns:a16="http://schemas.microsoft.com/office/drawing/2014/main" id="{6D5E47BA-144B-6E25-E282-8F211ABD5221}"/>
+              </a:ext>
+            </a:extLst>
+          </p:cNvPr>
+          <p:cNvSpPr txBox="1"/>
+          <p:nvPr/>
+        </p:nvSpPr>
+        <p:spPr>
+          <a:xfrm>
+            <a:off x="1139371" y="2610838"/>
+            <a:ext cx="9913258" cy="830997"/>
+          </a:xfrm>
+          <a:prstGeom prst="rect">
+            <a:avLst/>
+          </a:prstGeom>
+          <a:noFill/>
+        </p:spPr>
+        <p:txBody>
+          <a:bodyPr wrap="square" rtlCol="0">
+            <a:spAutoFit/>
+          </a:bodyPr>
+          <a:lstStyle/>
+          <a:p>
+            <a:pPr algn="ctr"/>
+            <a:r>
+              <a:rPr lang="en-US" altLang="ko-KR" sz="4800" b="1" dirty="0">
+                <a:solidFill>
+                  <a:schemeClr val="accent1"/>
+                </a:solidFill>
+                <a:latin typeface="+mn-ea"/>
+              </a:rPr>
+              <a:t>&lt; </a:t>
+            </a:r>
+            <a:r>
+              <a:rPr lang="ko-KR" altLang="en-US" sz="4800" b="1" dirty="0">
+                <a:solidFill>
+                  <a:schemeClr val="accent1"/>
+                </a:solidFill>
+                <a:latin typeface="+mn-ea"/>
+              </a:rPr>
+              <a:t>집합 </a:t>
+            </a:r>
+            <a:r>
+              <a:rPr lang="en-US" altLang="ko-KR" sz="4800" b="1" dirty="0">
+                <a:solidFill>
+                  <a:schemeClr val="accent1"/>
+                </a:solidFill>
+                <a:latin typeface="+mn-ea"/>
+              </a:rPr>
+              <a:t>&gt;</a:t>
+            </a:r>
+            <a:endParaRPr lang="ko-KR" altLang="en-US" sz="4800" b="1" dirty="0">
+              <a:solidFill>
+                <a:schemeClr val="accent1"/>
+              </a:solidFill>
+              <a:latin typeface="+mn-ea"/>
+            </a:endParaRPr>
+          </a:p>
+        </p:txBody>
+      </p:sp>
+    </p:spTree>
+    <p:extLst>
+      <p:ext uri="{BB962C8B-B14F-4D97-AF65-F5344CB8AC3E}">
+        <p14:creationId xmlns:p14="http://schemas.microsoft.com/office/powerpoint/2010/main" val="1748840153"/>
+      </p:ext>
+    </p:extLst>
+  </p:cSld>
+  <p:clrMapOvr>
+    <a:masterClrMapping/>
+  </p:clrMapOvr>
+</p:sld>
+</file>
+
+<file path=ppt/slides/slide11.xml><?xml version="1.0" encoding="utf-8"?>
+<p:sld xmlns:a="http://schemas.openxmlformats.org/drawingml/2006/main" xmlns:r="http://schemas.openxmlformats.org/officeDocument/2006/relationships" xmlns:p="http://schemas.openxmlformats.org/presentationml/2006/main">
+  <p:cSld>
+    <p:spTree>
+      <p:nvGrpSpPr>
+        <p:cNvPr id="1" name=""/>
+        <p:cNvGrpSpPr/>
+        <p:nvPr/>
+      </p:nvGrpSpPr>
+      <p:grpSpPr>
+        <a:xfrm>
+          <a:off x="0" y="0"/>
+          <a:ext cx="0" cy="0"/>
+          <a:chOff x="0" y="0"/>
+          <a:chExt cx="0" cy="0"/>
+        </a:xfrm>
+      </p:grpSpPr>
+      <p:pic>
+        <p:nvPicPr>
+          <p:cNvPr id="3" name="그림 2">
+            <a:extLst>
+              <a:ext uri="{FF2B5EF4-FFF2-40B4-BE49-F238E27FC236}">
+                <a16:creationId xmlns:a16="http://schemas.microsoft.com/office/drawing/2014/main" id="{048AE73F-E5E0-5851-F4B1-3AD554BDCBF6}"/>
+              </a:ext>
+            </a:extLst>
+          </p:cNvPr>
+          <p:cNvPicPr>
+            <a:picLocks noChangeAspect="1"/>
+          </p:cNvPicPr>
+          <p:nvPr/>
+        </p:nvPicPr>
+        <p:blipFill>
+          <a:blip r:embed="rId2"/>
+          <a:stretch>
+            <a:fillRect/>
+          </a:stretch>
+        </p:blipFill>
+        <p:spPr>
+          <a:xfrm>
+            <a:off x="368303" y="394099"/>
+            <a:ext cx="7551055" cy="6069802"/>
+          </a:xfrm>
+          <a:prstGeom prst="rect">
+            <a:avLst/>
+          </a:prstGeom>
+        </p:spPr>
+      </p:pic>
+      <p:pic>
+        <p:nvPicPr>
+          <p:cNvPr id="5" name="그림 4">
+            <a:extLst>
+              <a:ext uri="{FF2B5EF4-FFF2-40B4-BE49-F238E27FC236}">
+                <a16:creationId xmlns:a16="http://schemas.microsoft.com/office/drawing/2014/main" id="{3C38F2A5-1E82-DF2C-CE5D-D2B47FAAF7B5}"/>
+              </a:ext>
+            </a:extLst>
+          </p:cNvPr>
+          <p:cNvPicPr>
+            <a:picLocks noChangeAspect="1"/>
+          </p:cNvPicPr>
+          <p:nvPr/>
+        </p:nvPicPr>
+        <p:blipFill>
+          <a:blip r:embed="rId3"/>
+          <a:stretch>
+            <a:fillRect/>
+          </a:stretch>
+        </p:blipFill>
+        <p:spPr>
+          <a:xfrm>
+            <a:off x="7005475" y="5058587"/>
+            <a:ext cx="4818222" cy="1405314"/>
+          </a:xfrm>
+          <a:prstGeom prst="rect">
+            <a:avLst/>
+          </a:prstGeom>
+        </p:spPr>
+      </p:pic>
+      <mc:AlternateContent xmlns:mc="http://schemas.openxmlformats.org/markup-compatibility/2006">
+        <mc:Choice xmlns:p14="http://schemas.microsoft.com/office/powerpoint/2010/main" Requires="p14">
+          <p:contentPart p14:bwMode="auto" r:id="rId4">
+            <p14:nvContentPartPr>
+              <p14:cNvPr id="2" name="잉크 1">
+                <a:extLst>
+                  <a:ext uri="{FF2B5EF4-FFF2-40B4-BE49-F238E27FC236}">
+                    <a16:creationId xmlns:a16="http://schemas.microsoft.com/office/drawing/2014/main" id="{D8F12BBB-B24D-857A-A1BF-F80E3F9BD210}"/>
+                  </a:ext>
+                </a:extLst>
+              </p14:cNvPr>
+              <p14:cNvContentPartPr/>
+              <p14:nvPr/>
+            </p14:nvContentPartPr>
+            <p14:xfrm>
+              <a:off x="620254" y="511766"/>
+              <a:ext cx="278280" cy="360"/>
+            </p14:xfrm>
+          </p:contentPart>
+        </mc:Choice>
+        <mc:Fallback>
+          <p:pic>
+            <p:nvPicPr>
+              <p:cNvPr id="2" name="잉크 1">
+                <a:extLst>
+                  <a:ext uri="{FF2B5EF4-FFF2-40B4-BE49-F238E27FC236}">
+                    <a16:creationId xmlns:a16="http://schemas.microsoft.com/office/drawing/2014/main" id="{D8F12BBB-B24D-857A-A1BF-F80E3F9BD210}"/>
+                  </a:ext>
+                </a:extLst>
+              </p:cNvPr>
+              <p:cNvPicPr/>
+              <p:nvPr/>
+            </p:nvPicPr>
+            <p:blipFill>
+              <a:blip r:embed="rId5"/>
+              <a:stretch>
+                <a:fillRect/>
+              </a:stretch>
+            </p:blipFill>
+            <p:spPr>
+              <a:xfrm>
+                <a:off x="566614" y="403766"/>
+                <a:ext cx="385920" cy="216000"/>
+              </a:xfrm>
+              <a:prstGeom prst="rect">
+                <a:avLst/>
+              </a:prstGeom>
+            </p:spPr>
+          </p:pic>
+        </mc:Fallback>
+      </mc:AlternateContent>
+      <mc:AlternateContent xmlns:mc="http://schemas.openxmlformats.org/markup-compatibility/2006">
+        <mc:Choice xmlns:p14="http://schemas.microsoft.com/office/powerpoint/2010/main" Requires="p14">
+          <p:contentPart p14:bwMode="auto" r:id="rId6">
+            <p14:nvContentPartPr>
+              <p14:cNvPr id="4" name="잉크 3">
+                <a:extLst>
+                  <a:ext uri="{FF2B5EF4-FFF2-40B4-BE49-F238E27FC236}">
+                    <a16:creationId xmlns:a16="http://schemas.microsoft.com/office/drawing/2014/main" id="{6025F680-2931-2DAD-3068-F6EBB0BBB69F}"/>
+                  </a:ext>
+                </a:extLst>
+              </p14:cNvPr>
+              <p14:cNvContentPartPr/>
+              <p14:nvPr/>
+            </p14:nvContentPartPr>
+            <p14:xfrm>
+              <a:off x="831934" y="1507526"/>
+              <a:ext cx="772560" cy="360"/>
+            </p14:xfrm>
+          </p:contentPart>
+        </mc:Choice>
+        <mc:Fallback>
+          <p:pic>
+            <p:nvPicPr>
+              <p:cNvPr id="4" name="잉크 3">
+                <a:extLst>
+                  <a:ext uri="{FF2B5EF4-FFF2-40B4-BE49-F238E27FC236}">
+                    <a16:creationId xmlns:a16="http://schemas.microsoft.com/office/drawing/2014/main" id="{6025F680-2931-2DAD-3068-F6EBB0BBB69F}"/>
+                  </a:ext>
+                </a:extLst>
+              </p:cNvPr>
+              <p:cNvPicPr/>
+              <p:nvPr/>
+            </p:nvPicPr>
+            <p:blipFill>
+              <a:blip r:embed="rId7"/>
+              <a:stretch>
+                <a:fillRect/>
+              </a:stretch>
+            </p:blipFill>
+            <p:spPr>
+              <a:xfrm>
+                <a:off x="778294" y="1399886"/>
+                <a:ext cx="880200" cy="216000"/>
+              </a:xfrm>
+              <a:prstGeom prst="rect">
+                <a:avLst/>
+              </a:prstGeom>
+            </p:spPr>
+          </p:pic>
+        </mc:Fallback>
+      </mc:AlternateContent>
+    </p:spTree>
+    <p:extLst>
+      <p:ext uri="{BB962C8B-B14F-4D97-AF65-F5344CB8AC3E}">
+        <p14:creationId xmlns:p14="http://schemas.microsoft.com/office/powerpoint/2010/main" val="1391835077"/>
+      </p:ext>
+    </p:extLst>
+  </p:cSld>
+  <p:clrMapOvr>
+    <a:masterClrMapping/>
+  </p:clrMapOvr>
+</p:sld>
+</file>
+
+<file path=ppt/slides/slide12.xml><?xml version="1.0" encoding="utf-8"?>
+<p:sld xmlns:a="http://schemas.openxmlformats.org/drawingml/2006/main" xmlns:r="http://schemas.openxmlformats.org/officeDocument/2006/relationships" xmlns:p="http://schemas.openxmlformats.org/presentationml/2006/main">
+  <p:cSld>
+    <p:spTree>
+      <p:nvGrpSpPr>
+        <p:cNvPr id="1" name=""/>
+        <p:cNvGrpSpPr/>
+        <p:nvPr/>
+      </p:nvGrpSpPr>
+      <p:grpSpPr>
+        <a:xfrm>
+          <a:off x="0" y="0"/>
+          <a:ext cx="0" cy="0"/>
+          <a:chOff x="0" y="0"/>
+          <a:chExt cx="0" cy="0"/>
+        </a:xfrm>
+      </p:grpSpPr>
+      <p:pic>
+        <p:nvPicPr>
+          <p:cNvPr id="3" name="그림 2">
+            <a:extLst>
+              <a:ext uri="{FF2B5EF4-FFF2-40B4-BE49-F238E27FC236}">
+                <a16:creationId xmlns:a16="http://schemas.microsoft.com/office/drawing/2014/main" id="{C3124F7D-03C9-5360-FE96-EE305273CCAC}"/>
+              </a:ext>
+            </a:extLst>
+          </p:cNvPr>
+          <p:cNvPicPr>
+            <a:picLocks noChangeAspect="1"/>
+          </p:cNvPicPr>
+          <p:nvPr/>
+        </p:nvPicPr>
+        <p:blipFill>
+          <a:blip r:embed="rId2"/>
+          <a:stretch>
+            <a:fillRect/>
+          </a:stretch>
+        </p:blipFill>
+        <p:spPr>
+          <a:xfrm>
+            <a:off x="431132" y="418775"/>
+            <a:ext cx="4026567" cy="6102375"/>
+          </a:xfrm>
+          <a:prstGeom prst="rect">
+            <a:avLst/>
+          </a:prstGeom>
+        </p:spPr>
+      </p:pic>
+      <p:pic>
+        <p:nvPicPr>
+          <p:cNvPr id="5" name="그림 4">
+            <a:extLst>
+              <a:ext uri="{FF2B5EF4-FFF2-40B4-BE49-F238E27FC236}">
+                <a16:creationId xmlns:a16="http://schemas.microsoft.com/office/drawing/2014/main" id="{A9CB0732-EA33-2DFA-9858-93BED60DD88D}"/>
+              </a:ext>
+            </a:extLst>
+          </p:cNvPr>
+          <p:cNvPicPr>
+            <a:picLocks noChangeAspect="1"/>
+          </p:cNvPicPr>
+          <p:nvPr/>
+        </p:nvPicPr>
+        <p:blipFill>
+          <a:blip r:embed="rId3"/>
+          <a:stretch>
+            <a:fillRect/>
+          </a:stretch>
+        </p:blipFill>
+        <p:spPr>
+          <a:xfrm>
+            <a:off x="5926727" y="4222851"/>
+            <a:ext cx="5834141" cy="2298299"/>
+          </a:xfrm>
+          <a:prstGeom prst="rect">
+            <a:avLst/>
+          </a:prstGeom>
+        </p:spPr>
+      </p:pic>
+      <mc:AlternateContent xmlns:mc="http://schemas.openxmlformats.org/markup-compatibility/2006">
+        <mc:Choice xmlns:p14="http://schemas.microsoft.com/office/powerpoint/2010/main" Requires="p14">
+          <p:contentPart p14:bwMode="auto" r:id="rId4">
+            <p14:nvContentPartPr>
+              <p14:cNvPr id="4" name="잉크 3">
+                <a:extLst>
+                  <a:ext uri="{FF2B5EF4-FFF2-40B4-BE49-F238E27FC236}">
+                    <a16:creationId xmlns:a16="http://schemas.microsoft.com/office/drawing/2014/main" id="{A315D818-AFA7-6EAC-2FCD-EF404254BCDC}"/>
+                  </a:ext>
+                </a:extLst>
+              </p14:cNvPr>
+              <p14:cNvContentPartPr/>
+              <p14:nvPr/>
+            </p14:nvContentPartPr>
+            <p14:xfrm>
+              <a:off x="717814" y="1442366"/>
+              <a:ext cx="617760" cy="360"/>
+            </p14:xfrm>
+          </p:contentPart>
+        </mc:Choice>
+        <mc:Fallback>
+          <p:pic>
+            <p:nvPicPr>
+              <p:cNvPr id="4" name="잉크 3">
+                <a:extLst>
+                  <a:ext uri="{FF2B5EF4-FFF2-40B4-BE49-F238E27FC236}">
+                    <a16:creationId xmlns:a16="http://schemas.microsoft.com/office/drawing/2014/main" id="{A315D818-AFA7-6EAC-2FCD-EF404254BCDC}"/>
+                  </a:ext>
+                </a:extLst>
+              </p:cNvPr>
+              <p:cNvPicPr/>
+              <p:nvPr/>
+            </p:nvPicPr>
+            <p:blipFill>
+              <a:blip r:embed="rId5"/>
+              <a:stretch>
+                <a:fillRect/>
+              </a:stretch>
+            </p:blipFill>
+            <p:spPr>
+              <a:xfrm>
+                <a:off x="664174" y="1334366"/>
+                <a:ext cx="725400" cy="216000"/>
+              </a:xfrm>
+              <a:prstGeom prst="rect">
+                <a:avLst/>
+              </a:prstGeom>
+            </p:spPr>
+          </p:pic>
+        </mc:Fallback>
+      </mc:AlternateContent>
+      <mc:AlternateContent xmlns:mc="http://schemas.openxmlformats.org/markup-compatibility/2006">
+        <mc:Choice xmlns:p14="http://schemas.microsoft.com/office/powerpoint/2010/main" Requires="p14">
+          <p:contentPart p14:bwMode="auto" r:id="rId6">
+            <p14:nvContentPartPr>
+              <p14:cNvPr id="6" name="잉크 5">
+                <a:extLst>
+                  <a:ext uri="{FF2B5EF4-FFF2-40B4-BE49-F238E27FC236}">
+                    <a16:creationId xmlns:a16="http://schemas.microsoft.com/office/drawing/2014/main" id="{11ABB77C-A6B5-9C5C-2E38-48FC55CED861}"/>
+                  </a:ext>
+                </a:extLst>
+              </p14:cNvPr>
+              <p14:cNvContentPartPr/>
+              <p14:nvPr/>
+            </p14:nvContentPartPr>
+            <p14:xfrm>
+              <a:off x="717814" y="1654766"/>
+              <a:ext cx="922680" cy="360"/>
+            </p14:xfrm>
+          </p:contentPart>
+        </mc:Choice>
+        <mc:Fallback>
+          <p:pic>
+            <p:nvPicPr>
+              <p:cNvPr id="6" name="잉크 5">
+                <a:extLst>
+                  <a:ext uri="{FF2B5EF4-FFF2-40B4-BE49-F238E27FC236}">
+                    <a16:creationId xmlns:a16="http://schemas.microsoft.com/office/drawing/2014/main" id="{11ABB77C-A6B5-9C5C-2E38-48FC55CED861}"/>
+                  </a:ext>
+                </a:extLst>
+              </p:cNvPr>
+              <p:cNvPicPr/>
+              <p:nvPr/>
+            </p:nvPicPr>
+            <p:blipFill>
+              <a:blip r:embed="rId7"/>
+              <a:stretch>
+                <a:fillRect/>
+              </a:stretch>
+            </p:blipFill>
+            <p:spPr>
+              <a:xfrm>
+                <a:off x="664174" y="1546766"/>
+                <a:ext cx="1030320" cy="216000"/>
+              </a:xfrm>
+              <a:prstGeom prst="rect">
+                <a:avLst/>
+              </a:prstGeom>
+            </p:spPr>
+          </p:pic>
+        </mc:Fallback>
+      </mc:AlternateContent>
+    </p:spTree>
+    <p:extLst>
+      <p:ext uri="{BB962C8B-B14F-4D97-AF65-F5344CB8AC3E}">
+        <p14:creationId xmlns:p14="http://schemas.microsoft.com/office/powerpoint/2010/main" val="4171545071"/>
+      </p:ext>
+    </p:extLst>
+  </p:cSld>
+  <p:clrMapOvr>
+    <a:masterClrMapping/>
+  </p:clrMapOvr>
+</p:sld>
+</file>
+
+<file path=ppt/slides/slide13.xml><?xml version="1.0" encoding="utf-8"?>
+<p:sld xmlns:a="http://schemas.openxmlformats.org/drawingml/2006/main" xmlns:r="http://schemas.openxmlformats.org/officeDocument/2006/relationships" xmlns:p="http://schemas.openxmlformats.org/presentationml/2006/main">
+  <p:cSld>
+    <p:spTree>
+      <p:nvGrpSpPr>
+        <p:cNvPr id="1" name=""/>
+        <p:cNvGrpSpPr/>
+        <p:nvPr/>
+      </p:nvGrpSpPr>
+      <p:grpSpPr>
+        <a:xfrm>
+          <a:off x="0" y="0"/>
+          <a:ext cx="0" cy="0"/>
+          <a:chOff x="0" y="0"/>
+          <a:chExt cx="0" cy="0"/>
+        </a:xfrm>
+      </p:grpSpPr>
       <p:pic>
         <p:nvPicPr>
           <p:cNvPr id="3" name="그림 2">
@@ -3667,6 +4819,57 @@
           </a:prstGeom>
         </p:spPr>
       </p:pic>
+      <mc:AlternateContent xmlns:mc="http://schemas.openxmlformats.org/markup-compatibility/2006">
+        <mc:Choice xmlns:p14="http://schemas.microsoft.com/office/powerpoint/2010/main" Requires="p14">
+          <p:contentPart p14:bwMode="auto" r:id="rId6">
+            <p14:nvContentPartPr>
+              <p14:cNvPr id="6" name="잉크 5">
+                <a:extLst>
+                  <a:ext uri="{FF2B5EF4-FFF2-40B4-BE49-F238E27FC236}">
+                    <a16:creationId xmlns:a16="http://schemas.microsoft.com/office/drawing/2014/main" id="{3C10867E-C504-2D34-F8E8-ACB2CF57FDB6}"/>
+                  </a:ext>
+                </a:extLst>
+              </p14:cNvPr>
+              <p14:cNvContentPartPr/>
+              <p14:nvPr/>
+            </p14:nvContentPartPr>
+            <p14:xfrm>
+              <a:off x="1648414" y="1311686"/>
+              <a:ext cx="3921840" cy="360"/>
+            </p14:xfrm>
+          </p:contentPart>
+        </mc:Choice>
+        <mc:Fallback>
+          <p:pic>
+            <p:nvPicPr>
+              <p:cNvPr id="6" name="잉크 5">
+                <a:extLst>
+                  <a:ext uri="{FF2B5EF4-FFF2-40B4-BE49-F238E27FC236}">
+                    <a16:creationId xmlns:a16="http://schemas.microsoft.com/office/drawing/2014/main" id="{3C10867E-C504-2D34-F8E8-ACB2CF57FDB6}"/>
+                  </a:ext>
+                </a:extLst>
+              </p:cNvPr>
+              <p:cNvPicPr/>
+              <p:nvPr/>
+            </p:nvPicPr>
+            <p:blipFill>
+              <a:blip r:embed="rId7"/>
+              <a:stretch>
+                <a:fillRect/>
+              </a:stretch>
+            </p:blipFill>
+            <p:spPr>
+              <a:xfrm>
+                <a:off x="1594774" y="1204046"/>
+                <a:ext cx="4029480" cy="216000"/>
+              </a:xfrm>
+              <a:prstGeom prst="rect">
+                <a:avLst/>
+              </a:prstGeom>
+            </p:spPr>
+          </p:pic>
+        </mc:Fallback>
+      </mc:AlternateContent>
     </p:spTree>
     <p:extLst>
       <p:ext uri="{BB962C8B-B14F-4D97-AF65-F5344CB8AC3E}">
@@ -3680,7 +4883,7 @@
 </p:sld>
 </file>
 
-<file path=ppt/slides/slide11.xml><?xml version="1.0" encoding="utf-8"?>
+<file path=ppt/slides/slide14.xml><?xml version="1.0" encoding="utf-8"?>
 <p:sld xmlns:a="http://schemas.openxmlformats.org/drawingml/2006/main" xmlns:r="http://schemas.openxmlformats.org/officeDocument/2006/relationships" xmlns:p="http://schemas.openxmlformats.org/presentationml/2006/main">
   <p:cSld>
     <p:spTree>
@@ -3770,7 +4973,102 @@
 </p:sld>
 </file>
 
-<file path=ppt/slides/slide12.xml><?xml version="1.0" encoding="utf-8"?>
+<file path=ppt/slides/slide15.xml><?xml version="1.0" encoding="utf-8"?>
+<p:sld xmlns:a="http://schemas.openxmlformats.org/drawingml/2006/main" xmlns:r="http://schemas.openxmlformats.org/officeDocument/2006/relationships" xmlns:p="http://schemas.openxmlformats.org/presentationml/2006/main">
+  <p:cSld>
+    <p:spTree>
+      <p:nvGrpSpPr>
+        <p:cNvPr id="1" name=""/>
+        <p:cNvGrpSpPr/>
+        <p:nvPr/>
+      </p:nvGrpSpPr>
+      <p:grpSpPr>
+        <a:xfrm>
+          <a:off x="0" y="0"/>
+          <a:ext cx="0" cy="0"/>
+          <a:chOff x="0" y="0"/>
+          <a:chExt cx="0" cy="0"/>
+        </a:xfrm>
+      </p:grpSpPr>
+      <p:sp>
+        <p:nvSpPr>
+          <p:cNvPr id="2" name="TextBox 1">
+            <a:extLst>
+              <a:ext uri="{FF2B5EF4-FFF2-40B4-BE49-F238E27FC236}">
+                <a16:creationId xmlns:a16="http://schemas.microsoft.com/office/drawing/2014/main" id="{6D5E47BA-144B-6E25-E282-8F211ABD5221}"/>
+              </a:ext>
+            </a:extLst>
+          </p:cNvPr>
+          <p:cNvSpPr txBox="1"/>
+          <p:nvPr/>
+        </p:nvSpPr>
+        <p:spPr>
+          <a:xfrm>
+            <a:off x="1139371" y="2610838"/>
+            <a:ext cx="9913258" cy="830997"/>
+          </a:xfrm>
+          <a:prstGeom prst="rect">
+            <a:avLst/>
+          </a:prstGeom>
+          <a:noFill/>
+        </p:spPr>
+        <p:txBody>
+          <a:bodyPr wrap="square" rtlCol="0">
+            <a:spAutoFit/>
+          </a:bodyPr>
+          <a:lstStyle/>
+          <a:p>
+            <a:pPr algn="ctr"/>
+            <a:r>
+              <a:rPr lang="en-US" altLang="ko-KR" sz="4800" b="1" dirty="0">
+                <a:solidFill>
+                  <a:schemeClr val="accent1"/>
+                </a:solidFill>
+                <a:latin typeface="+mn-ea"/>
+              </a:rPr>
+              <a:t>&lt; </a:t>
+            </a:r>
+            <a:r>
+              <a:rPr lang="ko-KR" altLang="en-US" sz="4800" b="1" dirty="0">
+                <a:solidFill>
+                  <a:schemeClr val="accent1"/>
+                </a:solidFill>
+                <a:latin typeface="+mn-ea"/>
+              </a:rPr>
+              <a:t>컬렉션 </a:t>
+            </a:r>
+            <a:r>
+              <a:rPr lang="en-US" altLang="ko-KR" sz="4800" b="1" dirty="0">
+                <a:solidFill>
+                  <a:schemeClr val="accent1"/>
+                </a:solidFill>
+                <a:latin typeface="+mn-ea"/>
+              </a:rPr>
+              <a:t>&gt;</a:t>
+            </a:r>
+            <a:endParaRPr lang="ko-KR" altLang="en-US" sz="4800" b="1" dirty="0">
+              <a:solidFill>
+                <a:schemeClr val="accent1"/>
+              </a:solidFill>
+              <a:latin typeface="+mn-ea"/>
+            </a:endParaRPr>
+          </a:p>
+        </p:txBody>
+      </p:sp>
+    </p:spTree>
+    <p:extLst>
+      <p:ext uri="{BB962C8B-B14F-4D97-AF65-F5344CB8AC3E}">
+        <p14:creationId xmlns:p14="http://schemas.microsoft.com/office/powerpoint/2010/main" val="404452092"/>
+      </p:ext>
+    </p:extLst>
+  </p:cSld>
+  <p:clrMapOvr>
+    <a:masterClrMapping/>
+  </p:clrMapOvr>
+</p:sld>
+</file>
+
+<file path=ppt/slides/slide16.xml><?xml version="1.0" encoding="utf-8"?>
 <p:sld xmlns:a="http://schemas.openxmlformats.org/drawingml/2006/main" xmlns:r="http://schemas.openxmlformats.org/officeDocument/2006/relationships" xmlns:p="http://schemas.openxmlformats.org/presentationml/2006/main">
   <p:cSld>
     <p:spTree>
@@ -3847,6 +5145,108 @@
           </a:prstGeom>
         </p:spPr>
       </p:pic>
+      <mc:AlternateContent xmlns:mc="http://schemas.openxmlformats.org/markup-compatibility/2006">
+        <mc:Choice xmlns:p14="http://schemas.microsoft.com/office/powerpoint/2010/main" Requires="p14">
+          <p:contentPart p14:bwMode="auto" r:id="rId4">
+            <p14:nvContentPartPr>
+              <p14:cNvPr id="2" name="잉크 1">
+                <a:extLst>
+                  <a:ext uri="{FF2B5EF4-FFF2-40B4-BE49-F238E27FC236}">
+                    <a16:creationId xmlns:a16="http://schemas.microsoft.com/office/drawing/2014/main" id="{CA4B3271-F7B1-57D5-1226-55EC7D14C8A6}"/>
+                  </a:ext>
+                </a:extLst>
+              </p14:cNvPr>
+              <p14:cNvContentPartPr/>
+              <p14:nvPr/>
+            </p14:nvContentPartPr>
+            <p14:xfrm>
+              <a:off x="767134" y="1752686"/>
+              <a:ext cx="3770280" cy="360"/>
+            </p14:xfrm>
+          </p:contentPart>
+        </mc:Choice>
+        <mc:Fallback>
+          <p:pic>
+            <p:nvPicPr>
+              <p:cNvPr id="2" name="잉크 1">
+                <a:extLst>
+                  <a:ext uri="{FF2B5EF4-FFF2-40B4-BE49-F238E27FC236}">
+                    <a16:creationId xmlns:a16="http://schemas.microsoft.com/office/drawing/2014/main" id="{CA4B3271-F7B1-57D5-1226-55EC7D14C8A6}"/>
+                  </a:ext>
+                </a:extLst>
+              </p:cNvPr>
+              <p:cNvPicPr/>
+              <p:nvPr/>
+            </p:nvPicPr>
+            <p:blipFill>
+              <a:blip r:embed="rId5"/>
+              <a:stretch>
+                <a:fillRect/>
+              </a:stretch>
+            </p:blipFill>
+            <p:spPr>
+              <a:xfrm>
+                <a:off x="713494" y="1644686"/>
+                <a:ext cx="3877920" cy="216000"/>
+              </a:xfrm>
+              <a:prstGeom prst="rect">
+                <a:avLst/>
+              </a:prstGeom>
+            </p:spPr>
+          </p:pic>
+        </mc:Fallback>
+      </mc:AlternateContent>
+      <mc:AlternateContent xmlns:mc="http://schemas.openxmlformats.org/markup-compatibility/2006">
+        <mc:Choice xmlns:p14="http://schemas.microsoft.com/office/powerpoint/2010/main" Requires="p14">
+          <p:contentPart p14:bwMode="auto" r:id="rId6">
+            <p14:nvContentPartPr>
+              <p14:cNvPr id="4" name="잉크 3">
+                <a:extLst>
+                  <a:ext uri="{FF2B5EF4-FFF2-40B4-BE49-F238E27FC236}">
+                    <a16:creationId xmlns:a16="http://schemas.microsoft.com/office/drawing/2014/main" id="{E769339B-4A1F-93E6-B378-8517A7DBACDA}"/>
+                  </a:ext>
+                </a:extLst>
+              </p14:cNvPr>
+              <p14:cNvContentPartPr/>
+              <p14:nvPr/>
+            </p14:nvContentPartPr>
+            <p14:xfrm>
+              <a:off x="5012614" y="1752686"/>
+              <a:ext cx="6415920" cy="360"/>
+            </p14:xfrm>
+          </p:contentPart>
+        </mc:Choice>
+        <mc:Fallback>
+          <p:pic>
+            <p:nvPicPr>
+              <p:cNvPr id="4" name="잉크 3">
+                <a:extLst>
+                  <a:ext uri="{FF2B5EF4-FFF2-40B4-BE49-F238E27FC236}">
+                    <a16:creationId xmlns:a16="http://schemas.microsoft.com/office/drawing/2014/main" id="{E769339B-4A1F-93E6-B378-8517A7DBACDA}"/>
+                  </a:ext>
+                </a:extLst>
+              </p:cNvPr>
+              <p:cNvPicPr/>
+              <p:nvPr/>
+            </p:nvPicPr>
+            <p:blipFill>
+              <a:blip r:embed="rId7"/>
+              <a:stretch>
+                <a:fillRect/>
+              </a:stretch>
+            </p:blipFill>
+            <p:spPr>
+              <a:xfrm>
+                <a:off x="4958614" y="1644686"/>
+                <a:ext cx="6523560" cy="216000"/>
+              </a:xfrm>
+              <a:prstGeom prst="rect">
+                <a:avLst/>
+              </a:prstGeom>
+            </p:spPr>
+          </p:pic>
+        </mc:Fallback>
+      </mc:AlternateContent>
     </p:spTree>
     <p:extLst>
       <p:ext uri="{BB962C8B-B14F-4D97-AF65-F5344CB8AC3E}">
@@ -3860,7 +5260,7 @@
 </p:sld>
 </file>
 
-<file path=ppt/slides/slide13.xml><?xml version="1.0" encoding="utf-8"?>
+<file path=ppt/slides/slide17.xml><?xml version="1.0" encoding="utf-8"?>
 <p:sld xmlns:a="http://schemas.openxmlformats.org/drawingml/2006/main" xmlns:r="http://schemas.openxmlformats.org/officeDocument/2006/relationships" xmlns:p="http://schemas.openxmlformats.org/presentationml/2006/main">
   <p:cSld>
     <p:spTree>
@@ -3937,6 +5337,57 @@
           </a:prstGeom>
         </p:spPr>
       </p:pic>
+      <mc:AlternateContent xmlns:mc="http://schemas.openxmlformats.org/markup-compatibility/2006">
+        <mc:Choice xmlns:p14="http://schemas.microsoft.com/office/powerpoint/2010/main" Requires="p14">
+          <p:contentPart p14:bwMode="auto" r:id="rId4">
+            <p14:nvContentPartPr>
+              <p14:cNvPr id="2" name="잉크 1">
+                <a:extLst>
+                  <a:ext uri="{FF2B5EF4-FFF2-40B4-BE49-F238E27FC236}">
+                    <a16:creationId xmlns:a16="http://schemas.microsoft.com/office/drawing/2014/main" id="{4438FBED-1ECD-D8CF-C4A6-A0137ABFF2E8}"/>
+                  </a:ext>
+                </a:extLst>
+              </p14:cNvPr>
+              <p14:cNvContentPartPr/>
+              <p14:nvPr/>
+            </p14:nvContentPartPr>
+            <p14:xfrm>
+              <a:off x="717814" y="1556486"/>
+              <a:ext cx="1109160" cy="360"/>
+            </p14:xfrm>
+          </p:contentPart>
+        </mc:Choice>
+        <mc:Fallback>
+          <p:pic>
+            <p:nvPicPr>
+              <p:cNvPr id="2" name="잉크 1">
+                <a:extLst>
+                  <a:ext uri="{FF2B5EF4-FFF2-40B4-BE49-F238E27FC236}">
+                    <a16:creationId xmlns:a16="http://schemas.microsoft.com/office/drawing/2014/main" id="{4438FBED-1ECD-D8CF-C4A6-A0137ABFF2E8}"/>
+                  </a:ext>
+                </a:extLst>
+              </p:cNvPr>
+              <p:cNvPicPr/>
+              <p:nvPr/>
+            </p:nvPicPr>
+            <p:blipFill>
+              <a:blip r:embed="rId5"/>
+              <a:stretch>
+                <a:fillRect/>
+              </a:stretch>
+            </p:blipFill>
+            <p:spPr>
+              <a:xfrm>
+                <a:off x="664174" y="1448846"/>
+                <a:ext cx="1216800" cy="216000"/>
+              </a:xfrm>
+              <a:prstGeom prst="rect">
+                <a:avLst/>
+              </a:prstGeom>
+            </p:spPr>
+          </p:pic>
+        </mc:Fallback>
+      </mc:AlternateContent>
     </p:spTree>
     <p:extLst>
       <p:ext uri="{BB962C8B-B14F-4D97-AF65-F5344CB8AC3E}">
@@ -3950,7 +5401,7 @@
 </p:sld>
 </file>
 
-<file path=ppt/slides/slide14.xml><?xml version="1.0" encoding="utf-8"?>
+<file path=ppt/slides/slide18.xml><?xml version="1.0" encoding="utf-8"?>
 <p:sld xmlns:a="http://schemas.openxmlformats.org/drawingml/2006/main" xmlns:r="http://schemas.openxmlformats.org/officeDocument/2006/relationships" xmlns:p="http://schemas.openxmlformats.org/presentationml/2006/main">
   <p:cSld>
     <p:spTree>
@@ -4100,7 +5551,7 @@
 </p:sld>
 </file>
 
-<file path=ppt/slides/slide15.xml><?xml version="1.0" encoding="utf-8"?>
+<file path=ppt/slides/slide19.xml><?xml version="1.0" encoding="utf-8"?>
 <p:sld xmlns:a="http://schemas.openxmlformats.org/drawingml/2006/main" xmlns:r="http://schemas.openxmlformats.org/officeDocument/2006/relationships" xmlns:p="http://schemas.openxmlformats.org/presentationml/2006/main">
   <p:cSld>
     <p:spTree>
@@ -4551,6 +6002,57 @@
           </a:p>
         </p:txBody>
       </p:sp>
+      <mc:AlternateContent xmlns:mc="http://schemas.openxmlformats.org/markup-compatibility/2006">
+        <mc:Choice xmlns:p14="http://schemas.microsoft.com/office/powerpoint/2010/main" Requires="p14">
+          <p:contentPart p14:bwMode="auto" r:id="rId4">
+            <p14:nvContentPartPr>
+              <p14:cNvPr id="2" name="잉크 1">
+                <a:extLst>
+                  <a:ext uri="{FF2B5EF4-FFF2-40B4-BE49-F238E27FC236}">
+                    <a16:creationId xmlns:a16="http://schemas.microsoft.com/office/drawing/2014/main" id="{4D10B4BC-0A50-817D-6AB5-936BA90D1028}"/>
+                  </a:ext>
+                </a:extLst>
+              </p14:cNvPr>
+              <p14:cNvContentPartPr/>
+              <p14:nvPr/>
+            </p14:nvContentPartPr>
+            <p14:xfrm>
+              <a:off x="750574" y="1605446"/>
+              <a:ext cx="2774520" cy="360"/>
+            </p14:xfrm>
+          </p:contentPart>
+        </mc:Choice>
+        <mc:Fallback>
+          <p:pic>
+            <p:nvPicPr>
+              <p:cNvPr id="2" name="잉크 1">
+                <a:extLst>
+                  <a:ext uri="{FF2B5EF4-FFF2-40B4-BE49-F238E27FC236}">
+                    <a16:creationId xmlns:a16="http://schemas.microsoft.com/office/drawing/2014/main" id="{4D10B4BC-0A50-817D-6AB5-936BA90D1028}"/>
+                  </a:ext>
+                </a:extLst>
+              </p:cNvPr>
+              <p:cNvPicPr/>
+              <p:nvPr/>
+            </p:nvPicPr>
+            <p:blipFill>
+              <a:blip r:embed="rId5"/>
+              <a:stretch>
+                <a:fillRect/>
+              </a:stretch>
+            </p:blipFill>
+            <p:spPr>
+              <a:xfrm>
+                <a:off x="696574" y="1497806"/>
+                <a:ext cx="2882160" cy="216000"/>
+              </a:xfrm>
+              <a:prstGeom prst="rect">
+                <a:avLst/>
+              </a:prstGeom>
+            </p:spPr>
+          </p:pic>
+        </mc:Fallback>
+      </mc:AlternateContent>
     </p:spTree>
     <p:extLst>
       <p:ext uri="{BB962C8B-B14F-4D97-AF65-F5344CB8AC3E}">
@@ -4564,7 +6066,128 @@
 </p:sld>
 </file>
 
-<file path=ppt/slides/slide16.xml><?xml version="1.0" encoding="utf-8"?>
+<file path=ppt/slides/slide2.xml><?xml version="1.0" encoding="utf-8"?>
+<p:sld xmlns:a="http://schemas.openxmlformats.org/drawingml/2006/main" xmlns:r="http://schemas.openxmlformats.org/officeDocument/2006/relationships" xmlns:p="http://schemas.openxmlformats.org/presentationml/2006/main">
+  <p:cSld>
+    <p:spTree>
+      <p:nvGrpSpPr>
+        <p:cNvPr id="1" name=""/>
+        <p:cNvGrpSpPr/>
+        <p:nvPr/>
+      </p:nvGrpSpPr>
+      <p:grpSpPr>
+        <a:xfrm>
+          <a:off x="0" y="0"/>
+          <a:ext cx="0" cy="0"/>
+          <a:chOff x="0" y="0"/>
+          <a:chExt cx="0" cy="0"/>
+        </a:xfrm>
+      </p:grpSpPr>
+      <p:sp>
+        <p:nvSpPr>
+          <p:cNvPr id="2" name="제목 1">
+            <a:extLst>
+              <a:ext uri="{FF2B5EF4-FFF2-40B4-BE49-F238E27FC236}">
+                <a16:creationId xmlns:a16="http://schemas.microsoft.com/office/drawing/2014/main" id="{0E0D856F-4106-A50C-D169-B97267D7C681}"/>
+              </a:ext>
+            </a:extLst>
+          </p:cNvPr>
+          <p:cNvSpPr>
+            <a:spLocks noGrp="1"/>
+          </p:cNvSpPr>
+          <p:nvPr>
+            <p:ph type="title"/>
+          </p:nvPr>
+        </p:nvSpPr>
+        <p:spPr/>
+        <p:txBody>
+          <a:bodyPr/>
+          <a:lstStyle/>
+          <a:p>
+            <a:r>
+              <a:rPr lang="en-US" altLang="ko-KR" b="1" dirty="0"/>
+              <a:t>&lt; </a:t>
+            </a:r>
+            <a:r>
+              <a:rPr lang="ko-KR" altLang="en-US" b="1" dirty="0"/>
+              <a:t>학습 내용 </a:t>
+            </a:r>
+            <a:r>
+              <a:rPr lang="en-US" altLang="ko-KR" b="1" dirty="0"/>
+              <a:t>&gt;</a:t>
+            </a:r>
+            <a:endParaRPr lang="ko-KR" altLang="en-US" b="1" dirty="0"/>
+          </a:p>
+        </p:txBody>
+      </p:sp>
+      <p:sp>
+        <p:nvSpPr>
+          <p:cNvPr id="3" name="세로 텍스트 개체 틀 2">
+            <a:extLst>
+              <a:ext uri="{FF2B5EF4-FFF2-40B4-BE49-F238E27FC236}">
+                <a16:creationId xmlns:a16="http://schemas.microsoft.com/office/drawing/2014/main" id="{29490A46-00F2-4D62-ABCC-029E4074B162}"/>
+              </a:ext>
+            </a:extLst>
+          </p:cNvPr>
+          <p:cNvSpPr>
+            <a:spLocks noGrp="1"/>
+          </p:cNvSpPr>
+          <p:nvPr>
+            <p:ph type="body" orient="vert" idx="1"/>
+          </p:nvPr>
+        </p:nvSpPr>
+        <p:spPr/>
+        <p:txBody>
+          <a:bodyPr vert="horz">
+            <a:normAutofit/>
+          </a:bodyPr>
+          <a:lstStyle/>
+          <a:p>
+            <a:r>
+              <a:rPr lang="ko-KR" altLang="en-US" sz="4000" dirty="0"/>
+              <a:t> </a:t>
+            </a:r>
+            <a:r>
+              <a:rPr lang="ko-KR" altLang="en-US" sz="4000" dirty="0" err="1"/>
+              <a:t>딕셔너리</a:t>
+            </a:r>
+            <a:endParaRPr lang="en-US" altLang="ko-KR" sz="4000" dirty="0"/>
+          </a:p>
+          <a:p>
+            <a:endParaRPr lang="en-US" altLang="ko-KR" sz="4000" dirty="0"/>
+          </a:p>
+          <a:p>
+            <a:r>
+              <a:rPr lang="ko-KR" altLang="en-US" sz="4000" dirty="0"/>
+              <a:t> 집합</a:t>
+            </a:r>
+            <a:endParaRPr lang="en-US" altLang="ko-KR" sz="4000" dirty="0"/>
+          </a:p>
+          <a:p>
+            <a:endParaRPr lang="en-US" altLang="ko-KR" sz="4000" dirty="0"/>
+          </a:p>
+          <a:p>
+            <a:r>
+              <a:rPr lang="ko-KR" altLang="en-US" sz="4000" dirty="0"/>
+              <a:t> 컬렉션</a:t>
+            </a:r>
+          </a:p>
+        </p:txBody>
+      </p:sp>
+    </p:spTree>
+    <p:extLst>
+      <p:ext uri="{BB962C8B-B14F-4D97-AF65-F5344CB8AC3E}">
+        <p14:creationId xmlns:p14="http://schemas.microsoft.com/office/powerpoint/2010/main" val="618819181"/>
+      </p:ext>
+    </p:extLst>
+  </p:cSld>
+  <p:clrMapOvr>
+    <a:masterClrMapping/>
+  </p:clrMapOvr>
+</p:sld>
+</file>
+
+<file path=ppt/slides/slide20.xml><?xml version="1.0" encoding="utf-8"?>
 <p:sld xmlns:a="http://schemas.openxmlformats.org/drawingml/2006/main" xmlns:r="http://schemas.openxmlformats.org/officeDocument/2006/relationships" xmlns:p="http://schemas.openxmlformats.org/presentationml/2006/main">
   <p:cSld>
     <p:spTree>
@@ -4641,6 +6264,57 @@
           </a:prstGeom>
         </p:spPr>
       </p:pic>
+      <mc:AlternateContent xmlns:mc="http://schemas.openxmlformats.org/markup-compatibility/2006">
+        <mc:Choice xmlns:p14="http://schemas.microsoft.com/office/powerpoint/2010/main" Requires="p14">
+          <p:contentPart p14:bwMode="auto" r:id="rId4">
+            <p14:nvContentPartPr>
+              <p14:cNvPr id="4" name="잉크 3">
+                <a:extLst>
+                  <a:ext uri="{FF2B5EF4-FFF2-40B4-BE49-F238E27FC236}">
+                    <a16:creationId xmlns:a16="http://schemas.microsoft.com/office/drawing/2014/main" id="{94355DCC-A20D-DFB6-2590-08B65D73FD73}"/>
+                  </a:ext>
+                </a:extLst>
+              </p14:cNvPr>
+              <p14:cNvContentPartPr/>
+              <p14:nvPr/>
+            </p14:nvContentPartPr>
+            <p14:xfrm>
+              <a:off x="864694" y="2447846"/>
+              <a:ext cx="6850080" cy="360"/>
+            </p14:xfrm>
+          </p:contentPart>
+        </mc:Choice>
+        <mc:Fallback>
+          <p:pic>
+            <p:nvPicPr>
+              <p:cNvPr id="4" name="잉크 3">
+                <a:extLst>
+                  <a:ext uri="{FF2B5EF4-FFF2-40B4-BE49-F238E27FC236}">
+                    <a16:creationId xmlns:a16="http://schemas.microsoft.com/office/drawing/2014/main" id="{94355DCC-A20D-DFB6-2590-08B65D73FD73}"/>
+                  </a:ext>
+                </a:extLst>
+              </p:cNvPr>
+              <p:cNvPicPr/>
+              <p:nvPr/>
+            </p:nvPicPr>
+            <p:blipFill>
+              <a:blip r:embed="rId5"/>
+              <a:stretch>
+                <a:fillRect/>
+              </a:stretch>
+            </p:blipFill>
+            <p:spPr>
+              <a:xfrm>
+                <a:off x="774694" y="2268206"/>
+                <a:ext cx="7029720" cy="360000"/>
+              </a:xfrm>
+              <a:prstGeom prst="rect">
+                <a:avLst/>
+              </a:prstGeom>
+            </p:spPr>
+          </p:pic>
+        </mc:Fallback>
+      </mc:AlternateContent>
     </p:spTree>
     <p:extLst>
       <p:ext uri="{BB962C8B-B14F-4D97-AF65-F5344CB8AC3E}">
@@ -4654,7 +6328,7 @@
 </p:sld>
 </file>
 
-<file path=ppt/slides/slide17.xml><?xml version="1.0" encoding="utf-8"?>
+<file path=ppt/slides/slide21.xml><?xml version="1.0" encoding="utf-8"?>
 <p:sld xmlns:a="http://schemas.openxmlformats.org/drawingml/2006/main" xmlns:r="http://schemas.openxmlformats.org/officeDocument/2006/relationships" xmlns:p="http://schemas.openxmlformats.org/presentationml/2006/main">
   <p:cSld>
     <p:spTree>
@@ -4731,6 +6405,159 @@
           </a:prstGeom>
         </p:spPr>
       </p:pic>
+      <mc:AlternateContent xmlns:mc="http://schemas.openxmlformats.org/markup-compatibility/2006">
+        <mc:Choice xmlns:p14="http://schemas.microsoft.com/office/powerpoint/2010/main" Requires="p14">
+          <p:contentPart p14:bwMode="auto" r:id="rId4">
+            <p14:nvContentPartPr>
+              <p14:cNvPr id="2" name="잉크 1">
+                <a:extLst>
+                  <a:ext uri="{FF2B5EF4-FFF2-40B4-BE49-F238E27FC236}">
+                    <a16:creationId xmlns:a16="http://schemas.microsoft.com/office/drawing/2014/main" id="{3F5814A9-2965-BC6E-B120-803D7586D154}"/>
+                  </a:ext>
+                </a:extLst>
+              </p14:cNvPr>
+              <p14:cNvContentPartPr/>
+              <p14:nvPr/>
+            </p14:nvContentPartPr>
+            <p14:xfrm>
+              <a:off x="995374" y="2595806"/>
+              <a:ext cx="1411200" cy="35640"/>
+            </p14:xfrm>
+          </p:contentPart>
+        </mc:Choice>
+        <mc:Fallback>
+          <p:pic>
+            <p:nvPicPr>
+              <p:cNvPr id="2" name="잉크 1">
+                <a:extLst>
+                  <a:ext uri="{FF2B5EF4-FFF2-40B4-BE49-F238E27FC236}">
+                    <a16:creationId xmlns:a16="http://schemas.microsoft.com/office/drawing/2014/main" id="{3F5814A9-2965-BC6E-B120-803D7586D154}"/>
+                  </a:ext>
+                </a:extLst>
+              </p:cNvPr>
+              <p:cNvPicPr/>
+              <p:nvPr/>
+            </p:nvPicPr>
+            <p:blipFill>
+              <a:blip r:embed="rId5"/>
+              <a:stretch>
+                <a:fillRect/>
+              </a:stretch>
+            </p:blipFill>
+            <p:spPr>
+              <a:xfrm>
+                <a:off x="923734" y="2451806"/>
+                <a:ext cx="1554840" cy="323280"/>
+              </a:xfrm>
+              <a:prstGeom prst="rect">
+                <a:avLst/>
+              </a:prstGeom>
+            </p:spPr>
+          </p:pic>
+        </mc:Fallback>
+      </mc:AlternateContent>
+      <mc:AlternateContent xmlns:mc="http://schemas.openxmlformats.org/markup-compatibility/2006">
+        <mc:Choice xmlns:p14="http://schemas.microsoft.com/office/powerpoint/2010/main" Requires="p14">
+          <p:contentPart p14:bwMode="auto" r:id="rId6">
+            <p14:nvContentPartPr>
+              <p14:cNvPr id="5" name="잉크 4">
+                <a:extLst>
+                  <a:ext uri="{FF2B5EF4-FFF2-40B4-BE49-F238E27FC236}">
+                    <a16:creationId xmlns:a16="http://schemas.microsoft.com/office/drawing/2014/main" id="{34584B3E-1900-4373-DFAD-F1CB2FD54AB0}"/>
+                  </a:ext>
+                </a:extLst>
+              </p14:cNvPr>
+              <p14:cNvContentPartPr/>
+              <p14:nvPr/>
+            </p14:nvContentPartPr>
+            <p14:xfrm>
+              <a:off x="2367334" y="2631086"/>
+              <a:ext cx="5994360" cy="360"/>
+            </p14:xfrm>
+          </p:contentPart>
+        </mc:Choice>
+        <mc:Fallback>
+          <p:pic>
+            <p:nvPicPr>
+              <p:cNvPr id="5" name="잉크 4">
+                <a:extLst>
+                  <a:ext uri="{FF2B5EF4-FFF2-40B4-BE49-F238E27FC236}">
+                    <a16:creationId xmlns:a16="http://schemas.microsoft.com/office/drawing/2014/main" id="{34584B3E-1900-4373-DFAD-F1CB2FD54AB0}"/>
+                  </a:ext>
+                </a:extLst>
+              </p:cNvPr>
+              <p:cNvPicPr/>
+              <p:nvPr/>
+            </p:nvPicPr>
+            <p:blipFill>
+              <a:blip r:embed="rId7"/>
+              <a:stretch>
+                <a:fillRect/>
+              </a:stretch>
+            </p:blipFill>
+            <p:spPr>
+              <a:xfrm>
+                <a:off x="2295694" y="2487086"/>
+                <a:ext cx="6138000" cy="288000"/>
+              </a:xfrm>
+              <a:prstGeom prst="rect">
+                <a:avLst/>
+              </a:prstGeom>
+            </p:spPr>
+          </p:pic>
+        </mc:Fallback>
+      </mc:AlternateContent>
+      <mc:AlternateContent xmlns:mc="http://schemas.openxmlformats.org/markup-compatibility/2006">
+        <mc:Choice xmlns:p14="http://schemas.microsoft.com/office/powerpoint/2010/main" Requires="p14">
+          <p:contentPart p14:bwMode="auto" r:id="rId8">
+            <p14:nvContentPartPr>
+              <p14:cNvPr id="6" name="잉크 5">
+                <a:extLst>
+                  <a:ext uri="{FF2B5EF4-FFF2-40B4-BE49-F238E27FC236}">
+                    <a16:creationId xmlns:a16="http://schemas.microsoft.com/office/drawing/2014/main" id="{5DCC2CD8-2BA5-9F6B-6761-C2CE1C774BC8}"/>
+                  </a:ext>
+                </a:extLst>
+              </p14:cNvPr>
+              <p14:cNvContentPartPr/>
+              <p14:nvPr/>
+            </p14:nvContentPartPr>
+            <p14:xfrm>
+              <a:off x="962974" y="4541246"/>
+              <a:ext cx="5223600" cy="360"/>
+            </p14:xfrm>
+          </p:contentPart>
+        </mc:Choice>
+        <mc:Fallback>
+          <p:pic>
+            <p:nvPicPr>
+              <p:cNvPr id="6" name="잉크 5">
+                <a:extLst>
+                  <a:ext uri="{FF2B5EF4-FFF2-40B4-BE49-F238E27FC236}">
+                    <a16:creationId xmlns:a16="http://schemas.microsoft.com/office/drawing/2014/main" id="{5DCC2CD8-2BA5-9F6B-6761-C2CE1C774BC8}"/>
+                  </a:ext>
+                </a:extLst>
+              </p:cNvPr>
+              <p:cNvPicPr/>
+              <p:nvPr/>
+            </p:nvPicPr>
+            <p:blipFill>
+              <a:blip r:embed="rId9"/>
+              <a:stretch>
+                <a:fillRect/>
+              </a:stretch>
+            </p:blipFill>
+            <p:spPr>
+              <a:xfrm>
+                <a:off x="890974" y="4397606"/>
+                <a:ext cx="5367240" cy="288000"/>
+              </a:xfrm>
+              <a:prstGeom prst="rect">
+                <a:avLst/>
+              </a:prstGeom>
+            </p:spPr>
+          </p:pic>
+        </mc:Fallback>
+      </mc:AlternateContent>
     </p:spTree>
     <p:extLst>
       <p:ext uri="{BB962C8B-B14F-4D97-AF65-F5344CB8AC3E}">
@@ -4744,7 +6571,7 @@
 </p:sld>
 </file>
 
-<file path=ppt/slides/slide18.xml><?xml version="1.0" encoding="utf-8"?>
+<file path=ppt/slides/slide22.xml><?xml version="1.0" encoding="utf-8"?>
 <p:sld xmlns:a="http://schemas.openxmlformats.org/drawingml/2006/main" xmlns:r="http://schemas.openxmlformats.org/officeDocument/2006/relationships" xmlns:p="http://schemas.openxmlformats.org/presentationml/2006/main">
   <p:cSld>
     <p:spTree>
@@ -4821,6 +6648,57 @@
           </a:prstGeom>
         </p:spPr>
       </p:pic>
+      <mc:AlternateContent xmlns:mc="http://schemas.openxmlformats.org/markup-compatibility/2006">
+        <mc:Choice xmlns:p14="http://schemas.microsoft.com/office/powerpoint/2010/main" Requires="p14">
+          <p:contentPart p14:bwMode="auto" r:id="rId4">
+            <p14:nvContentPartPr>
+              <p14:cNvPr id="2" name="잉크 1">
+                <a:extLst>
+                  <a:ext uri="{FF2B5EF4-FFF2-40B4-BE49-F238E27FC236}">
+                    <a16:creationId xmlns:a16="http://schemas.microsoft.com/office/drawing/2014/main" id="{32940D7C-88F8-A243-6722-A5ACC715D089}"/>
+                  </a:ext>
+                </a:extLst>
+              </p14:cNvPr>
+              <p14:cNvContentPartPr/>
+              <p14:nvPr/>
+            </p14:nvContentPartPr>
+            <p14:xfrm>
+              <a:off x="7151374" y="1507526"/>
+              <a:ext cx="1128240" cy="360"/>
+            </p14:xfrm>
+          </p:contentPart>
+        </mc:Choice>
+        <mc:Fallback>
+          <p:pic>
+            <p:nvPicPr>
+              <p:cNvPr id="2" name="잉크 1">
+                <a:extLst>
+                  <a:ext uri="{FF2B5EF4-FFF2-40B4-BE49-F238E27FC236}">
+                    <a16:creationId xmlns:a16="http://schemas.microsoft.com/office/drawing/2014/main" id="{32940D7C-88F8-A243-6722-A5ACC715D089}"/>
+                  </a:ext>
+                </a:extLst>
+              </p:cNvPr>
+              <p:cNvPicPr/>
+              <p:nvPr/>
+            </p:nvPicPr>
+            <p:blipFill>
+              <a:blip r:embed="rId5"/>
+              <a:stretch>
+                <a:fillRect/>
+              </a:stretch>
+            </p:blipFill>
+            <p:spPr>
+              <a:xfrm>
+                <a:off x="7097734" y="1399886"/>
+                <a:ext cx="1235880" cy="216000"/>
+              </a:xfrm>
+              <a:prstGeom prst="rect">
+                <a:avLst/>
+              </a:prstGeom>
+            </p:spPr>
+          </p:pic>
+        </mc:Fallback>
+      </mc:AlternateContent>
     </p:spTree>
     <p:extLst>
       <p:ext uri="{BB962C8B-B14F-4D97-AF65-F5344CB8AC3E}">
@@ -4834,7 +6712,7 @@
 </p:sld>
 </file>
 
-<file path=ppt/slides/slide19.xml><?xml version="1.0" encoding="utf-8"?>
+<file path=ppt/slides/slide23.xml><?xml version="1.0" encoding="utf-8"?>
 <p:sld xmlns:a="http://schemas.openxmlformats.org/drawingml/2006/main" xmlns:r="http://schemas.openxmlformats.org/officeDocument/2006/relationships" xmlns:p="http://schemas.openxmlformats.org/presentationml/2006/main">
   <p:cSld>
     <p:spTree>
@@ -4911,6 +6789,210 @@
           </a:prstGeom>
         </p:spPr>
       </p:pic>
+      <mc:AlternateContent xmlns:mc="http://schemas.openxmlformats.org/markup-compatibility/2006">
+        <mc:Choice xmlns:p14="http://schemas.microsoft.com/office/powerpoint/2010/main" Requires="p14">
+          <p:contentPart p14:bwMode="auto" r:id="rId4">
+            <p14:nvContentPartPr>
+              <p14:cNvPr id="2" name="잉크 1">
+                <a:extLst>
+                  <a:ext uri="{FF2B5EF4-FFF2-40B4-BE49-F238E27FC236}">
+                    <a16:creationId xmlns:a16="http://schemas.microsoft.com/office/drawing/2014/main" id="{E2C2B5CC-1335-9F46-A6B1-8DE4F535CE07}"/>
+                  </a:ext>
+                </a:extLst>
+              </p14:cNvPr>
+              <p14:cNvContentPartPr/>
+              <p14:nvPr/>
+            </p14:nvContentPartPr>
+            <p14:xfrm>
+              <a:off x="1518094" y="1605446"/>
+              <a:ext cx="552960" cy="360"/>
+            </p14:xfrm>
+          </p:contentPart>
+        </mc:Choice>
+        <mc:Fallback>
+          <p:pic>
+            <p:nvPicPr>
+              <p:cNvPr id="2" name="잉크 1">
+                <a:extLst>
+                  <a:ext uri="{FF2B5EF4-FFF2-40B4-BE49-F238E27FC236}">
+                    <a16:creationId xmlns:a16="http://schemas.microsoft.com/office/drawing/2014/main" id="{E2C2B5CC-1335-9F46-A6B1-8DE4F535CE07}"/>
+                  </a:ext>
+                </a:extLst>
+              </p:cNvPr>
+              <p:cNvPicPr/>
+              <p:nvPr/>
+            </p:nvPicPr>
+            <p:blipFill>
+              <a:blip r:embed="rId5"/>
+              <a:stretch>
+                <a:fillRect/>
+              </a:stretch>
+            </p:blipFill>
+            <p:spPr>
+              <a:xfrm>
+                <a:off x="1464454" y="1497806"/>
+                <a:ext cx="660600" cy="216000"/>
+              </a:xfrm>
+              <a:prstGeom prst="rect">
+                <a:avLst/>
+              </a:prstGeom>
+            </p:spPr>
+          </p:pic>
+        </mc:Fallback>
+      </mc:AlternateContent>
+      <mc:AlternateContent xmlns:mc="http://schemas.openxmlformats.org/markup-compatibility/2006">
+        <mc:Choice xmlns:p14="http://schemas.microsoft.com/office/powerpoint/2010/main" Requires="p14">
+          <p:contentPart p14:bwMode="auto" r:id="rId6">
+            <p14:nvContentPartPr>
+              <p14:cNvPr id="4" name="잉크 3">
+                <a:extLst>
+                  <a:ext uri="{FF2B5EF4-FFF2-40B4-BE49-F238E27FC236}">
+                    <a16:creationId xmlns:a16="http://schemas.microsoft.com/office/drawing/2014/main" id="{130C33E7-A894-EEDC-456E-DE13AA9EB5E4}"/>
+                  </a:ext>
+                </a:extLst>
+              </p14:cNvPr>
+              <p14:cNvContentPartPr/>
+              <p14:nvPr/>
+            </p14:nvContentPartPr>
+            <p14:xfrm>
+              <a:off x="2710054" y="1605446"/>
+              <a:ext cx="2990880" cy="360"/>
+            </p14:xfrm>
+          </p:contentPart>
+        </mc:Choice>
+        <mc:Fallback>
+          <p:pic>
+            <p:nvPicPr>
+              <p:cNvPr id="4" name="잉크 3">
+                <a:extLst>
+                  <a:ext uri="{FF2B5EF4-FFF2-40B4-BE49-F238E27FC236}">
+                    <a16:creationId xmlns:a16="http://schemas.microsoft.com/office/drawing/2014/main" id="{130C33E7-A894-EEDC-456E-DE13AA9EB5E4}"/>
+                  </a:ext>
+                </a:extLst>
+              </p:cNvPr>
+              <p:cNvPicPr/>
+              <p:nvPr/>
+            </p:nvPicPr>
+            <p:blipFill>
+              <a:blip r:embed="rId7"/>
+              <a:stretch>
+                <a:fillRect/>
+              </a:stretch>
+            </p:blipFill>
+            <p:spPr>
+              <a:xfrm>
+                <a:off x="2656054" y="1497806"/>
+                <a:ext cx="3098520" cy="216000"/>
+              </a:xfrm>
+              <a:prstGeom prst="rect">
+                <a:avLst/>
+              </a:prstGeom>
+            </p:spPr>
+          </p:pic>
+        </mc:Fallback>
+      </mc:AlternateContent>
+      <mc:AlternateContent xmlns:mc="http://schemas.openxmlformats.org/markup-compatibility/2006">
+        <mc:Choice xmlns:p14="http://schemas.microsoft.com/office/powerpoint/2010/main" Requires="p14">
+          <p:contentPart p14:bwMode="auto" r:id="rId8">
+            <p14:nvContentPartPr>
+              <p14:cNvPr id="6" name="잉크 5">
+                <a:extLst>
+                  <a:ext uri="{FF2B5EF4-FFF2-40B4-BE49-F238E27FC236}">
+                    <a16:creationId xmlns:a16="http://schemas.microsoft.com/office/drawing/2014/main" id="{F1D88106-8B44-4BA0-AEDA-94DF90F881F6}"/>
+                  </a:ext>
+                </a:extLst>
+              </p14:cNvPr>
+              <p14:cNvContentPartPr/>
+              <p14:nvPr/>
+            </p14:nvContentPartPr>
+            <p14:xfrm>
+              <a:off x="5861854" y="-1551394"/>
+              <a:ext cx="360" cy="360"/>
+            </p14:xfrm>
+          </p:contentPart>
+        </mc:Choice>
+        <mc:Fallback>
+          <p:pic>
+            <p:nvPicPr>
+              <p:cNvPr id="6" name="잉크 5">
+                <a:extLst>
+                  <a:ext uri="{FF2B5EF4-FFF2-40B4-BE49-F238E27FC236}">
+                    <a16:creationId xmlns:a16="http://schemas.microsoft.com/office/drawing/2014/main" id="{F1D88106-8B44-4BA0-AEDA-94DF90F881F6}"/>
+                  </a:ext>
+                </a:extLst>
+              </p:cNvPr>
+              <p:cNvPicPr/>
+              <p:nvPr/>
+            </p:nvPicPr>
+            <p:blipFill>
+              <a:blip r:embed="rId9"/>
+              <a:stretch>
+                <a:fillRect/>
+              </a:stretch>
+            </p:blipFill>
+            <p:spPr>
+              <a:xfrm>
+                <a:off x="5807854" y="-1659394"/>
+                <a:ext cx="108000" cy="216000"/>
+              </a:xfrm>
+              <a:prstGeom prst="rect">
+                <a:avLst/>
+              </a:prstGeom>
+            </p:spPr>
+          </p:pic>
+        </mc:Fallback>
+      </mc:AlternateContent>
+      <mc:AlternateContent xmlns:mc="http://schemas.openxmlformats.org/markup-compatibility/2006">
+        <mc:Choice xmlns:p14="http://schemas.microsoft.com/office/powerpoint/2010/main" Requires="p14">
+          <p:contentPart p14:bwMode="auto" r:id="rId10">
+            <p14:nvContentPartPr>
+              <p14:cNvPr id="7" name="잉크 6">
+                <a:extLst>
+                  <a:ext uri="{FF2B5EF4-FFF2-40B4-BE49-F238E27FC236}">
+                    <a16:creationId xmlns:a16="http://schemas.microsoft.com/office/drawing/2014/main" id="{790ABEF8-CF19-42F8-E7D8-435C0698ECD2}"/>
+                  </a:ext>
+                </a:extLst>
+              </p14:cNvPr>
+              <p14:cNvContentPartPr/>
+              <p14:nvPr/>
+            </p14:nvContentPartPr>
+            <p14:xfrm>
+              <a:off x="701614" y="1132046"/>
+              <a:ext cx="554760" cy="360"/>
+            </p14:xfrm>
+          </p:contentPart>
+        </mc:Choice>
+        <mc:Fallback>
+          <p:pic>
+            <p:nvPicPr>
+              <p:cNvPr id="7" name="잉크 6">
+                <a:extLst>
+                  <a:ext uri="{FF2B5EF4-FFF2-40B4-BE49-F238E27FC236}">
+                    <a16:creationId xmlns:a16="http://schemas.microsoft.com/office/drawing/2014/main" id="{790ABEF8-CF19-42F8-E7D8-435C0698ECD2}"/>
+                  </a:ext>
+                </a:extLst>
+              </p:cNvPr>
+              <p:cNvPicPr/>
+              <p:nvPr/>
+            </p:nvPicPr>
+            <p:blipFill>
+              <a:blip r:embed="rId11"/>
+              <a:stretch>
+                <a:fillRect/>
+              </a:stretch>
+            </p:blipFill>
+            <p:spPr>
+              <a:xfrm>
+                <a:off x="647974" y="1024406"/>
+                <a:ext cx="662400" cy="216000"/>
+              </a:xfrm>
+              <a:prstGeom prst="rect">
+                <a:avLst/>
+              </a:prstGeom>
+            </p:spPr>
+          </p:pic>
+        </mc:Fallback>
+      </mc:AlternateContent>
     </p:spTree>
     <p:extLst>
       <p:ext uri="{BB962C8B-B14F-4D97-AF65-F5344CB8AC3E}">
@@ -4924,97 +7006,7 @@
 </p:sld>
 </file>
 
-<file path=ppt/slides/slide2.xml><?xml version="1.0" encoding="utf-8"?>
-<p:sld xmlns:a="http://schemas.openxmlformats.org/drawingml/2006/main" xmlns:r="http://schemas.openxmlformats.org/officeDocument/2006/relationships" xmlns:p="http://schemas.openxmlformats.org/presentationml/2006/main">
-  <p:cSld>
-    <p:spTree>
-      <p:nvGrpSpPr>
-        <p:cNvPr id="1" name=""/>
-        <p:cNvGrpSpPr/>
-        <p:nvPr/>
-      </p:nvGrpSpPr>
-      <p:grpSpPr>
-        <a:xfrm>
-          <a:off x="0" y="0"/>
-          <a:ext cx="0" cy="0"/>
-          <a:chOff x="0" y="0"/>
-          <a:chExt cx="0" cy="0"/>
-        </a:xfrm>
-      </p:grpSpPr>
-      <p:pic>
-        <p:nvPicPr>
-          <p:cNvPr id="3" name="그림 2">
-            <a:extLst>
-              <a:ext uri="{FF2B5EF4-FFF2-40B4-BE49-F238E27FC236}">
-                <a16:creationId xmlns:a16="http://schemas.microsoft.com/office/drawing/2014/main" id="{F58FAA5C-FAEA-B083-13F0-C1CF663C03EB}"/>
-              </a:ext>
-            </a:extLst>
-          </p:cNvPr>
-          <p:cNvPicPr>
-            <a:picLocks noChangeAspect="1"/>
-          </p:cNvPicPr>
-          <p:nvPr/>
-        </p:nvPicPr>
-        <p:blipFill>
-          <a:blip r:embed="rId2"/>
-          <a:stretch>
-            <a:fillRect/>
-          </a:stretch>
-        </p:blipFill>
-        <p:spPr>
-          <a:xfrm>
-            <a:off x="511994" y="533888"/>
-            <a:ext cx="9602248" cy="5866912"/>
-          </a:xfrm>
-          <a:prstGeom prst="rect">
-            <a:avLst/>
-          </a:prstGeom>
-        </p:spPr>
-      </p:pic>
-      <p:pic>
-        <p:nvPicPr>
-          <p:cNvPr id="5" name="그림 4">
-            <a:extLst>
-              <a:ext uri="{FF2B5EF4-FFF2-40B4-BE49-F238E27FC236}">
-                <a16:creationId xmlns:a16="http://schemas.microsoft.com/office/drawing/2014/main" id="{2A9983B2-7803-2792-AA0F-0B2F7FD8EC6E}"/>
-              </a:ext>
-            </a:extLst>
-          </p:cNvPr>
-          <p:cNvPicPr>
-            <a:picLocks noChangeAspect="1"/>
-          </p:cNvPicPr>
-          <p:nvPr/>
-        </p:nvPicPr>
-        <p:blipFill>
-          <a:blip r:embed="rId3"/>
-          <a:stretch>
-            <a:fillRect/>
-          </a:stretch>
-        </p:blipFill>
-        <p:spPr>
-          <a:xfrm>
-            <a:off x="9230369" y="4267172"/>
-            <a:ext cx="2596962" cy="1888699"/>
-          </a:xfrm>
-          <a:prstGeom prst="rect">
-            <a:avLst/>
-          </a:prstGeom>
-        </p:spPr>
-      </p:pic>
-    </p:spTree>
-    <p:extLst>
-      <p:ext uri="{BB962C8B-B14F-4D97-AF65-F5344CB8AC3E}">
-        <p14:creationId xmlns:p14="http://schemas.microsoft.com/office/powerpoint/2010/main" val="2306986436"/>
-      </p:ext>
-    </p:extLst>
-  </p:cSld>
-  <p:clrMapOvr>
-    <a:masterClrMapping/>
-  </p:clrMapOvr>
-</p:sld>
-</file>
-
-<file path=ppt/slides/slide20.xml><?xml version="1.0" encoding="utf-8"?>
+<file path=ppt/slides/slide24.xml><?xml version="1.0" encoding="utf-8"?>
 <p:sld xmlns:a="http://schemas.openxmlformats.org/drawingml/2006/main" xmlns:r="http://schemas.openxmlformats.org/officeDocument/2006/relationships" xmlns:p="http://schemas.openxmlformats.org/presentationml/2006/main">
   <p:cSld>
     <p:spTree>
@@ -5091,6 +7083,57 @@
           </a:prstGeom>
         </p:spPr>
       </p:pic>
+      <mc:AlternateContent xmlns:mc="http://schemas.openxmlformats.org/markup-compatibility/2006">
+        <mc:Choice xmlns:p14="http://schemas.microsoft.com/office/powerpoint/2010/main" Requires="p14">
+          <p:contentPart p14:bwMode="auto" r:id="rId4">
+            <p14:nvContentPartPr>
+              <p14:cNvPr id="2" name="잉크 1">
+                <a:extLst>
+                  <a:ext uri="{FF2B5EF4-FFF2-40B4-BE49-F238E27FC236}">
+                    <a16:creationId xmlns:a16="http://schemas.microsoft.com/office/drawing/2014/main" id="{0671D807-9280-9F14-AB4B-A369070311CD}"/>
+                  </a:ext>
+                </a:extLst>
+              </p14:cNvPr>
+              <p14:cNvContentPartPr/>
+              <p14:nvPr/>
+            </p14:nvContentPartPr>
+            <p14:xfrm>
+              <a:off x="717814" y="890486"/>
+              <a:ext cx="522720" cy="360"/>
+            </p14:xfrm>
+          </p:contentPart>
+        </mc:Choice>
+        <mc:Fallback>
+          <p:pic>
+            <p:nvPicPr>
+              <p:cNvPr id="2" name="잉크 1">
+                <a:extLst>
+                  <a:ext uri="{FF2B5EF4-FFF2-40B4-BE49-F238E27FC236}">
+                    <a16:creationId xmlns:a16="http://schemas.microsoft.com/office/drawing/2014/main" id="{0671D807-9280-9F14-AB4B-A369070311CD}"/>
+                  </a:ext>
+                </a:extLst>
+              </p:cNvPr>
+              <p:cNvPicPr/>
+              <p:nvPr/>
+            </p:nvPicPr>
+            <p:blipFill>
+              <a:blip r:embed="rId5"/>
+              <a:stretch>
+                <a:fillRect/>
+              </a:stretch>
+            </p:blipFill>
+            <p:spPr>
+              <a:xfrm>
+                <a:off x="682174" y="818846"/>
+                <a:ext cx="594360" cy="144000"/>
+              </a:xfrm>
+              <a:prstGeom prst="rect">
+                <a:avLst/>
+              </a:prstGeom>
+            </p:spPr>
+          </p:pic>
+        </mc:Fallback>
+      </mc:AlternateContent>
     </p:spTree>
     <p:extLst>
       <p:ext uri="{BB962C8B-B14F-4D97-AF65-F5344CB8AC3E}">
@@ -5104,7 +7147,7 @@
 </p:sld>
 </file>
 
-<file path=ppt/slides/slide21.xml><?xml version="1.0" encoding="utf-8"?>
+<file path=ppt/slides/slide25.xml><?xml version="1.0" encoding="utf-8"?>
 <p:sld xmlns:a="http://schemas.openxmlformats.org/drawingml/2006/main" xmlns:r="http://schemas.openxmlformats.org/officeDocument/2006/relationships" xmlns:p="http://schemas.openxmlformats.org/presentationml/2006/main">
   <p:cSld>
     <p:spTree>
@@ -5194,7 +7237,509 @@
 </p:sld>
 </file>
 
+<file path=ppt/slides/slide26.xml><?xml version="1.0" encoding="utf-8"?>
+<p:sld xmlns:a="http://schemas.openxmlformats.org/drawingml/2006/main" xmlns:r="http://schemas.openxmlformats.org/officeDocument/2006/relationships" xmlns:p="http://schemas.openxmlformats.org/presentationml/2006/main">
+  <p:cSld>
+    <p:spTree>
+      <p:nvGrpSpPr>
+        <p:cNvPr id="1" name=""/>
+        <p:cNvGrpSpPr/>
+        <p:nvPr/>
+      </p:nvGrpSpPr>
+      <p:grpSpPr>
+        <a:xfrm>
+          <a:off x="0" y="0"/>
+          <a:ext cx="0" cy="0"/>
+          <a:chOff x="0" y="0"/>
+          <a:chExt cx="0" cy="0"/>
+        </a:xfrm>
+      </p:grpSpPr>
+      <p:sp>
+        <p:nvSpPr>
+          <p:cNvPr id="2" name="TextBox 1">
+            <a:extLst>
+              <a:ext uri="{FF2B5EF4-FFF2-40B4-BE49-F238E27FC236}">
+                <a16:creationId xmlns:a16="http://schemas.microsoft.com/office/drawing/2014/main" id="{6D5E47BA-144B-6E25-E282-8F211ABD5221}"/>
+              </a:ext>
+            </a:extLst>
+          </p:cNvPr>
+          <p:cNvSpPr txBox="1"/>
+          <p:nvPr/>
+        </p:nvSpPr>
+        <p:spPr>
+          <a:xfrm>
+            <a:off x="1139371" y="2610838"/>
+            <a:ext cx="9913258" cy="830997"/>
+          </a:xfrm>
+          <a:prstGeom prst="rect">
+            <a:avLst/>
+          </a:prstGeom>
+          <a:noFill/>
+        </p:spPr>
+        <p:txBody>
+          <a:bodyPr wrap="square" rtlCol="0">
+            <a:spAutoFit/>
+          </a:bodyPr>
+          <a:lstStyle/>
+          <a:p>
+            <a:pPr algn="ctr"/>
+            <a:r>
+              <a:rPr lang="en-US" altLang="ko-KR" sz="4800" b="1" dirty="0">
+                <a:solidFill>
+                  <a:schemeClr val="accent1"/>
+                </a:solidFill>
+                <a:latin typeface="+mn-ea"/>
+              </a:rPr>
+              <a:t>&lt; </a:t>
+            </a:r>
+            <a:r>
+              <a:rPr lang="ko-KR" altLang="en-US" sz="4800" b="1" dirty="0">
+                <a:solidFill>
+                  <a:schemeClr val="accent1"/>
+                </a:solidFill>
+                <a:latin typeface="+mn-ea"/>
+              </a:rPr>
+              <a:t>정리하기 </a:t>
+            </a:r>
+            <a:r>
+              <a:rPr lang="en-US" altLang="ko-KR" sz="4800" b="1" dirty="0">
+                <a:solidFill>
+                  <a:schemeClr val="accent1"/>
+                </a:solidFill>
+                <a:latin typeface="+mn-ea"/>
+              </a:rPr>
+              <a:t>&gt;</a:t>
+            </a:r>
+            <a:endParaRPr lang="ko-KR" altLang="en-US" sz="4800" b="1" dirty="0">
+              <a:solidFill>
+                <a:schemeClr val="accent1"/>
+              </a:solidFill>
+              <a:latin typeface="+mn-ea"/>
+            </a:endParaRPr>
+          </a:p>
+        </p:txBody>
+      </p:sp>
+    </p:spTree>
+    <p:extLst>
+      <p:ext uri="{BB962C8B-B14F-4D97-AF65-F5344CB8AC3E}">
+        <p14:creationId xmlns:p14="http://schemas.microsoft.com/office/powerpoint/2010/main" val="3896227482"/>
+      </p:ext>
+    </p:extLst>
+  </p:cSld>
+  <p:clrMapOvr>
+    <a:masterClrMapping/>
+  </p:clrMapOvr>
+</p:sld>
+</file>
+
+<file path=ppt/slides/slide27.xml><?xml version="1.0" encoding="utf-8"?>
+<p:sld xmlns:a="http://schemas.openxmlformats.org/drawingml/2006/main" xmlns:r="http://schemas.openxmlformats.org/officeDocument/2006/relationships" xmlns:p="http://schemas.openxmlformats.org/presentationml/2006/main">
+  <p:cSld>
+    <p:spTree>
+      <p:nvGrpSpPr>
+        <p:cNvPr id="1" name=""/>
+        <p:cNvGrpSpPr/>
+        <p:nvPr/>
+      </p:nvGrpSpPr>
+      <p:grpSpPr>
+        <a:xfrm>
+          <a:off x="0" y="0"/>
+          <a:ext cx="0" cy="0"/>
+          <a:chOff x="0" y="0"/>
+          <a:chExt cx="0" cy="0"/>
+        </a:xfrm>
+      </p:grpSpPr>
+      <p:pic>
+        <p:nvPicPr>
+          <p:cNvPr id="3" name="그림 2">
+            <a:extLst>
+              <a:ext uri="{FF2B5EF4-FFF2-40B4-BE49-F238E27FC236}">
+                <a16:creationId xmlns:a16="http://schemas.microsoft.com/office/drawing/2014/main" id="{2CE01727-4F57-028A-C26E-4ADCC80C6D5D}"/>
+              </a:ext>
+            </a:extLst>
+          </p:cNvPr>
+          <p:cNvPicPr>
+            <a:picLocks noChangeAspect="1"/>
+          </p:cNvPicPr>
+          <p:nvPr/>
+        </p:nvPicPr>
+        <p:blipFill>
+          <a:blip r:embed="rId2"/>
+          <a:stretch>
+            <a:fillRect/>
+          </a:stretch>
+        </p:blipFill>
+        <p:spPr>
+          <a:xfrm>
+            <a:off x="356721" y="387551"/>
+            <a:ext cx="11393804" cy="6143878"/>
+          </a:xfrm>
+          <a:prstGeom prst="rect">
+            <a:avLst/>
+          </a:prstGeom>
+        </p:spPr>
+      </p:pic>
+    </p:spTree>
+    <p:extLst>
+      <p:ext uri="{BB962C8B-B14F-4D97-AF65-F5344CB8AC3E}">
+        <p14:creationId xmlns:p14="http://schemas.microsoft.com/office/powerpoint/2010/main" val="80017013"/>
+      </p:ext>
+    </p:extLst>
+  </p:cSld>
+  <p:clrMapOvr>
+    <a:masterClrMapping/>
+  </p:clrMapOvr>
+</p:sld>
+</file>
+
 <file path=ppt/slides/slide3.xml><?xml version="1.0" encoding="utf-8"?>
+<p:sld xmlns:a="http://schemas.openxmlformats.org/drawingml/2006/main" xmlns:r="http://schemas.openxmlformats.org/officeDocument/2006/relationships" xmlns:p="http://schemas.openxmlformats.org/presentationml/2006/main">
+  <p:cSld>
+    <p:spTree>
+      <p:nvGrpSpPr>
+        <p:cNvPr id="1" name=""/>
+        <p:cNvGrpSpPr/>
+        <p:nvPr/>
+      </p:nvGrpSpPr>
+      <p:grpSpPr>
+        <a:xfrm>
+          <a:off x="0" y="0"/>
+          <a:ext cx="0" cy="0"/>
+          <a:chOff x="0" y="0"/>
+          <a:chExt cx="0" cy="0"/>
+        </a:xfrm>
+      </p:grpSpPr>
+      <p:sp>
+        <p:nvSpPr>
+          <p:cNvPr id="2" name="TextBox 1">
+            <a:extLst>
+              <a:ext uri="{FF2B5EF4-FFF2-40B4-BE49-F238E27FC236}">
+                <a16:creationId xmlns:a16="http://schemas.microsoft.com/office/drawing/2014/main" id="{6D5E47BA-144B-6E25-E282-8F211ABD5221}"/>
+              </a:ext>
+            </a:extLst>
+          </p:cNvPr>
+          <p:cNvSpPr txBox="1"/>
+          <p:nvPr/>
+        </p:nvSpPr>
+        <p:spPr>
+          <a:xfrm>
+            <a:off x="1139371" y="2610838"/>
+            <a:ext cx="9913258" cy="830997"/>
+          </a:xfrm>
+          <a:prstGeom prst="rect">
+            <a:avLst/>
+          </a:prstGeom>
+          <a:noFill/>
+        </p:spPr>
+        <p:txBody>
+          <a:bodyPr wrap="square" rtlCol="0">
+            <a:spAutoFit/>
+          </a:bodyPr>
+          <a:lstStyle/>
+          <a:p>
+            <a:pPr algn="ctr"/>
+            <a:r>
+              <a:rPr lang="en-US" altLang="ko-KR" sz="4800" b="1" dirty="0">
+                <a:solidFill>
+                  <a:schemeClr val="accent1"/>
+                </a:solidFill>
+                <a:latin typeface="+mn-ea"/>
+              </a:rPr>
+              <a:t>&lt; </a:t>
+            </a:r>
+            <a:r>
+              <a:rPr lang="ko-KR" altLang="en-US" sz="4800" b="1" dirty="0" err="1">
+                <a:solidFill>
+                  <a:schemeClr val="accent1"/>
+                </a:solidFill>
+                <a:latin typeface="+mn-ea"/>
+              </a:rPr>
+              <a:t>딕셔너리</a:t>
+            </a:r>
+            <a:r>
+              <a:rPr lang="ko-KR" altLang="en-US" sz="4800" b="1" dirty="0">
+                <a:solidFill>
+                  <a:schemeClr val="accent1"/>
+                </a:solidFill>
+                <a:latin typeface="+mn-ea"/>
+              </a:rPr>
+              <a:t> </a:t>
+            </a:r>
+            <a:r>
+              <a:rPr lang="en-US" altLang="ko-KR" sz="4800" b="1" dirty="0">
+                <a:solidFill>
+                  <a:schemeClr val="accent1"/>
+                </a:solidFill>
+                <a:latin typeface="+mn-ea"/>
+              </a:rPr>
+              <a:t>&gt;</a:t>
+            </a:r>
+            <a:endParaRPr lang="ko-KR" altLang="en-US" sz="4800" b="1" dirty="0">
+              <a:solidFill>
+                <a:schemeClr val="accent1"/>
+              </a:solidFill>
+              <a:latin typeface="+mn-ea"/>
+            </a:endParaRPr>
+          </a:p>
+        </p:txBody>
+      </p:sp>
+    </p:spTree>
+    <p:extLst>
+      <p:ext uri="{BB962C8B-B14F-4D97-AF65-F5344CB8AC3E}">
+        <p14:creationId xmlns:p14="http://schemas.microsoft.com/office/powerpoint/2010/main" val="2450836371"/>
+      </p:ext>
+    </p:extLst>
+  </p:cSld>
+  <p:clrMapOvr>
+    <a:masterClrMapping/>
+  </p:clrMapOvr>
+</p:sld>
+</file>
+
+<file path=ppt/slides/slide4.xml><?xml version="1.0" encoding="utf-8"?>
+<p:sld xmlns:a="http://schemas.openxmlformats.org/drawingml/2006/main" xmlns:r="http://schemas.openxmlformats.org/officeDocument/2006/relationships" xmlns:p="http://schemas.openxmlformats.org/presentationml/2006/main">
+  <p:cSld>
+    <p:spTree>
+      <p:nvGrpSpPr>
+        <p:cNvPr id="1" name=""/>
+        <p:cNvGrpSpPr/>
+        <p:nvPr/>
+      </p:nvGrpSpPr>
+      <p:grpSpPr>
+        <a:xfrm>
+          <a:off x="0" y="0"/>
+          <a:ext cx="0" cy="0"/>
+          <a:chOff x="0" y="0"/>
+          <a:chExt cx="0" cy="0"/>
+        </a:xfrm>
+      </p:grpSpPr>
+      <p:pic>
+        <p:nvPicPr>
+          <p:cNvPr id="3" name="그림 2">
+            <a:extLst>
+              <a:ext uri="{FF2B5EF4-FFF2-40B4-BE49-F238E27FC236}">
+                <a16:creationId xmlns:a16="http://schemas.microsoft.com/office/drawing/2014/main" id="{F58FAA5C-FAEA-B083-13F0-C1CF663C03EB}"/>
+              </a:ext>
+            </a:extLst>
+          </p:cNvPr>
+          <p:cNvPicPr>
+            <a:picLocks noChangeAspect="1"/>
+          </p:cNvPicPr>
+          <p:nvPr/>
+        </p:nvPicPr>
+        <p:blipFill>
+          <a:blip r:embed="rId2"/>
+          <a:stretch>
+            <a:fillRect/>
+          </a:stretch>
+        </p:blipFill>
+        <p:spPr>
+          <a:xfrm>
+            <a:off x="511994" y="533888"/>
+            <a:ext cx="9602248" cy="5866912"/>
+          </a:xfrm>
+          <a:prstGeom prst="rect">
+            <a:avLst/>
+          </a:prstGeom>
+        </p:spPr>
+      </p:pic>
+      <p:pic>
+        <p:nvPicPr>
+          <p:cNvPr id="5" name="그림 4">
+            <a:extLst>
+              <a:ext uri="{FF2B5EF4-FFF2-40B4-BE49-F238E27FC236}">
+                <a16:creationId xmlns:a16="http://schemas.microsoft.com/office/drawing/2014/main" id="{2A9983B2-7803-2792-AA0F-0B2F7FD8EC6E}"/>
+              </a:ext>
+            </a:extLst>
+          </p:cNvPr>
+          <p:cNvPicPr>
+            <a:picLocks noChangeAspect="1"/>
+          </p:cNvPicPr>
+          <p:nvPr/>
+        </p:nvPicPr>
+        <p:blipFill>
+          <a:blip r:embed="rId3"/>
+          <a:stretch>
+            <a:fillRect/>
+          </a:stretch>
+        </p:blipFill>
+        <p:spPr>
+          <a:xfrm>
+            <a:off x="9230369" y="4267172"/>
+            <a:ext cx="2596962" cy="1888699"/>
+          </a:xfrm>
+          <a:prstGeom prst="rect">
+            <a:avLst/>
+          </a:prstGeom>
+        </p:spPr>
+      </p:pic>
+      <mc:AlternateContent xmlns:mc="http://schemas.openxmlformats.org/markup-compatibility/2006">
+        <mc:Choice xmlns:p14="http://schemas.microsoft.com/office/powerpoint/2010/main" Requires="p14">
+          <p:contentPart p14:bwMode="auto" r:id="rId4">
+            <p14:nvContentPartPr>
+              <p14:cNvPr id="2" name="잉크 1">
+                <a:extLst>
+                  <a:ext uri="{FF2B5EF4-FFF2-40B4-BE49-F238E27FC236}">
+                    <a16:creationId xmlns:a16="http://schemas.microsoft.com/office/drawing/2014/main" id="{E22A1781-B51B-DB88-EEC3-982126E44922}"/>
+                  </a:ext>
+                </a:extLst>
+              </p14:cNvPr>
+              <p14:cNvContentPartPr/>
+              <p14:nvPr/>
+            </p14:nvContentPartPr>
+            <p14:xfrm>
+              <a:off x="930214" y="769526"/>
+              <a:ext cx="1203480" cy="360"/>
+            </p14:xfrm>
+          </p:contentPart>
+        </mc:Choice>
+        <mc:Fallback>
+          <p:pic>
+            <p:nvPicPr>
+              <p:cNvPr id="2" name="잉크 1">
+                <a:extLst>
+                  <a:ext uri="{FF2B5EF4-FFF2-40B4-BE49-F238E27FC236}">
+                    <a16:creationId xmlns:a16="http://schemas.microsoft.com/office/drawing/2014/main" id="{E22A1781-B51B-DB88-EEC3-982126E44922}"/>
+                  </a:ext>
+                </a:extLst>
+              </p:cNvPr>
+              <p:cNvPicPr/>
+              <p:nvPr/>
+            </p:nvPicPr>
+            <p:blipFill>
+              <a:blip r:embed="rId5"/>
+              <a:stretch>
+                <a:fillRect/>
+              </a:stretch>
+            </p:blipFill>
+            <p:spPr>
+              <a:xfrm>
+                <a:off x="858214" y="625526"/>
+                <a:ext cx="1347120" cy="288000"/>
+              </a:xfrm>
+              <a:prstGeom prst="rect">
+                <a:avLst/>
+              </a:prstGeom>
+            </p:spPr>
+          </p:pic>
+        </mc:Fallback>
+      </mc:AlternateContent>
+      <mc:AlternateContent xmlns:mc="http://schemas.openxmlformats.org/markup-compatibility/2006">
+        <mc:Choice xmlns:p14="http://schemas.microsoft.com/office/powerpoint/2010/main" Requires="p14">
+          <p:contentPart p14:bwMode="auto" r:id="rId6">
+            <p14:nvContentPartPr>
+              <p14:cNvPr id="6" name="잉크 5">
+                <a:extLst>
+                  <a:ext uri="{FF2B5EF4-FFF2-40B4-BE49-F238E27FC236}">
+                    <a16:creationId xmlns:a16="http://schemas.microsoft.com/office/drawing/2014/main" id="{AB870734-A7AD-6907-5E0B-3059FF9D8CF9}"/>
+                  </a:ext>
+                </a:extLst>
+              </p14:cNvPr>
+              <p14:cNvContentPartPr/>
+              <p14:nvPr/>
+            </p14:nvContentPartPr>
+            <p14:xfrm>
+              <a:off x="946774" y="1830806"/>
+              <a:ext cx="7282800" cy="360"/>
+            </p14:xfrm>
+          </p:contentPart>
+        </mc:Choice>
+        <mc:Fallback>
+          <p:pic>
+            <p:nvPicPr>
+              <p:cNvPr id="6" name="잉크 5">
+                <a:extLst>
+                  <a:ext uri="{FF2B5EF4-FFF2-40B4-BE49-F238E27FC236}">
+                    <a16:creationId xmlns:a16="http://schemas.microsoft.com/office/drawing/2014/main" id="{AB870734-A7AD-6907-5E0B-3059FF9D8CF9}"/>
+                  </a:ext>
+                </a:extLst>
+              </p:cNvPr>
+              <p:cNvPicPr/>
+              <p:nvPr/>
+            </p:nvPicPr>
+            <p:blipFill>
+              <a:blip r:embed="rId7"/>
+              <a:stretch>
+                <a:fillRect/>
+              </a:stretch>
+            </p:blipFill>
+            <p:spPr>
+              <a:xfrm>
+                <a:off x="874774" y="1687166"/>
+                <a:ext cx="7426440" cy="288000"/>
+              </a:xfrm>
+              <a:prstGeom prst="rect">
+                <a:avLst/>
+              </a:prstGeom>
+            </p:spPr>
+          </p:pic>
+        </mc:Fallback>
+      </mc:AlternateContent>
+      <mc:AlternateContent xmlns:mc="http://schemas.openxmlformats.org/markup-compatibility/2006">
+        <mc:Choice xmlns:p14="http://schemas.microsoft.com/office/powerpoint/2010/main" Requires="p14">
+          <p:contentPart p14:bwMode="auto" r:id="rId8">
+            <p14:nvContentPartPr>
+              <p14:cNvPr id="7" name="잉크 6">
+                <a:extLst>
+                  <a:ext uri="{FF2B5EF4-FFF2-40B4-BE49-F238E27FC236}">
+                    <a16:creationId xmlns:a16="http://schemas.microsoft.com/office/drawing/2014/main" id="{E5515214-3F34-ABE8-9BEC-D6ED453DE894}"/>
+                  </a:ext>
+                </a:extLst>
+              </p14:cNvPr>
+              <p14:cNvContentPartPr/>
+              <p14:nvPr/>
+            </p14:nvContentPartPr>
+            <p14:xfrm>
+              <a:off x="946774" y="2239046"/>
+              <a:ext cx="4079880" cy="360"/>
+            </p14:xfrm>
+          </p:contentPart>
+        </mc:Choice>
+        <mc:Fallback>
+          <p:pic>
+            <p:nvPicPr>
+              <p:cNvPr id="7" name="잉크 6">
+                <a:extLst>
+                  <a:ext uri="{FF2B5EF4-FFF2-40B4-BE49-F238E27FC236}">
+                    <a16:creationId xmlns:a16="http://schemas.microsoft.com/office/drawing/2014/main" id="{E5515214-3F34-ABE8-9BEC-D6ED453DE894}"/>
+                  </a:ext>
+                </a:extLst>
+              </p:cNvPr>
+              <p:cNvPicPr/>
+              <p:nvPr/>
+            </p:nvPicPr>
+            <p:blipFill>
+              <a:blip r:embed="rId9"/>
+              <a:stretch>
+                <a:fillRect/>
+              </a:stretch>
+            </p:blipFill>
+            <p:spPr>
+              <a:xfrm>
+                <a:off x="874774" y="2095406"/>
+                <a:ext cx="4223520" cy="288000"/>
+              </a:xfrm>
+              <a:prstGeom prst="rect">
+                <a:avLst/>
+              </a:prstGeom>
+            </p:spPr>
+          </p:pic>
+        </mc:Fallback>
+      </mc:AlternateContent>
+    </p:spTree>
+    <p:extLst>
+      <p:ext uri="{BB962C8B-B14F-4D97-AF65-F5344CB8AC3E}">
+        <p14:creationId xmlns:p14="http://schemas.microsoft.com/office/powerpoint/2010/main" val="2306986436"/>
+      </p:ext>
+    </p:extLst>
+  </p:cSld>
+  <p:clrMapOvr>
+    <a:masterClrMapping/>
+  </p:clrMapOvr>
+</p:sld>
+</file>
+
+<file path=ppt/slides/slide5.xml><?xml version="1.0" encoding="utf-8"?>
 <p:sld xmlns:a="http://schemas.openxmlformats.org/drawingml/2006/main" xmlns:r="http://schemas.openxmlformats.org/officeDocument/2006/relationships" xmlns:p="http://schemas.openxmlformats.org/presentationml/2006/main">
   <p:cSld>
     <p:spTree>
@@ -5284,7 +7829,7 @@
 </p:sld>
 </file>
 
-<file path=ppt/slides/slide4.xml><?xml version="1.0" encoding="utf-8"?>
+<file path=ppt/slides/slide6.xml><?xml version="1.0" encoding="utf-8"?>
 <p:sld xmlns:a="http://schemas.openxmlformats.org/drawingml/2006/main" xmlns:r="http://schemas.openxmlformats.org/officeDocument/2006/relationships" xmlns:p="http://schemas.openxmlformats.org/presentationml/2006/main">
   <p:cSld>
     <p:spTree>
@@ -5374,7 +7919,7 @@
 </p:sld>
 </file>
 
-<file path=ppt/slides/slide5.xml><?xml version="1.0" encoding="utf-8"?>
+<file path=ppt/slides/slide7.xml><?xml version="1.0" encoding="utf-8"?>
 <p:sld xmlns:a="http://schemas.openxmlformats.org/drawingml/2006/main" xmlns:r="http://schemas.openxmlformats.org/officeDocument/2006/relationships" xmlns:p="http://schemas.openxmlformats.org/presentationml/2006/main">
   <p:cSld>
     <p:spTree>
@@ -5464,7 +8009,7 @@
 </p:sld>
 </file>
 
-<file path=ppt/slides/slide6.xml><?xml version="1.0" encoding="utf-8"?>
+<file path=ppt/slides/slide8.xml><?xml version="1.0" encoding="utf-8"?>
 <p:sld xmlns:a="http://schemas.openxmlformats.org/drawingml/2006/main" xmlns:r="http://schemas.openxmlformats.org/officeDocument/2006/relationships" xmlns:p="http://schemas.openxmlformats.org/presentationml/2006/main">
   <p:cSld>
     <p:spTree>
@@ -5554,7 +8099,7 @@
 </p:sld>
 </file>
 
-<file path=ppt/slides/slide7.xml><?xml version="1.0" encoding="utf-8"?>
+<file path=ppt/slides/slide9.xml><?xml version="1.0" encoding="utf-8"?>
 <p:sld xmlns:a="http://schemas.openxmlformats.org/drawingml/2006/main" xmlns:r="http://schemas.openxmlformats.org/officeDocument/2006/relationships" xmlns:p="http://schemas.openxmlformats.org/presentationml/2006/main">
   <p:cSld>
     <p:spTree>
@@ -5631,190 +8176,61 @@
           </a:prstGeom>
         </p:spPr>
       </p:pic>
+      <mc:AlternateContent xmlns:mc="http://schemas.openxmlformats.org/markup-compatibility/2006">
+        <mc:Choice xmlns:p14="http://schemas.microsoft.com/office/powerpoint/2010/main" Requires="p14">
+          <p:contentPart p14:bwMode="auto" r:id="rId4">
+            <p14:nvContentPartPr>
+              <p14:cNvPr id="2" name="잉크 1">
+                <a:extLst>
+                  <a:ext uri="{FF2B5EF4-FFF2-40B4-BE49-F238E27FC236}">
+                    <a16:creationId xmlns:a16="http://schemas.microsoft.com/office/drawing/2014/main" id="{876EC484-00A1-548D-80C9-91705B40C448}"/>
+                  </a:ext>
+                </a:extLst>
+              </p14:cNvPr>
+              <p14:cNvContentPartPr/>
+              <p14:nvPr/>
+            </p14:nvContentPartPr>
+            <p14:xfrm>
+              <a:off x="3820294" y="2288006"/>
+              <a:ext cx="3107880" cy="360"/>
+            </p14:xfrm>
+          </p:contentPart>
+        </mc:Choice>
+        <mc:Fallback>
+          <p:pic>
+            <p:nvPicPr>
+              <p:cNvPr id="2" name="잉크 1">
+                <a:extLst>
+                  <a:ext uri="{FF2B5EF4-FFF2-40B4-BE49-F238E27FC236}">
+                    <a16:creationId xmlns:a16="http://schemas.microsoft.com/office/drawing/2014/main" id="{876EC484-00A1-548D-80C9-91705B40C448}"/>
+                  </a:ext>
+                </a:extLst>
+              </p:cNvPr>
+              <p:cNvPicPr/>
+              <p:nvPr/>
+            </p:nvPicPr>
+            <p:blipFill>
+              <a:blip r:embed="rId5"/>
+              <a:stretch>
+                <a:fillRect/>
+              </a:stretch>
+            </p:blipFill>
+            <p:spPr>
+              <a:xfrm>
+                <a:off x="3748294" y="2144366"/>
+                <a:ext cx="3251520" cy="288000"/>
+              </a:xfrm>
+              <a:prstGeom prst="rect">
+                <a:avLst/>
+              </a:prstGeom>
+            </p:spPr>
+          </p:pic>
+        </mc:Fallback>
+      </mc:AlternateContent>
     </p:spTree>
     <p:extLst>
       <p:ext uri="{BB962C8B-B14F-4D97-AF65-F5344CB8AC3E}">
         <p14:creationId xmlns:p14="http://schemas.microsoft.com/office/powerpoint/2010/main" val="4074001809"/>
-      </p:ext>
-    </p:extLst>
-  </p:cSld>
-  <p:clrMapOvr>
-    <a:masterClrMapping/>
-  </p:clrMapOvr>
-</p:sld>
-</file>
-
-<file path=ppt/slides/slide8.xml><?xml version="1.0" encoding="utf-8"?>
-<p:sld xmlns:a="http://schemas.openxmlformats.org/drawingml/2006/main" xmlns:r="http://schemas.openxmlformats.org/officeDocument/2006/relationships" xmlns:p="http://schemas.openxmlformats.org/presentationml/2006/main">
-  <p:cSld>
-    <p:spTree>
-      <p:nvGrpSpPr>
-        <p:cNvPr id="1" name=""/>
-        <p:cNvGrpSpPr/>
-        <p:nvPr/>
-      </p:nvGrpSpPr>
-      <p:grpSpPr>
-        <a:xfrm>
-          <a:off x="0" y="0"/>
-          <a:ext cx="0" cy="0"/>
-          <a:chOff x="0" y="0"/>
-          <a:chExt cx="0" cy="0"/>
-        </a:xfrm>
-      </p:grpSpPr>
-      <p:pic>
-        <p:nvPicPr>
-          <p:cNvPr id="3" name="그림 2">
-            <a:extLst>
-              <a:ext uri="{FF2B5EF4-FFF2-40B4-BE49-F238E27FC236}">
-                <a16:creationId xmlns:a16="http://schemas.microsoft.com/office/drawing/2014/main" id="{048AE73F-E5E0-5851-F4B1-3AD554BDCBF6}"/>
-              </a:ext>
-            </a:extLst>
-          </p:cNvPr>
-          <p:cNvPicPr>
-            <a:picLocks noChangeAspect="1"/>
-          </p:cNvPicPr>
-          <p:nvPr/>
-        </p:nvPicPr>
-        <p:blipFill>
-          <a:blip r:embed="rId2"/>
-          <a:stretch>
-            <a:fillRect/>
-          </a:stretch>
-        </p:blipFill>
-        <p:spPr>
-          <a:xfrm>
-            <a:off x="368303" y="394099"/>
-            <a:ext cx="7551055" cy="6069802"/>
-          </a:xfrm>
-          <a:prstGeom prst="rect">
-            <a:avLst/>
-          </a:prstGeom>
-        </p:spPr>
-      </p:pic>
-      <p:pic>
-        <p:nvPicPr>
-          <p:cNvPr id="5" name="그림 4">
-            <a:extLst>
-              <a:ext uri="{FF2B5EF4-FFF2-40B4-BE49-F238E27FC236}">
-                <a16:creationId xmlns:a16="http://schemas.microsoft.com/office/drawing/2014/main" id="{3C38F2A5-1E82-DF2C-CE5D-D2B47FAAF7B5}"/>
-              </a:ext>
-            </a:extLst>
-          </p:cNvPr>
-          <p:cNvPicPr>
-            <a:picLocks noChangeAspect="1"/>
-          </p:cNvPicPr>
-          <p:nvPr/>
-        </p:nvPicPr>
-        <p:blipFill>
-          <a:blip r:embed="rId3"/>
-          <a:stretch>
-            <a:fillRect/>
-          </a:stretch>
-        </p:blipFill>
-        <p:spPr>
-          <a:xfrm>
-            <a:off x="7005475" y="5058587"/>
-            <a:ext cx="4818222" cy="1405314"/>
-          </a:xfrm>
-          <a:prstGeom prst="rect">
-            <a:avLst/>
-          </a:prstGeom>
-        </p:spPr>
-      </p:pic>
-    </p:spTree>
-    <p:extLst>
-      <p:ext uri="{BB962C8B-B14F-4D97-AF65-F5344CB8AC3E}">
-        <p14:creationId xmlns:p14="http://schemas.microsoft.com/office/powerpoint/2010/main" val="1391835077"/>
-      </p:ext>
-    </p:extLst>
-  </p:cSld>
-  <p:clrMapOvr>
-    <a:masterClrMapping/>
-  </p:clrMapOvr>
-</p:sld>
-</file>
-
-<file path=ppt/slides/slide9.xml><?xml version="1.0" encoding="utf-8"?>
-<p:sld xmlns:a="http://schemas.openxmlformats.org/drawingml/2006/main" xmlns:r="http://schemas.openxmlformats.org/officeDocument/2006/relationships" xmlns:p="http://schemas.openxmlformats.org/presentationml/2006/main">
-  <p:cSld>
-    <p:spTree>
-      <p:nvGrpSpPr>
-        <p:cNvPr id="1" name=""/>
-        <p:cNvGrpSpPr/>
-        <p:nvPr/>
-      </p:nvGrpSpPr>
-      <p:grpSpPr>
-        <a:xfrm>
-          <a:off x="0" y="0"/>
-          <a:ext cx="0" cy="0"/>
-          <a:chOff x="0" y="0"/>
-          <a:chExt cx="0" cy="0"/>
-        </a:xfrm>
-      </p:grpSpPr>
-      <p:pic>
-        <p:nvPicPr>
-          <p:cNvPr id="3" name="그림 2">
-            <a:extLst>
-              <a:ext uri="{FF2B5EF4-FFF2-40B4-BE49-F238E27FC236}">
-                <a16:creationId xmlns:a16="http://schemas.microsoft.com/office/drawing/2014/main" id="{C3124F7D-03C9-5360-FE96-EE305273CCAC}"/>
-              </a:ext>
-            </a:extLst>
-          </p:cNvPr>
-          <p:cNvPicPr>
-            <a:picLocks noChangeAspect="1"/>
-          </p:cNvPicPr>
-          <p:nvPr/>
-        </p:nvPicPr>
-        <p:blipFill>
-          <a:blip r:embed="rId2"/>
-          <a:stretch>
-            <a:fillRect/>
-          </a:stretch>
-        </p:blipFill>
-        <p:spPr>
-          <a:xfrm>
-            <a:off x="431132" y="418775"/>
-            <a:ext cx="4026567" cy="6102375"/>
-          </a:xfrm>
-          <a:prstGeom prst="rect">
-            <a:avLst/>
-          </a:prstGeom>
-        </p:spPr>
-      </p:pic>
-      <p:pic>
-        <p:nvPicPr>
-          <p:cNvPr id="5" name="그림 4">
-            <a:extLst>
-              <a:ext uri="{FF2B5EF4-FFF2-40B4-BE49-F238E27FC236}">
-                <a16:creationId xmlns:a16="http://schemas.microsoft.com/office/drawing/2014/main" id="{A9CB0732-EA33-2DFA-9858-93BED60DD88D}"/>
-              </a:ext>
-            </a:extLst>
-          </p:cNvPr>
-          <p:cNvPicPr>
-            <a:picLocks noChangeAspect="1"/>
-          </p:cNvPicPr>
-          <p:nvPr/>
-        </p:nvPicPr>
-        <p:blipFill>
-          <a:blip r:embed="rId3"/>
-          <a:stretch>
-            <a:fillRect/>
-          </a:stretch>
-        </p:blipFill>
-        <p:spPr>
-          <a:xfrm>
-            <a:off x="5926727" y="4222851"/>
-            <a:ext cx="5834141" cy="2298299"/>
-          </a:xfrm>
-          <a:prstGeom prst="rect">
-            <a:avLst/>
-          </a:prstGeom>
-        </p:spPr>
-      </p:pic>
-    </p:spTree>
-    <p:extLst>
-      <p:ext uri="{BB962C8B-B14F-4D97-AF65-F5344CB8AC3E}">
-        <p14:creationId xmlns:p14="http://schemas.microsoft.com/office/powerpoint/2010/main" val="4171545071"/>
       </p:ext>
     </p:extLst>
   </p:cSld>

--- a/Python과제/Python_9강.pptx
+++ b/Python과제/Python_9강.pptx
@@ -1001,7 +1001,7 @@
           <a:p>
             <a:fld id="{96DFF08F-DC6B-4601-B491-B0F83F6DD2DA}" type="datetimeFigureOut">
               <a:rPr lang="en-US" smtClean="0"/>
-              <a:t>5/6/2023</a:t>
+              <a:t>5/7/2023</a:t>
             </a:fld>
             <a:endParaRPr lang="en-US" dirty="0"/>
           </a:p>
@@ -1222,7 +1222,7 @@
           <a:p>
             <a:fld id="{96DFF08F-DC6B-4601-B491-B0F83F6DD2DA}" type="datetimeFigureOut">
               <a:rPr lang="en-US" smtClean="0"/>
-              <a:t>5/6/2023</a:t>
+              <a:t>5/7/2023</a:t>
             </a:fld>
             <a:endParaRPr lang="en-US" dirty="0"/>
           </a:p>
@@ -1402,7 +1402,7 @@
           <a:p>
             <a:fld id="{96DFF08F-DC6B-4601-B491-B0F83F6DD2DA}" type="datetimeFigureOut">
               <a:rPr lang="en-US" smtClean="0"/>
-              <a:t>5/6/2023</a:t>
+              <a:t>5/7/2023</a:t>
             </a:fld>
             <a:endParaRPr lang="en-US" dirty="0"/>
           </a:p>
@@ -1572,7 +1572,7 @@
           <a:p>
             <a:fld id="{96DFF08F-DC6B-4601-B491-B0F83F6DD2DA}" type="datetimeFigureOut">
               <a:rPr lang="en-US" smtClean="0"/>
-              <a:t>5/6/2023</a:t>
+              <a:t>5/7/2023</a:t>
             </a:fld>
             <a:endParaRPr lang="en-US" dirty="0"/>
           </a:p>
@@ -1823,7 +1823,7 @@
           <a:p>
             <a:fld id="{96DFF08F-DC6B-4601-B491-B0F83F6DD2DA}" type="datetimeFigureOut">
               <a:rPr lang="en-US" smtClean="0"/>
-              <a:t>5/6/2023</a:t>
+              <a:t>5/7/2023</a:t>
             </a:fld>
             <a:endParaRPr lang="en-US" dirty="0"/>
           </a:p>
@@ -2146,7 +2146,7 @@
           <a:p>
             <a:fld id="{96DFF08F-DC6B-4601-B491-B0F83F6DD2DA}" type="datetimeFigureOut">
               <a:rPr lang="en-US" smtClean="0"/>
-              <a:t>5/6/2023</a:t>
+              <a:t>5/7/2023</a:t>
             </a:fld>
             <a:endParaRPr lang="en-US" dirty="0"/>
           </a:p>
@@ -2570,7 +2570,7 @@
           <a:p>
             <a:fld id="{96DFF08F-DC6B-4601-B491-B0F83F6DD2DA}" type="datetimeFigureOut">
               <a:rPr lang="en-US" smtClean="0"/>
-              <a:t>5/6/2023</a:t>
+              <a:t>5/7/2023</a:t>
             </a:fld>
             <a:endParaRPr lang="en-US" dirty="0"/>
           </a:p>
@@ -2688,7 +2688,7 @@
           <a:p>
             <a:fld id="{96DFF08F-DC6B-4601-B491-B0F83F6DD2DA}" type="datetimeFigureOut">
               <a:rPr lang="en-US" smtClean="0"/>
-              <a:t>5/6/2023</a:t>
+              <a:t>5/7/2023</a:t>
             </a:fld>
             <a:endParaRPr lang="en-US" dirty="0"/>
           </a:p>
@@ -2783,7 +2783,7 @@
           <a:p>
             <a:fld id="{96DFF08F-DC6B-4601-B491-B0F83F6DD2DA}" type="datetimeFigureOut">
               <a:rPr lang="en-US" smtClean="0"/>
-              <a:t>5/6/2023</a:t>
+              <a:t>5/7/2023</a:t>
             </a:fld>
             <a:endParaRPr lang="en-US" dirty="0"/>
           </a:p>
@@ -3073,7 +3073,7 @@
           <a:p>
             <a:fld id="{96DFF08F-DC6B-4601-B491-B0F83F6DD2DA}" type="datetimeFigureOut">
               <a:rPr lang="en-US" smtClean="0"/>
-              <a:t>5/6/2023</a:t>
+              <a:t>5/7/2023</a:t>
             </a:fld>
             <a:endParaRPr lang="en-US" dirty="0"/>
           </a:p>
@@ -3345,7 +3345,7 @@
           <a:p>
             <a:fld id="{96DFF08F-DC6B-4601-B491-B0F83F6DD2DA}" type="datetimeFigureOut">
               <a:rPr lang="en-US" smtClean="0"/>
-              <a:t>5/6/2023</a:t>
+              <a:t>5/7/2023</a:t>
             </a:fld>
             <a:endParaRPr lang="en-US" dirty="0"/>
           </a:p>
@@ -3600,7 +3600,7 @@
             <a:fld id="{96DFF08F-DC6B-4601-B491-B0F83F6DD2DA}" type="datetimeFigureOut">
               <a:rPr lang="en-US" smtClean="0"/>
               <a:pPr/>
-              <a:t>5/6/2023</a:t>
+              <a:t>5/7/2023</a:t>
             </a:fld>
             <a:endParaRPr lang="en-US" dirty="0"/>
           </a:p>
@@ -4375,8 +4375,8 @@
           </a:prstGeom>
         </p:spPr>
       </p:pic>
-      <mc:AlternateContent xmlns:mc="http://schemas.openxmlformats.org/markup-compatibility/2006">
-        <mc:Choice xmlns:p14="http://schemas.microsoft.com/office/powerpoint/2010/main" Requires="p14">
+      <mc:AlternateContent xmlns:mc="http://schemas.openxmlformats.org/markup-compatibility/2006" xmlns:p14="http://schemas.microsoft.com/office/powerpoint/2010/main">
+        <mc:Choice Requires="p14">
           <p:contentPart p14:bwMode="auto" r:id="rId4">
             <p14:nvContentPartPr>
               <p14:cNvPr id="2" name="잉크 1">
@@ -4395,7 +4395,7 @@
             </p14:xfrm>
           </p:contentPart>
         </mc:Choice>
-        <mc:Fallback>
+        <mc:Fallback xmlns="">
           <p:pic>
             <p:nvPicPr>
               <p:cNvPr id="2" name="잉크 1">
@@ -4426,8 +4426,8 @@
           </p:pic>
         </mc:Fallback>
       </mc:AlternateContent>
-      <mc:AlternateContent xmlns:mc="http://schemas.openxmlformats.org/markup-compatibility/2006">
-        <mc:Choice xmlns:p14="http://schemas.microsoft.com/office/powerpoint/2010/main" Requires="p14">
+      <mc:AlternateContent xmlns:mc="http://schemas.openxmlformats.org/markup-compatibility/2006" xmlns:p14="http://schemas.microsoft.com/office/powerpoint/2010/main">
+        <mc:Choice Requires="p14">
           <p:contentPart p14:bwMode="auto" r:id="rId6">
             <p14:nvContentPartPr>
               <p14:cNvPr id="4" name="잉크 3">
@@ -4446,7 +4446,7 @@
             </p14:xfrm>
           </p:contentPart>
         </mc:Choice>
-        <mc:Fallback>
+        <mc:Fallback xmlns="">
           <p:pic>
             <p:nvPicPr>
               <p:cNvPr id="4" name="잉크 3">
@@ -4477,6 +4477,51 @@
           </p:pic>
         </mc:Fallback>
       </mc:AlternateContent>
+      <p:sp>
+        <p:nvSpPr>
+          <p:cNvPr id="6" name="TextBox 5">
+            <a:extLst>
+              <a:ext uri="{FF2B5EF4-FFF2-40B4-BE49-F238E27FC236}">
+                <a16:creationId xmlns:a16="http://schemas.microsoft.com/office/drawing/2014/main" id="{69CD6466-4BCC-0799-4D49-7F95E3DAE2C6}"/>
+              </a:ext>
+            </a:extLst>
+          </p:cNvPr>
+          <p:cNvSpPr txBox="1"/>
+          <p:nvPr/>
+        </p:nvSpPr>
+        <p:spPr>
+          <a:xfrm>
+            <a:off x="7005475" y="4612575"/>
+            <a:ext cx="2065283" cy="369332"/>
+          </a:xfrm>
+          <a:prstGeom prst="rect">
+            <a:avLst/>
+          </a:prstGeom>
+          <a:noFill/>
+        </p:spPr>
+        <p:txBody>
+          <a:bodyPr wrap="square" rtlCol="0">
+            <a:spAutoFit/>
+          </a:bodyPr>
+          <a:lstStyle/>
+          <a:p>
+            <a:pPr algn="ctr"/>
+            <a:r>
+              <a:rPr lang="en-US" altLang="ko-KR" b="1" dirty="0"/>
+              <a:t>&lt; print </a:t>
+            </a:r>
+            <a:r>
+              <a:rPr lang="ko-KR" altLang="en-US" b="1" dirty="0"/>
+              <a:t>결과 확인 </a:t>
+            </a:r>
+            <a:r>
+              <a:rPr lang="en-US" altLang="ko-KR" b="1" dirty="0"/>
+              <a:t>&gt;</a:t>
+            </a:r>
+            <a:endParaRPr lang="ko-KR" altLang="en-US" b="1" dirty="0"/>
+          </a:p>
+        </p:txBody>
+      </p:sp>
     </p:spTree>
     <p:extLst>
       <p:ext uri="{BB962C8B-B14F-4D97-AF65-F5344CB8AC3E}">
@@ -4567,8 +4612,8 @@
           </a:prstGeom>
         </p:spPr>
       </p:pic>
-      <mc:AlternateContent xmlns:mc="http://schemas.openxmlformats.org/markup-compatibility/2006">
-        <mc:Choice xmlns:p14="http://schemas.microsoft.com/office/powerpoint/2010/main" Requires="p14">
+      <mc:AlternateContent xmlns:mc="http://schemas.openxmlformats.org/markup-compatibility/2006" xmlns:p14="http://schemas.microsoft.com/office/powerpoint/2010/main">
+        <mc:Choice Requires="p14">
           <p:contentPart p14:bwMode="auto" r:id="rId4">
             <p14:nvContentPartPr>
               <p14:cNvPr id="4" name="잉크 3">
@@ -4587,7 +4632,7 @@
             </p14:xfrm>
           </p:contentPart>
         </mc:Choice>
-        <mc:Fallback>
+        <mc:Fallback xmlns="">
           <p:pic>
             <p:nvPicPr>
               <p:cNvPr id="4" name="잉크 3">
@@ -4618,8 +4663,8 @@
           </p:pic>
         </mc:Fallback>
       </mc:AlternateContent>
-      <mc:AlternateContent xmlns:mc="http://schemas.openxmlformats.org/markup-compatibility/2006">
-        <mc:Choice xmlns:p14="http://schemas.microsoft.com/office/powerpoint/2010/main" Requires="p14">
+      <mc:AlternateContent xmlns:mc="http://schemas.openxmlformats.org/markup-compatibility/2006" xmlns:p14="http://schemas.microsoft.com/office/powerpoint/2010/main">
+        <mc:Choice Requires="p14">
           <p:contentPart p14:bwMode="auto" r:id="rId6">
             <p14:nvContentPartPr>
               <p14:cNvPr id="6" name="잉크 5">
@@ -4638,7 +4683,7 @@
             </p14:xfrm>
           </p:contentPart>
         </mc:Choice>
-        <mc:Fallback>
+        <mc:Fallback xmlns="">
           <p:pic>
             <p:nvPicPr>
               <p:cNvPr id="6" name="잉크 5">
@@ -4669,6 +4714,51 @@
           </p:pic>
         </mc:Fallback>
       </mc:AlternateContent>
+      <p:sp>
+        <p:nvSpPr>
+          <p:cNvPr id="2" name="TextBox 1">
+            <a:extLst>
+              <a:ext uri="{FF2B5EF4-FFF2-40B4-BE49-F238E27FC236}">
+                <a16:creationId xmlns:a16="http://schemas.microsoft.com/office/drawing/2014/main" id="{FBABA039-ADEF-75B7-06C5-E7475A545036}"/>
+              </a:ext>
+            </a:extLst>
+          </p:cNvPr>
+          <p:cNvSpPr txBox="1"/>
+          <p:nvPr/>
+        </p:nvSpPr>
+        <p:spPr>
+          <a:xfrm>
+            <a:off x="6096000" y="3769120"/>
+            <a:ext cx="2065283" cy="369332"/>
+          </a:xfrm>
+          <a:prstGeom prst="rect">
+            <a:avLst/>
+          </a:prstGeom>
+          <a:noFill/>
+        </p:spPr>
+        <p:txBody>
+          <a:bodyPr wrap="square" rtlCol="0">
+            <a:spAutoFit/>
+          </a:bodyPr>
+          <a:lstStyle/>
+          <a:p>
+            <a:pPr algn="ctr"/>
+            <a:r>
+              <a:rPr lang="en-US" altLang="ko-KR" b="1" dirty="0"/>
+              <a:t>&lt; print </a:t>
+            </a:r>
+            <a:r>
+              <a:rPr lang="ko-KR" altLang="en-US" b="1" dirty="0"/>
+              <a:t>결과 확인 </a:t>
+            </a:r>
+            <a:r>
+              <a:rPr lang="en-US" altLang="ko-KR" b="1" dirty="0"/>
+              <a:t>&gt;</a:t>
+            </a:r>
+            <a:endParaRPr lang="ko-KR" altLang="en-US" b="1" dirty="0"/>
+          </a:p>
+        </p:txBody>
+      </p:sp>
     </p:spTree>
     <p:extLst>
       <p:ext uri="{BB962C8B-B14F-4D97-AF65-F5344CB8AC3E}">
@@ -4811,7 +4901,7 @@
         </p:blipFill>
         <p:spPr>
           <a:xfrm>
-            <a:off x="6489134" y="4335670"/>
+            <a:off x="6489134" y="4729808"/>
             <a:ext cx="5166113" cy="1281359"/>
           </a:xfrm>
           <a:prstGeom prst="rect">
@@ -4819,8 +4909,8 @@
           </a:prstGeom>
         </p:spPr>
       </p:pic>
-      <mc:AlternateContent xmlns:mc="http://schemas.openxmlformats.org/markup-compatibility/2006">
-        <mc:Choice xmlns:p14="http://schemas.microsoft.com/office/powerpoint/2010/main" Requires="p14">
+      <mc:AlternateContent xmlns:mc="http://schemas.openxmlformats.org/markup-compatibility/2006" xmlns:p14="http://schemas.microsoft.com/office/powerpoint/2010/main">
+        <mc:Choice Requires="p14">
           <p:contentPart p14:bwMode="auto" r:id="rId6">
             <p14:nvContentPartPr>
               <p14:cNvPr id="6" name="잉크 5">
@@ -4839,7 +4929,7 @@
             </p14:xfrm>
           </p:contentPart>
         </mc:Choice>
-        <mc:Fallback>
+        <mc:Fallback xmlns="">
           <p:pic>
             <p:nvPicPr>
               <p:cNvPr id="6" name="잉크 5">
@@ -4870,6 +4960,51 @@
           </p:pic>
         </mc:Fallback>
       </mc:AlternateContent>
+      <p:sp>
+        <p:nvSpPr>
+          <p:cNvPr id="2" name="TextBox 1">
+            <a:extLst>
+              <a:ext uri="{FF2B5EF4-FFF2-40B4-BE49-F238E27FC236}">
+                <a16:creationId xmlns:a16="http://schemas.microsoft.com/office/drawing/2014/main" id="{00B935B8-1041-3C8E-9E28-C221E32AB25C}"/>
+              </a:ext>
+            </a:extLst>
+          </p:cNvPr>
+          <p:cNvSpPr txBox="1"/>
+          <p:nvPr/>
+        </p:nvSpPr>
+        <p:spPr>
+          <a:xfrm>
+            <a:off x="6489134" y="4360476"/>
+            <a:ext cx="2065283" cy="369332"/>
+          </a:xfrm>
+          <a:prstGeom prst="rect">
+            <a:avLst/>
+          </a:prstGeom>
+          <a:noFill/>
+        </p:spPr>
+        <p:txBody>
+          <a:bodyPr wrap="square" rtlCol="0">
+            <a:spAutoFit/>
+          </a:bodyPr>
+          <a:lstStyle/>
+          <a:p>
+            <a:pPr algn="ctr"/>
+            <a:r>
+              <a:rPr lang="en-US" altLang="ko-KR" b="1" dirty="0"/>
+              <a:t>&lt; print </a:t>
+            </a:r>
+            <a:r>
+              <a:rPr lang="ko-KR" altLang="en-US" b="1" dirty="0"/>
+              <a:t>결과 확인 </a:t>
+            </a:r>
+            <a:r>
+              <a:rPr lang="en-US" altLang="ko-KR" b="1" dirty="0"/>
+              <a:t>&gt;</a:t>
+            </a:r>
+            <a:endParaRPr lang="ko-KR" altLang="en-US" b="1" dirty="0"/>
+          </a:p>
+        </p:txBody>
+      </p:sp>
     </p:spTree>
     <p:extLst>
       <p:ext uri="{BB962C8B-B14F-4D97-AF65-F5344CB8AC3E}">
@@ -4960,6 +5095,51 @@
           </a:prstGeom>
         </p:spPr>
       </p:pic>
+      <p:sp>
+        <p:nvSpPr>
+          <p:cNvPr id="2" name="TextBox 1">
+            <a:extLst>
+              <a:ext uri="{FF2B5EF4-FFF2-40B4-BE49-F238E27FC236}">
+                <a16:creationId xmlns:a16="http://schemas.microsoft.com/office/drawing/2014/main" id="{4382491C-7945-F70E-9A38-88E0B8410719}"/>
+              </a:ext>
+            </a:extLst>
+          </p:cNvPr>
+          <p:cNvSpPr txBox="1"/>
+          <p:nvPr/>
+        </p:nvSpPr>
+        <p:spPr>
+          <a:xfrm>
+            <a:off x="9287946" y="1463801"/>
+            <a:ext cx="2065283" cy="369332"/>
+          </a:xfrm>
+          <a:prstGeom prst="rect">
+            <a:avLst/>
+          </a:prstGeom>
+          <a:noFill/>
+        </p:spPr>
+        <p:txBody>
+          <a:bodyPr wrap="square" rtlCol="0">
+            <a:spAutoFit/>
+          </a:bodyPr>
+          <a:lstStyle/>
+          <a:p>
+            <a:pPr algn="ctr"/>
+            <a:r>
+              <a:rPr lang="en-US" altLang="ko-KR" b="1" dirty="0"/>
+              <a:t>&lt; print </a:t>
+            </a:r>
+            <a:r>
+              <a:rPr lang="ko-KR" altLang="en-US" b="1" dirty="0"/>
+              <a:t>결과 확인 </a:t>
+            </a:r>
+            <a:r>
+              <a:rPr lang="en-US" altLang="ko-KR" b="1" dirty="0"/>
+              <a:t>&gt;</a:t>
+            </a:r>
+            <a:endParaRPr lang="ko-KR" altLang="en-US" b="1" dirty="0"/>
+          </a:p>
+        </p:txBody>
+      </p:sp>
     </p:spTree>
     <p:extLst>
       <p:ext uri="{BB962C8B-B14F-4D97-AF65-F5344CB8AC3E}">
@@ -5137,7 +5317,7 @@
         </p:blipFill>
         <p:spPr>
           <a:xfrm>
-            <a:off x="374404" y="5346229"/>
+            <a:off x="374404" y="5574829"/>
             <a:ext cx="9079839" cy="711073"/>
           </a:xfrm>
           <a:prstGeom prst="rect">
@@ -5145,8 +5325,8 @@
           </a:prstGeom>
         </p:spPr>
       </p:pic>
-      <mc:AlternateContent xmlns:mc="http://schemas.openxmlformats.org/markup-compatibility/2006">
-        <mc:Choice xmlns:p14="http://schemas.microsoft.com/office/powerpoint/2010/main" Requires="p14">
+      <mc:AlternateContent xmlns:mc="http://schemas.openxmlformats.org/markup-compatibility/2006" xmlns:p14="http://schemas.microsoft.com/office/powerpoint/2010/main">
+        <mc:Choice Requires="p14">
           <p:contentPart p14:bwMode="auto" r:id="rId4">
             <p14:nvContentPartPr>
               <p14:cNvPr id="2" name="잉크 1">
@@ -5165,7 +5345,7 @@
             </p14:xfrm>
           </p:contentPart>
         </mc:Choice>
-        <mc:Fallback>
+        <mc:Fallback xmlns="">
           <p:pic>
             <p:nvPicPr>
               <p:cNvPr id="2" name="잉크 1">
@@ -5196,8 +5376,8 @@
           </p:pic>
         </mc:Fallback>
       </mc:AlternateContent>
-      <mc:AlternateContent xmlns:mc="http://schemas.openxmlformats.org/markup-compatibility/2006">
-        <mc:Choice xmlns:p14="http://schemas.microsoft.com/office/powerpoint/2010/main" Requires="p14">
+      <mc:AlternateContent xmlns:mc="http://schemas.openxmlformats.org/markup-compatibility/2006" xmlns:p14="http://schemas.microsoft.com/office/powerpoint/2010/main">
+        <mc:Choice Requires="p14">
           <p:contentPart p14:bwMode="auto" r:id="rId6">
             <p14:nvContentPartPr>
               <p14:cNvPr id="4" name="잉크 3">
@@ -5216,7 +5396,7 @@
             </p14:xfrm>
           </p:contentPart>
         </mc:Choice>
-        <mc:Fallback>
+        <mc:Fallback xmlns="">
           <p:pic>
             <p:nvPicPr>
               <p:cNvPr id="4" name="잉크 3">
@@ -5247,6 +5427,51 @@
           </p:pic>
         </mc:Fallback>
       </mc:AlternateContent>
+      <p:sp>
+        <p:nvSpPr>
+          <p:cNvPr id="6" name="TextBox 5">
+            <a:extLst>
+              <a:ext uri="{FF2B5EF4-FFF2-40B4-BE49-F238E27FC236}">
+                <a16:creationId xmlns:a16="http://schemas.microsoft.com/office/drawing/2014/main" id="{CAF6029B-08CB-6484-CAEB-D6B8424588F7}"/>
+              </a:ext>
+            </a:extLst>
+          </p:cNvPr>
+          <p:cNvSpPr txBox="1"/>
+          <p:nvPr/>
+        </p:nvSpPr>
+        <p:spPr>
+          <a:xfrm>
+            <a:off x="374404" y="5278376"/>
+            <a:ext cx="2065283" cy="369332"/>
+          </a:xfrm>
+          <a:prstGeom prst="rect">
+            <a:avLst/>
+          </a:prstGeom>
+          <a:noFill/>
+        </p:spPr>
+        <p:txBody>
+          <a:bodyPr wrap="square" rtlCol="0">
+            <a:spAutoFit/>
+          </a:bodyPr>
+          <a:lstStyle/>
+          <a:p>
+            <a:pPr algn="ctr"/>
+            <a:r>
+              <a:rPr lang="en-US" altLang="ko-KR" b="1" dirty="0"/>
+              <a:t>&lt; print </a:t>
+            </a:r>
+            <a:r>
+              <a:rPr lang="ko-KR" altLang="en-US" b="1" dirty="0"/>
+              <a:t>결과 확인 </a:t>
+            </a:r>
+            <a:r>
+              <a:rPr lang="en-US" altLang="ko-KR" b="1" dirty="0"/>
+              <a:t>&gt;</a:t>
+            </a:r>
+            <a:endParaRPr lang="ko-KR" altLang="en-US" b="1" dirty="0"/>
+          </a:p>
+        </p:txBody>
+      </p:sp>
     </p:spTree>
     <p:extLst>
       <p:ext uri="{BB962C8B-B14F-4D97-AF65-F5344CB8AC3E}">
@@ -5329,7 +5554,7 @@
         </p:blipFill>
         <p:spPr>
           <a:xfrm>
-            <a:off x="6096000" y="4830621"/>
+            <a:off x="6096000" y="5042892"/>
             <a:ext cx="5720824" cy="1360098"/>
           </a:xfrm>
           <a:prstGeom prst="rect">
@@ -5337,8 +5562,8 @@
           </a:prstGeom>
         </p:spPr>
       </p:pic>
-      <mc:AlternateContent xmlns:mc="http://schemas.openxmlformats.org/markup-compatibility/2006">
-        <mc:Choice xmlns:p14="http://schemas.microsoft.com/office/powerpoint/2010/main" Requires="p14">
+      <mc:AlternateContent xmlns:mc="http://schemas.openxmlformats.org/markup-compatibility/2006" xmlns:p14="http://schemas.microsoft.com/office/powerpoint/2010/main">
+        <mc:Choice Requires="p14">
           <p:contentPart p14:bwMode="auto" r:id="rId4">
             <p14:nvContentPartPr>
               <p14:cNvPr id="2" name="잉크 1">
@@ -5357,7 +5582,7 @@
             </p14:xfrm>
           </p:contentPart>
         </mc:Choice>
-        <mc:Fallback>
+        <mc:Fallback xmlns="">
           <p:pic>
             <p:nvPicPr>
               <p:cNvPr id="2" name="잉크 1">
@@ -5388,6 +5613,51 @@
           </p:pic>
         </mc:Fallback>
       </mc:AlternateContent>
+      <p:sp>
+        <p:nvSpPr>
+          <p:cNvPr id="4" name="TextBox 3">
+            <a:extLst>
+              <a:ext uri="{FF2B5EF4-FFF2-40B4-BE49-F238E27FC236}">
+                <a16:creationId xmlns:a16="http://schemas.microsoft.com/office/drawing/2014/main" id="{98F42DEB-3E93-7725-4807-8A190C693000}"/>
+              </a:ext>
+            </a:extLst>
+          </p:cNvPr>
+          <p:cNvSpPr txBox="1"/>
+          <p:nvPr/>
+        </p:nvSpPr>
+        <p:spPr>
+          <a:xfrm>
+            <a:off x="6096000" y="4581043"/>
+            <a:ext cx="2065283" cy="369332"/>
+          </a:xfrm>
+          <a:prstGeom prst="rect">
+            <a:avLst/>
+          </a:prstGeom>
+          <a:noFill/>
+        </p:spPr>
+        <p:txBody>
+          <a:bodyPr wrap="square" rtlCol="0">
+            <a:spAutoFit/>
+          </a:bodyPr>
+          <a:lstStyle/>
+          <a:p>
+            <a:pPr algn="ctr"/>
+            <a:r>
+              <a:rPr lang="en-US" altLang="ko-KR" b="1" dirty="0"/>
+              <a:t>&lt; print </a:t>
+            </a:r>
+            <a:r>
+              <a:rPr lang="ko-KR" altLang="en-US" b="1" dirty="0"/>
+              <a:t>결과 확인 </a:t>
+            </a:r>
+            <a:r>
+              <a:rPr lang="en-US" altLang="ko-KR" b="1" dirty="0"/>
+              <a:t>&gt;</a:t>
+            </a:r>
+            <a:endParaRPr lang="ko-KR" altLang="en-US" b="1" dirty="0"/>
+          </a:p>
+        </p:txBody>
+      </p:sp>
     </p:spTree>
     <p:extLst>
       <p:ext uri="{BB962C8B-B14F-4D97-AF65-F5344CB8AC3E}">
@@ -5470,7 +5740,7 @@
         </p:blipFill>
         <p:spPr>
           <a:xfrm>
-            <a:off x="383765" y="5207006"/>
+            <a:off x="383765" y="5522316"/>
             <a:ext cx="5536016" cy="823651"/>
           </a:xfrm>
           <a:prstGeom prst="rect">
@@ -5530,7 +5800,7 @@
         </p:blipFill>
         <p:spPr>
           <a:xfrm>
-            <a:off x="6095998" y="5427153"/>
+            <a:off x="6096000" y="5742463"/>
             <a:ext cx="5712237" cy="603504"/>
           </a:xfrm>
           <a:prstGeom prst="rect">
@@ -5538,6 +5808,96 @@
           </a:prstGeom>
         </p:spPr>
       </p:pic>
+      <p:sp>
+        <p:nvSpPr>
+          <p:cNvPr id="2" name="TextBox 1">
+            <a:extLst>
+              <a:ext uri="{FF2B5EF4-FFF2-40B4-BE49-F238E27FC236}">
+                <a16:creationId xmlns:a16="http://schemas.microsoft.com/office/drawing/2014/main" id="{51AE88B1-69E3-28C0-5843-BDFFE372E12F}"/>
+              </a:ext>
+            </a:extLst>
+          </p:cNvPr>
+          <p:cNvSpPr txBox="1"/>
+          <p:nvPr/>
+        </p:nvSpPr>
+        <p:spPr>
+          <a:xfrm>
+            <a:off x="383765" y="5054009"/>
+            <a:ext cx="2065283" cy="369332"/>
+          </a:xfrm>
+          <a:prstGeom prst="rect">
+            <a:avLst/>
+          </a:prstGeom>
+          <a:noFill/>
+        </p:spPr>
+        <p:txBody>
+          <a:bodyPr wrap="square" rtlCol="0">
+            <a:spAutoFit/>
+          </a:bodyPr>
+          <a:lstStyle/>
+          <a:p>
+            <a:pPr algn="ctr"/>
+            <a:r>
+              <a:rPr lang="en-US" altLang="ko-KR" b="1" dirty="0"/>
+              <a:t>&lt; print </a:t>
+            </a:r>
+            <a:r>
+              <a:rPr lang="ko-KR" altLang="en-US" b="1" dirty="0"/>
+              <a:t>결과 확인 </a:t>
+            </a:r>
+            <a:r>
+              <a:rPr lang="en-US" altLang="ko-KR" b="1" dirty="0"/>
+              <a:t>&gt;</a:t>
+            </a:r>
+            <a:endParaRPr lang="ko-KR" altLang="en-US" b="1" dirty="0"/>
+          </a:p>
+        </p:txBody>
+      </p:sp>
+      <p:sp>
+        <p:nvSpPr>
+          <p:cNvPr id="4" name="TextBox 3">
+            <a:extLst>
+              <a:ext uri="{FF2B5EF4-FFF2-40B4-BE49-F238E27FC236}">
+                <a16:creationId xmlns:a16="http://schemas.microsoft.com/office/drawing/2014/main" id="{F848FFF3-F81D-9989-36F7-0E26DC7F74EA}"/>
+              </a:ext>
+            </a:extLst>
+          </p:cNvPr>
+          <p:cNvSpPr txBox="1"/>
+          <p:nvPr/>
+        </p:nvSpPr>
+        <p:spPr>
+          <a:xfrm>
+            <a:off x="6096000" y="5054009"/>
+            <a:ext cx="2065283" cy="369332"/>
+          </a:xfrm>
+          <a:prstGeom prst="rect">
+            <a:avLst/>
+          </a:prstGeom>
+          <a:noFill/>
+        </p:spPr>
+        <p:txBody>
+          <a:bodyPr wrap="square" rtlCol="0">
+            <a:spAutoFit/>
+          </a:bodyPr>
+          <a:lstStyle/>
+          <a:p>
+            <a:pPr algn="ctr"/>
+            <a:r>
+              <a:rPr lang="en-US" altLang="ko-KR" b="1" dirty="0"/>
+              <a:t>&lt; print </a:t>
+            </a:r>
+            <a:r>
+              <a:rPr lang="ko-KR" altLang="en-US" b="1" dirty="0"/>
+              <a:t>결과 확인 </a:t>
+            </a:r>
+            <a:r>
+              <a:rPr lang="en-US" altLang="ko-KR" b="1" dirty="0"/>
+              <a:t>&gt;</a:t>
+            </a:r>
+            <a:endParaRPr lang="ko-KR" altLang="en-US" b="1" dirty="0"/>
+          </a:p>
+        </p:txBody>
+      </p:sp>
     </p:spTree>
     <p:extLst>
       <p:ext uri="{BB962C8B-B14F-4D97-AF65-F5344CB8AC3E}">
@@ -5696,7 +6056,7 @@
                 <a:latin typeface="D2Coding" panose="020B0609020101020101" pitchFamily="49" charset="-127"/>
                 <a:ea typeface="D2Coding" panose="020B0609020101020101" pitchFamily="49" charset="-127"/>
               </a:rPr>
-              <a:t>*</a:t>
+              <a:t>* </a:t>
             </a:r>
             <a:r>
               <a:rPr lang="ko-KR" altLang="en-US" b="1" dirty="0">
@@ -5992,18 +6352,31 @@
               </a:rPr>
               <a:t>…</a:t>
             </a:r>
-            <a:endParaRPr lang="ko-KR" altLang="en-US" b="1" dirty="0">
-              <a:solidFill>
-                <a:schemeClr val="accent2"/>
-              </a:solidFill>
-              <a:latin typeface="D2Coding" panose="020B0609020101020101" pitchFamily="49" charset="-127"/>
-              <a:ea typeface="D2Coding" panose="020B0609020101020101" pitchFamily="49" charset="-127"/>
-            </a:endParaRPr>
+            <a:r>
+              <a:rPr lang="ko-KR" altLang="en-US" b="1" dirty="0" err="1">
+                <a:solidFill>
+                  <a:schemeClr val="accent2"/>
+                </a:solidFill>
+                <a:latin typeface="D2Coding" panose="020B0609020101020101" pitchFamily="49" charset="-127"/>
+                <a:ea typeface="D2Coding" panose="020B0609020101020101" pitchFamily="49" charset="-127"/>
+              </a:rPr>
+              <a:t>왜일까</a:t>
+            </a:r>
+            <a:r>
+              <a:rPr lang="en-US" altLang="ko-KR" b="1" dirty="0">
+                <a:solidFill>
+                  <a:schemeClr val="accent2"/>
+                </a:solidFill>
+                <a:latin typeface="D2Coding" panose="020B0609020101020101" pitchFamily="49" charset="-127"/>
+                <a:ea typeface="D2Coding" panose="020B0609020101020101" pitchFamily="49" charset="-127"/>
+              </a:rPr>
+              <a:t>?</a:t>
+            </a:r>
           </a:p>
         </p:txBody>
       </p:sp>
-      <mc:AlternateContent xmlns:mc="http://schemas.openxmlformats.org/markup-compatibility/2006">
-        <mc:Choice xmlns:p14="http://schemas.microsoft.com/office/powerpoint/2010/main" Requires="p14">
+      <mc:AlternateContent xmlns:mc="http://schemas.openxmlformats.org/markup-compatibility/2006" xmlns:p14="http://schemas.microsoft.com/office/powerpoint/2010/main">
+        <mc:Choice Requires="p14">
           <p:contentPart p14:bwMode="auto" r:id="rId4">
             <p14:nvContentPartPr>
               <p14:cNvPr id="2" name="잉크 1">
@@ -6022,7 +6395,7 @@
             </p14:xfrm>
           </p:contentPart>
         </mc:Choice>
-        <mc:Fallback>
+        <mc:Fallback xmlns="">
           <p:pic>
             <p:nvPicPr>
               <p:cNvPr id="2" name="잉크 1">
@@ -6053,6 +6426,51 @@
           </p:pic>
         </mc:Fallback>
       </mc:AlternateContent>
+      <p:sp>
+        <p:nvSpPr>
+          <p:cNvPr id="4" name="TextBox 3">
+            <a:extLst>
+              <a:ext uri="{FF2B5EF4-FFF2-40B4-BE49-F238E27FC236}">
+                <a16:creationId xmlns:a16="http://schemas.microsoft.com/office/drawing/2014/main" id="{157A4D1C-FB57-B196-14C9-825ED40FE967}"/>
+              </a:ext>
+            </a:extLst>
+          </p:cNvPr>
+          <p:cNvSpPr txBox="1"/>
+          <p:nvPr/>
+        </p:nvSpPr>
+        <p:spPr>
+          <a:xfrm>
+            <a:off x="8837554" y="531673"/>
+            <a:ext cx="2065283" cy="369332"/>
+          </a:xfrm>
+          <a:prstGeom prst="rect">
+            <a:avLst/>
+          </a:prstGeom>
+          <a:noFill/>
+        </p:spPr>
+        <p:txBody>
+          <a:bodyPr wrap="square" rtlCol="0">
+            <a:spAutoFit/>
+          </a:bodyPr>
+          <a:lstStyle/>
+          <a:p>
+            <a:pPr algn="ctr"/>
+            <a:r>
+              <a:rPr lang="en-US" altLang="ko-KR" b="1" dirty="0"/>
+              <a:t>&lt; print </a:t>
+            </a:r>
+            <a:r>
+              <a:rPr lang="ko-KR" altLang="en-US" b="1" dirty="0"/>
+              <a:t>결과 확인 </a:t>
+            </a:r>
+            <a:r>
+              <a:rPr lang="en-US" altLang="ko-KR" b="1" dirty="0"/>
+              <a:t>&gt;</a:t>
+            </a:r>
+            <a:endParaRPr lang="ko-KR" altLang="en-US" b="1" dirty="0"/>
+          </a:p>
+        </p:txBody>
+      </p:sp>
     </p:spTree>
     <p:extLst>
       <p:ext uri="{BB962C8B-B14F-4D97-AF65-F5344CB8AC3E}">
@@ -6264,8 +6682,8 @@
           </a:prstGeom>
         </p:spPr>
       </p:pic>
-      <mc:AlternateContent xmlns:mc="http://schemas.openxmlformats.org/markup-compatibility/2006">
-        <mc:Choice xmlns:p14="http://schemas.microsoft.com/office/powerpoint/2010/main" Requires="p14">
+      <mc:AlternateContent xmlns:mc="http://schemas.openxmlformats.org/markup-compatibility/2006" xmlns:p14="http://schemas.microsoft.com/office/powerpoint/2010/main">
+        <mc:Choice Requires="p14">
           <p:contentPart p14:bwMode="auto" r:id="rId4">
             <p14:nvContentPartPr>
               <p14:cNvPr id="4" name="잉크 3">
@@ -6284,7 +6702,7 @@
             </p14:xfrm>
           </p:contentPart>
         </mc:Choice>
-        <mc:Fallback>
+        <mc:Fallback xmlns="">
           <p:pic>
             <p:nvPicPr>
               <p:cNvPr id="4" name="잉크 3">
@@ -6315,6 +6733,51 @@
           </p:pic>
         </mc:Fallback>
       </mc:AlternateContent>
+      <p:sp>
+        <p:nvSpPr>
+          <p:cNvPr id="2" name="TextBox 1">
+            <a:extLst>
+              <a:ext uri="{FF2B5EF4-FFF2-40B4-BE49-F238E27FC236}">
+                <a16:creationId xmlns:a16="http://schemas.microsoft.com/office/drawing/2014/main" id="{108435FC-2705-BDFA-1414-7129929DCF73}"/>
+              </a:ext>
+            </a:extLst>
+          </p:cNvPr>
+          <p:cNvSpPr txBox="1"/>
+          <p:nvPr/>
+        </p:nvSpPr>
+        <p:spPr>
+          <a:xfrm>
+            <a:off x="9910683" y="2263180"/>
+            <a:ext cx="2065283" cy="369332"/>
+          </a:xfrm>
+          <a:prstGeom prst="rect">
+            <a:avLst/>
+          </a:prstGeom>
+          <a:noFill/>
+        </p:spPr>
+        <p:txBody>
+          <a:bodyPr wrap="square" rtlCol="0">
+            <a:spAutoFit/>
+          </a:bodyPr>
+          <a:lstStyle/>
+          <a:p>
+            <a:pPr algn="ctr"/>
+            <a:r>
+              <a:rPr lang="en-US" altLang="ko-KR" b="1" dirty="0"/>
+              <a:t>&lt; print </a:t>
+            </a:r>
+            <a:r>
+              <a:rPr lang="ko-KR" altLang="en-US" b="1" dirty="0"/>
+              <a:t>결과 확인 </a:t>
+            </a:r>
+            <a:r>
+              <a:rPr lang="en-US" altLang="ko-KR" b="1" dirty="0"/>
+              <a:t>&gt;</a:t>
+            </a:r>
+            <a:endParaRPr lang="ko-KR" altLang="en-US" b="1" dirty="0"/>
+          </a:p>
+        </p:txBody>
+      </p:sp>
     </p:spTree>
     <p:extLst>
       <p:ext uri="{BB962C8B-B14F-4D97-AF65-F5344CB8AC3E}">
@@ -6405,8 +6868,8 @@
           </a:prstGeom>
         </p:spPr>
       </p:pic>
-      <mc:AlternateContent xmlns:mc="http://schemas.openxmlformats.org/markup-compatibility/2006">
-        <mc:Choice xmlns:p14="http://schemas.microsoft.com/office/powerpoint/2010/main" Requires="p14">
+      <mc:AlternateContent xmlns:mc="http://schemas.openxmlformats.org/markup-compatibility/2006" xmlns:p14="http://schemas.microsoft.com/office/powerpoint/2010/main">
+        <mc:Choice Requires="p14">
           <p:contentPart p14:bwMode="auto" r:id="rId4">
             <p14:nvContentPartPr>
               <p14:cNvPr id="2" name="잉크 1">
@@ -6425,7 +6888,7 @@
             </p14:xfrm>
           </p:contentPart>
         </mc:Choice>
-        <mc:Fallback>
+        <mc:Fallback xmlns="">
           <p:pic>
             <p:nvPicPr>
               <p:cNvPr id="2" name="잉크 1">
@@ -6456,8 +6919,8 @@
           </p:pic>
         </mc:Fallback>
       </mc:AlternateContent>
-      <mc:AlternateContent xmlns:mc="http://schemas.openxmlformats.org/markup-compatibility/2006">
-        <mc:Choice xmlns:p14="http://schemas.microsoft.com/office/powerpoint/2010/main" Requires="p14">
+      <mc:AlternateContent xmlns:mc="http://schemas.openxmlformats.org/markup-compatibility/2006" xmlns:p14="http://schemas.microsoft.com/office/powerpoint/2010/main">
+        <mc:Choice Requires="p14">
           <p:contentPart p14:bwMode="auto" r:id="rId6">
             <p14:nvContentPartPr>
               <p14:cNvPr id="5" name="잉크 4">
@@ -6476,7 +6939,7 @@
             </p14:xfrm>
           </p:contentPart>
         </mc:Choice>
-        <mc:Fallback>
+        <mc:Fallback xmlns="">
           <p:pic>
             <p:nvPicPr>
               <p:cNvPr id="5" name="잉크 4">
@@ -6507,8 +6970,8 @@
           </p:pic>
         </mc:Fallback>
       </mc:AlternateContent>
-      <mc:AlternateContent xmlns:mc="http://schemas.openxmlformats.org/markup-compatibility/2006">
-        <mc:Choice xmlns:p14="http://schemas.microsoft.com/office/powerpoint/2010/main" Requires="p14">
+      <mc:AlternateContent xmlns:mc="http://schemas.openxmlformats.org/markup-compatibility/2006" xmlns:p14="http://schemas.microsoft.com/office/powerpoint/2010/main">
+        <mc:Choice Requires="p14">
           <p:contentPart p14:bwMode="auto" r:id="rId8">
             <p14:nvContentPartPr>
               <p14:cNvPr id="6" name="잉크 5">
@@ -6527,7 +6990,7 @@
             </p14:xfrm>
           </p:contentPart>
         </mc:Choice>
-        <mc:Fallback>
+        <mc:Fallback xmlns="">
           <p:pic>
             <p:nvPicPr>
               <p:cNvPr id="6" name="잉크 5">
@@ -6558,6 +7021,51 @@
           </p:pic>
         </mc:Fallback>
       </mc:AlternateContent>
+      <p:sp>
+        <p:nvSpPr>
+          <p:cNvPr id="7" name="TextBox 6">
+            <a:extLst>
+              <a:ext uri="{FF2B5EF4-FFF2-40B4-BE49-F238E27FC236}">
+                <a16:creationId xmlns:a16="http://schemas.microsoft.com/office/drawing/2014/main" id="{FFCC4121-20CE-D384-83F9-628D2EEDBEC0}"/>
+              </a:ext>
+            </a:extLst>
+          </p:cNvPr>
+          <p:cNvSpPr txBox="1"/>
+          <p:nvPr/>
+        </p:nvSpPr>
+        <p:spPr>
+          <a:xfrm>
+            <a:off x="9902801" y="739415"/>
+            <a:ext cx="2065283" cy="369332"/>
+          </a:xfrm>
+          <a:prstGeom prst="rect">
+            <a:avLst/>
+          </a:prstGeom>
+          <a:noFill/>
+        </p:spPr>
+        <p:txBody>
+          <a:bodyPr wrap="square" rtlCol="0">
+            <a:spAutoFit/>
+          </a:bodyPr>
+          <a:lstStyle/>
+          <a:p>
+            <a:pPr algn="ctr"/>
+            <a:r>
+              <a:rPr lang="en-US" altLang="ko-KR" b="1" dirty="0"/>
+              <a:t>&lt; print </a:t>
+            </a:r>
+            <a:r>
+              <a:rPr lang="ko-KR" altLang="en-US" b="1" dirty="0"/>
+              <a:t>결과 확인 </a:t>
+            </a:r>
+            <a:r>
+              <a:rPr lang="en-US" altLang="ko-KR" b="1" dirty="0"/>
+              <a:t>&gt;</a:t>
+            </a:r>
+            <a:endParaRPr lang="ko-KR" altLang="en-US" b="1" dirty="0"/>
+          </a:p>
+        </p:txBody>
+      </p:sp>
     </p:spTree>
     <p:extLst>
       <p:ext uri="{BB962C8B-B14F-4D97-AF65-F5344CB8AC3E}">
@@ -6648,8 +7156,8 @@
           </a:prstGeom>
         </p:spPr>
       </p:pic>
-      <mc:AlternateContent xmlns:mc="http://schemas.openxmlformats.org/markup-compatibility/2006">
-        <mc:Choice xmlns:p14="http://schemas.microsoft.com/office/powerpoint/2010/main" Requires="p14">
+      <mc:AlternateContent xmlns:mc="http://schemas.openxmlformats.org/markup-compatibility/2006" xmlns:p14="http://schemas.microsoft.com/office/powerpoint/2010/main">
+        <mc:Choice Requires="p14">
           <p:contentPart p14:bwMode="auto" r:id="rId4">
             <p14:nvContentPartPr>
               <p14:cNvPr id="2" name="잉크 1">
@@ -6668,7 +7176,7 @@
             </p14:xfrm>
           </p:contentPart>
         </mc:Choice>
-        <mc:Fallback>
+        <mc:Fallback xmlns="">
           <p:pic>
             <p:nvPicPr>
               <p:cNvPr id="2" name="잉크 1">
@@ -6699,6 +7207,51 @@
           </p:pic>
         </mc:Fallback>
       </mc:AlternateContent>
+      <p:sp>
+        <p:nvSpPr>
+          <p:cNvPr id="4" name="TextBox 3">
+            <a:extLst>
+              <a:ext uri="{FF2B5EF4-FFF2-40B4-BE49-F238E27FC236}">
+                <a16:creationId xmlns:a16="http://schemas.microsoft.com/office/drawing/2014/main" id="{4F106D16-292D-ACF3-8CA7-00268E60DF35}"/>
+              </a:ext>
+            </a:extLst>
+          </p:cNvPr>
+          <p:cNvSpPr txBox="1"/>
+          <p:nvPr/>
+        </p:nvSpPr>
+        <p:spPr>
+          <a:xfrm>
+            <a:off x="8621486" y="3664400"/>
+            <a:ext cx="2065283" cy="369332"/>
+          </a:xfrm>
+          <a:prstGeom prst="rect">
+            <a:avLst/>
+          </a:prstGeom>
+          <a:noFill/>
+        </p:spPr>
+        <p:txBody>
+          <a:bodyPr wrap="square" rtlCol="0">
+            <a:spAutoFit/>
+          </a:bodyPr>
+          <a:lstStyle/>
+          <a:p>
+            <a:pPr algn="ctr"/>
+            <a:r>
+              <a:rPr lang="en-US" altLang="ko-KR" b="1" dirty="0"/>
+              <a:t>&lt; print </a:t>
+            </a:r>
+            <a:r>
+              <a:rPr lang="ko-KR" altLang="en-US" b="1" dirty="0"/>
+              <a:t>결과 확인 </a:t>
+            </a:r>
+            <a:r>
+              <a:rPr lang="en-US" altLang="ko-KR" b="1" dirty="0"/>
+              <a:t>&gt;</a:t>
+            </a:r>
+            <a:endParaRPr lang="ko-KR" altLang="en-US" b="1" dirty="0"/>
+          </a:p>
+        </p:txBody>
+      </p:sp>
     </p:spTree>
     <p:extLst>
       <p:ext uri="{BB962C8B-B14F-4D97-AF65-F5344CB8AC3E}">
@@ -6789,8 +7342,8 @@
           </a:prstGeom>
         </p:spPr>
       </p:pic>
-      <mc:AlternateContent xmlns:mc="http://schemas.openxmlformats.org/markup-compatibility/2006">
-        <mc:Choice xmlns:p14="http://schemas.microsoft.com/office/powerpoint/2010/main" Requires="p14">
+      <mc:AlternateContent xmlns:mc="http://schemas.openxmlformats.org/markup-compatibility/2006" xmlns:p14="http://schemas.microsoft.com/office/powerpoint/2010/main">
+        <mc:Choice Requires="p14">
           <p:contentPart p14:bwMode="auto" r:id="rId4">
             <p14:nvContentPartPr>
               <p14:cNvPr id="2" name="잉크 1">
@@ -6809,7 +7362,7 @@
             </p14:xfrm>
           </p:contentPart>
         </mc:Choice>
-        <mc:Fallback>
+        <mc:Fallback xmlns="">
           <p:pic>
             <p:nvPicPr>
               <p:cNvPr id="2" name="잉크 1">
@@ -6840,8 +7393,8 @@
           </p:pic>
         </mc:Fallback>
       </mc:AlternateContent>
-      <mc:AlternateContent xmlns:mc="http://schemas.openxmlformats.org/markup-compatibility/2006">
-        <mc:Choice xmlns:p14="http://schemas.microsoft.com/office/powerpoint/2010/main" Requires="p14">
+      <mc:AlternateContent xmlns:mc="http://schemas.openxmlformats.org/markup-compatibility/2006" xmlns:p14="http://schemas.microsoft.com/office/powerpoint/2010/main">
+        <mc:Choice Requires="p14">
           <p:contentPart p14:bwMode="auto" r:id="rId6">
             <p14:nvContentPartPr>
               <p14:cNvPr id="4" name="잉크 3">
@@ -6860,7 +7413,7 @@
             </p14:xfrm>
           </p:contentPart>
         </mc:Choice>
-        <mc:Fallback>
+        <mc:Fallback xmlns="">
           <p:pic>
             <p:nvPicPr>
               <p:cNvPr id="4" name="잉크 3">
@@ -6891,8 +7444,8 @@
           </p:pic>
         </mc:Fallback>
       </mc:AlternateContent>
-      <mc:AlternateContent xmlns:mc="http://schemas.openxmlformats.org/markup-compatibility/2006">
-        <mc:Choice xmlns:p14="http://schemas.microsoft.com/office/powerpoint/2010/main" Requires="p14">
+      <mc:AlternateContent xmlns:mc="http://schemas.openxmlformats.org/markup-compatibility/2006" xmlns:p14="http://schemas.microsoft.com/office/powerpoint/2010/main">
+        <mc:Choice Requires="p14">
           <p:contentPart p14:bwMode="auto" r:id="rId8">
             <p14:nvContentPartPr>
               <p14:cNvPr id="6" name="잉크 5">
@@ -6911,7 +7464,7 @@
             </p14:xfrm>
           </p:contentPart>
         </mc:Choice>
-        <mc:Fallback>
+        <mc:Fallback xmlns="">
           <p:pic>
             <p:nvPicPr>
               <p:cNvPr id="6" name="잉크 5">
@@ -6942,8 +7495,8 @@
           </p:pic>
         </mc:Fallback>
       </mc:AlternateContent>
-      <mc:AlternateContent xmlns:mc="http://schemas.openxmlformats.org/markup-compatibility/2006">
-        <mc:Choice xmlns:p14="http://schemas.microsoft.com/office/powerpoint/2010/main" Requires="p14">
+      <mc:AlternateContent xmlns:mc="http://schemas.openxmlformats.org/markup-compatibility/2006" xmlns:p14="http://schemas.microsoft.com/office/powerpoint/2010/main">
+        <mc:Choice Requires="p14">
           <p:contentPart p14:bwMode="auto" r:id="rId10">
             <p14:nvContentPartPr>
               <p14:cNvPr id="7" name="잉크 6">
@@ -6962,7 +7515,7 @@
             </p14:xfrm>
           </p:contentPart>
         </mc:Choice>
-        <mc:Fallback>
+        <mc:Fallback xmlns="">
           <p:pic>
             <p:nvPicPr>
               <p:cNvPr id="7" name="잉크 6">
@@ -6993,6 +7546,51 @@
           </p:pic>
         </mc:Fallback>
       </mc:AlternateContent>
+      <p:sp>
+        <p:nvSpPr>
+          <p:cNvPr id="8" name="TextBox 7">
+            <a:extLst>
+              <a:ext uri="{FF2B5EF4-FFF2-40B4-BE49-F238E27FC236}">
+                <a16:creationId xmlns:a16="http://schemas.microsoft.com/office/drawing/2014/main" id="{4981466C-4D40-A4B6-E3F9-8CCE2CA5AC20}"/>
+              </a:ext>
+            </a:extLst>
+          </p:cNvPr>
+          <p:cNvSpPr txBox="1"/>
+          <p:nvPr/>
+        </p:nvSpPr>
+        <p:spPr>
+          <a:xfrm>
+            <a:off x="9035488" y="3615143"/>
+            <a:ext cx="2065283" cy="369332"/>
+          </a:xfrm>
+          <a:prstGeom prst="rect">
+            <a:avLst/>
+          </a:prstGeom>
+          <a:noFill/>
+        </p:spPr>
+        <p:txBody>
+          <a:bodyPr wrap="square" rtlCol="0">
+            <a:spAutoFit/>
+          </a:bodyPr>
+          <a:lstStyle/>
+          <a:p>
+            <a:pPr algn="ctr"/>
+            <a:r>
+              <a:rPr lang="en-US" altLang="ko-KR" b="1" dirty="0"/>
+              <a:t>&lt; print </a:t>
+            </a:r>
+            <a:r>
+              <a:rPr lang="ko-KR" altLang="en-US" b="1" dirty="0"/>
+              <a:t>결과 확인 </a:t>
+            </a:r>
+            <a:r>
+              <a:rPr lang="en-US" altLang="ko-KR" b="1" dirty="0"/>
+              <a:t>&gt;</a:t>
+            </a:r>
+            <a:endParaRPr lang="ko-KR" altLang="en-US" b="1" dirty="0"/>
+          </a:p>
+        </p:txBody>
+      </p:sp>
     </p:spTree>
     <p:extLst>
       <p:ext uri="{BB962C8B-B14F-4D97-AF65-F5344CB8AC3E}">
@@ -7083,8 +7681,8 @@
           </a:prstGeom>
         </p:spPr>
       </p:pic>
-      <mc:AlternateContent xmlns:mc="http://schemas.openxmlformats.org/markup-compatibility/2006">
-        <mc:Choice xmlns:p14="http://schemas.microsoft.com/office/powerpoint/2010/main" Requires="p14">
+      <mc:AlternateContent xmlns:mc="http://schemas.openxmlformats.org/markup-compatibility/2006" xmlns:p14="http://schemas.microsoft.com/office/powerpoint/2010/main">
+        <mc:Choice Requires="p14">
           <p:contentPart p14:bwMode="auto" r:id="rId4">
             <p14:nvContentPartPr>
               <p14:cNvPr id="2" name="잉크 1">
@@ -7103,7 +7701,7 @@
             </p14:xfrm>
           </p:contentPart>
         </mc:Choice>
-        <mc:Fallback>
+        <mc:Fallback xmlns="">
           <p:pic>
             <p:nvPicPr>
               <p:cNvPr id="2" name="잉크 1">
@@ -7134,6 +7732,51 @@
           </p:pic>
         </mc:Fallback>
       </mc:AlternateContent>
+      <p:sp>
+        <p:nvSpPr>
+          <p:cNvPr id="3" name="TextBox 2">
+            <a:extLst>
+              <a:ext uri="{FF2B5EF4-FFF2-40B4-BE49-F238E27FC236}">
+                <a16:creationId xmlns:a16="http://schemas.microsoft.com/office/drawing/2014/main" id="{34F76811-9B85-5773-4BBE-1734952998FC}"/>
+              </a:ext>
+            </a:extLst>
+          </p:cNvPr>
+          <p:cNvSpPr txBox="1"/>
+          <p:nvPr/>
+        </p:nvSpPr>
+        <p:spPr>
+          <a:xfrm>
+            <a:off x="7208987" y="1877258"/>
+            <a:ext cx="2065283" cy="369332"/>
+          </a:xfrm>
+          <a:prstGeom prst="rect">
+            <a:avLst/>
+          </a:prstGeom>
+          <a:noFill/>
+        </p:spPr>
+        <p:txBody>
+          <a:bodyPr wrap="square" rtlCol="0">
+            <a:spAutoFit/>
+          </a:bodyPr>
+          <a:lstStyle/>
+          <a:p>
+            <a:pPr algn="ctr"/>
+            <a:r>
+              <a:rPr lang="en-US" altLang="ko-KR" b="1" dirty="0"/>
+              <a:t>&lt; print </a:t>
+            </a:r>
+            <a:r>
+              <a:rPr lang="ko-KR" altLang="en-US" b="1" dirty="0"/>
+              <a:t>결과 확인 </a:t>
+            </a:r>
+            <a:r>
+              <a:rPr lang="en-US" altLang="ko-KR" b="1" dirty="0"/>
+              <a:t>&gt;</a:t>
+            </a:r>
+            <a:endParaRPr lang="ko-KR" altLang="en-US" b="1" dirty="0"/>
+          </a:p>
+        </p:txBody>
+      </p:sp>
     </p:spTree>
     <p:extLst>
       <p:ext uri="{BB962C8B-B14F-4D97-AF65-F5344CB8AC3E}">
@@ -7216,7 +7859,7 @@
         </p:blipFill>
         <p:spPr>
           <a:xfrm>
-            <a:off x="450741" y="5358623"/>
+            <a:off x="364030" y="5487348"/>
             <a:ext cx="9169634" cy="989257"/>
           </a:xfrm>
           <a:prstGeom prst="rect">
@@ -7224,6 +7867,51 @@
           </a:prstGeom>
         </p:spPr>
       </p:pic>
+      <p:sp>
+        <p:nvSpPr>
+          <p:cNvPr id="2" name="TextBox 1">
+            <a:extLst>
+              <a:ext uri="{FF2B5EF4-FFF2-40B4-BE49-F238E27FC236}">
+                <a16:creationId xmlns:a16="http://schemas.microsoft.com/office/drawing/2014/main" id="{6DCCE198-2407-9773-5921-A694C1EFCB69}"/>
+              </a:ext>
+            </a:extLst>
+          </p:cNvPr>
+          <p:cNvSpPr txBox="1"/>
+          <p:nvPr/>
+        </p:nvSpPr>
+        <p:spPr>
+          <a:xfrm>
+            <a:off x="450741" y="5204727"/>
+            <a:ext cx="2065283" cy="369332"/>
+          </a:xfrm>
+          <a:prstGeom prst="rect">
+            <a:avLst/>
+          </a:prstGeom>
+          <a:noFill/>
+        </p:spPr>
+        <p:txBody>
+          <a:bodyPr wrap="square" rtlCol="0">
+            <a:spAutoFit/>
+          </a:bodyPr>
+          <a:lstStyle/>
+          <a:p>
+            <a:pPr algn="ctr"/>
+            <a:r>
+              <a:rPr lang="en-US" altLang="ko-KR" b="1" dirty="0"/>
+              <a:t>&lt; print </a:t>
+            </a:r>
+            <a:r>
+              <a:rPr lang="ko-KR" altLang="en-US" b="1" dirty="0"/>
+              <a:t>결과 확인 </a:t>
+            </a:r>
+            <a:r>
+              <a:rPr lang="en-US" altLang="ko-KR" b="1" dirty="0"/>
+              <a:t>&gt;</a:t>
+            </a:r>
+            <a:endParaRPr lang="ko-KR" altLang="en-US" b="1" dirty="0"/>
+          </a:p>
+        </p:txBody>
+      </p:sp>
     </p:spTree>
     <p:extLst>
       <p:ext uri="{BB962C8B-B14F-4D97-AF65-F5344CB8AC3E}">
@@ -7290,16 +7978,16 @@
                 </a:solidFill>
                 <a:latin typeface="+mn-ea"/>
               </a:rPr>
-              <a:t>&lt; </a:t>
-            </a:r>
-            <a:r>
-              <a:rPr lang="ko-KR" altLang="en-US" sz="4800" b="1" dirty="0">
+              <a:t>&lt; 9</a:t>
+            </a:r>
+            <a:r>
+              <a:rPr lang="ko-KR" altLang="en-US" sz="4800" b="1">
                 <a:solidFill>
                   <a:schemeClr val="accent1"/>
                 </a:solidFill>
                 <a:latin typeface="+mn-ea"/>
               </a:rPr>
-              <a:t>정리하기 </a:t>
+              <a:t>강 정리하기 </a:t>
             </a:r>
             <a:r>
               <a:rPr lang="en-US" altLang="ko-KR" sz="4800" b="1" dirty="0">
@@ -7573,8 +8261,8 @@
           </a:prstGeom>
         </p:spPr>
       </p:pic>
-      <mc:AlternateContent xmlns:mc="http://schemas.openxmlformats.org/markup-compatibility/2006">
-        <mc:Choice xmlns:p14="http://schemas.microsoft.com/office/powerpoint/2010/main" Requires="p14">
+      <mc:AlternateContent xmlns:mc="http://schemas.openxmlformats.org/markup-compatibility/2006" xmlns:p14="http://schemas.microsoft.com/office/powerpoint/2010/main">
+        <mc:Choice Requires="p14">
           <p:contentPart p14:bwMode="auto" r:id="rId4">
             <p14:nvContentPartPr>
               <p14:cNvPr id="2" name="잉크 1">
@@ -7593,7 +8281,7 @@
             </p14:xfrm>
           </p:contentPart>
         </mc:Choice>
-        <mc:Fallback>
+        <mc:Fallback xmlns="">
           <p:pic>
             <p:nvPicPr>
               <p:cNvPr id="2" name="잉크 1">
@@ -7624,8 +8312,8 @@
           </p:pic>
         </mc:Fallback>
       </mc:AlternateContent>
-      <mc:AlternateContent xmlns:mc="http://schemas.openxmlformats.org/markup-compatibility/2006">
-        <mc:Choice xmlns:p14="http://schemas.microsoft.com/office/powerpoint/2010/main" Requires="p14">
+      <mc:AlternateContent xmlns:mc="http://schemas.openxmlformats.org/markup-compatibility/2006" xmlns:p14="http://schemas.microsoft.com/office/powerpoint/2010/main">
+        <mc:Choice Requires="p14">
           <p:contentPart p14:bwMode="auto" r:id="rId6">
             <p14:nvContentPartPr>
               <p14:cNvPr id="6" name="잉크 5">
@@ -7644,7 +8332,7 @@
             </p14:xfrm>
           </p:contentPart>
         </mc:Choice>
-        <mc:Fallback>
+        <mc:Fallback xmlns="">
           <p:pic>
             <p:nvPicPr>
               <p:cNvPr id="6" name="잉크 5">
@@ -7675,8 +8363,8 @@
           </p:pic>
         </mc:Fallback>
       </mc:AlternateContent>
-      <mc:AlternateContent xmlns:mc="http://schemas.openxmlformats.org/markup-compatibility/2006">
-        <mc:Choice xmlns:p14="http://schemas.microsoft.com/office/powerpoint/2010/main" Requires="p14">
+      <mc:AlternateContent xmlns:mc="http://schemas.openxmlformats.org/markup-compatibility/2006" xmlns:p14="http://schemas.microsoft.com/office/powerpoint/2010/main">
+        <mc:Choice Requires="p14">
           <p:contentPart p14:bwMode="auto" r:id="rId8">
             <p14:nvContentPartPr>
               <p14:cNvPr id="7" name="잉크 6">
@@ -7695,7 +8383,7 @@
             </p14:xfrm>
           </p:contentPart>
         </mc:Choice>
-        <mc:Fallback>
+        <mc:Fallback xmlns="">
           <p:pic>
             <p:nvPicPr>
               <p:cNvPr id="7" name="잉크 6">
@@ -7726,6 +8414,51 @@
           </p:pic>
         </mc:Fallback>
       </mc:AlternateContent>
+      <p:sp>
+        <p:nvSpPr>
+          <p:cNvPr id="4" name="TextBox 3">
+            <a:extLst>
+              <a:ext uri="{FF2B5EF4-FFF2-40B4-BE49-F238E27FC236}">
+                <a16:creationId xmlns:a16="http://schemas.microsoft.com/office/drawing/2014/main" id="{DC593DF5-F462-C43A-30BC-1639A70A5EB8}"/>
+              </a:ext>
+            </a:extLst>
+          </p:cNvPr>
+          <p:cNvSpPr txBox="1"/>
+          <p:nvPr/>
+        </p:nvSpPr>
+        <p:spPr>
+          <a:xfrm>
+            <a:off x="9230369" y="4082506"/>
+            <a:ext cx="2065283" cy="369332"/>
+          </a:xfrm>
+          <a:prstGeom prst="rect">
+            <a:avLst/>
+          </a:prstGeom>
+          <a:noFill/>
+        </p:spPr>
+        <p:txBody>
+          <a:bodyPr wrap="square" rtlCol="0">
+            <a:spAutoFit/>
+          </a:bodyPr>
+          <a:lstStyle/>
+          <a:p>
+            <a:pPr algn="ctr"/>
+            <a:r>
+              <a:rPr lang="en-US" altLang="ko-KR" b="1" dirty="0"/>
+              <a:t>&lt; print </a:t>
+            </a:r>
+            <a:r>
+              <a:rPr lang="ko-KR" altLang="en-US" b="1" dirty="0"/>
+              <a:t>결과 확인 </a:t>
+            </a:r>
+            <a:r>
+              <a:rPr lang="en-US" altLang="ko-KR" b="1" dirty="0"/>
+              <a:t>&gt;</a:t>
+            </a:r>
+            <a:endParaRPr lang="ko-KR" altLang="en-US" b="1" dirty="0"/>
+          </a:p>
+        </p:txBody>
+      </p:sp>
     </p:spTree>
     <p:extLst>
       <p:ext uri="{BB962C8B-B14F-4D97-AF65-F5344CB8AC3E}">
@@ -7808,7 +8541,7 @@
         </p:blipFill>
         <p:spPr>
           <a:xfrm>
-            <a:off x="390796" y="5358318"/>
+            <a:off x="390796" y="5539622"/>
             <a:ext cx="10826933" cy="1034534"/>
           </a:xfrm>
           <a:prstGeom prst="rect">
@@ -7816,6 +8549,51 @@
           </a:prstGeom>
         </p:spPr>
       </p:pic>
+      <p:sp>
+        <p:nvSpPr>
+          <p:cNvPr id="2" name="TextBox 1">
+            <a:extLst>
+              <a:ext uri="{FF2B5EF4-FFF2-40B4-BE49-F238E27FC236}">
+                <a16:creationId xmlns:a16="http://schemas.microsoft.com/office/drawing/2014/main" id="{79F34635-8B3F-B75F-6BF0-5C9727BC2A8B}"/>
+              </a:ext>
+            </a:extLst>
+          </p:cNvPr>
+          <p:cNvSpPr txBox="1"/>
+          <p:nvPr/>
+        </p:nvSpPr>
+        <p:spPr>
+          <a:xfrm>
+            <a:off x="390796" y="5170290"/>
+            <a:ext cx="2065283" cy="369332"/>
+          </a:xfrm>
+          <a:prstGeom prst="rect">
+            <a:avLst/>
+          </a:prstGeom>
+          <a:noFill/>
+        </p:spPr>
+        <p:txBody>
+          <a:bodyPr wrap="square" rtlCol="0">
+            <a:spAutoFit/>
+          </a:bodyPr>
+          <a:lstStyle/>
+          <a:p>
+            <a:pPr algn="ctr"/>
+            <a:r>
+              <a:rPr lang="en-US" altLang="ko-KR" b="1" dirty="0"/>
+              <a:t>&lt; print </a:t>
+            </a:r>
+            <a:r>
+              <a:rPr lang="ko-KR" altLang="en-US" b="1" dirty="0"/>
+              <a:t>결과 확인 </a:t>
+            </a:r>
+            <a:r>
+              <a:rPr lang="en-US" altLang="ko-KR" b="1" dirty="0"/>
+              <a:t>&gt;</a:t>
+            </a:r>
+            <a:endParaRPr lang="ko-KR" altLang="en-US" b="1" dirty="0"/>
+          </a:p>
+        </p:txBody>
+      </p:sp>
     </p:spTree>
     <p:extLst>
       <p:ext uri="{BB962C8B-B14F-4D97-AF65-F5344CB8AC3E}">
@@ -7906,6 +8684,51 @@
           </a:prstGeom>
         </p:spPr>
       </p:pic>
+      <p:sp>
+        <p:nvSpPr>
+          <p:cNvPr id="2" name="TextBox 1">
+            <a:extLst>
+              <a:ext uri="{FF2B5EF4-FFF2-40B4-BE49-F238E27FC236}">
+                <a16:creationId xmlns:a16="http://schemas.microsoft.com/office/drawing/2014/main" id="{904D5646-A5B2-3F1C-1281-3B39EE2E739D}"/>
+              </a:ext>
+            </a:extLst>
+          </p:cNvPr>
+          <p:cNvSpPr txBox="1"/>
+          <p:nvPr/>
+        </p:nvSpPr>
+        <p:spPr>
+          <a:xfrm>
+            <a:off x="8026704" y="5013071"/>
+            <a:ext cx="2065283" cy="369332"/>
+          </a:xfrm>
+          <a:prstGeom prst="rect">
+            <a:avLst/>
+          </a:prstGeom>
+          <a:noFill/>
+        </p:spPr>
+        <p:txBody>
+          <a:bodyPr wrap="square" rtlCol="0">
+            <a:spAutoFit/>
+          </a:bodyPr>
+          <a:lstStyle/>
+          <a:p>
+            <a:pPr algn="ctr"/>
+            <a:r>
+              <a:rPr lang="en-US" altLang="ko-KR" b="1" dirty="0"/>
+              <a:t>&lt; print </a:t>
+            </a:r>
+            <a:r>
+              <a:rPr lang="ko-KR" altLang="en-US" b="1" dirty="0"/>
+              <a:t>결과 확인 </a:t>
+            </a:r>
+            <a:r>
+              <a:rPr lang="en-US" altLang="ko-KR" b="1" dirty="0"/>
+              <a:t>&gt;</a:t>
+            </a:r>
+            <a:endParaRPr lang="ko-KR" altLang="en-US" b="1" dirty="0"/>
+          </a:p>
+        </p:txBody>
+      </p:sp>
     </p:spTree>
     <p:extLst>
       <p:ext uri="{BB962C8B-B14F-4D97-AF65-F5344CB8AC3E}">
@@ -7988,14 +8811,59 @@
         </p:blipFill>
         <p:spPr>
           <a:xfrm>
-            <a:off x="483988" y="4930513"/>
-            <a:ext cx="3451198" cy="1622358"/>
+            <a:off x="483988" y="5183285"/>
+            <a:ext cx="2913481" cy="1369585"/>
           </a:xfrm>
           <a:prstGeom prst="rect">
             <a:avLst/>
           </a:prstGeom>
         </p:spPr>
       </p:pic>
+      <p:sp>
+        <p:nvSpPr>
+          <p:cNvPr id="2" name="TextBox 1">
+            <a:extLst>
+              <a:ext uri="{FF2B5EF4-FFF2-40B4-BE49-F238E27FC236}">
+                <a16:creationId xmlns:a16="http://schemas.microsoft.com/office/drawing/2014/main" id="{55D265D7-FE9F-A066-AC3F-7220B96026E9}"/>
+              </a:ext>
+            </a:extLst>
+          </p:cNvPr>
+          <p:cNvSpPr txBox="1"/>
+          <p:nvPr/>
+        </p:nvSpPr>
+        <p:spPr>
+          <a:xfrm>
+            <a:off x="483988" y="4813953"/>
+            <a:ext cx="2065283" cy="369332"/>
+          </a:xfrm>
+          <a:prstGeom prst="rect">
+            <a:avLst/>
+          </a:prstGeom>
+          <a:noFill/>
+        </p:spPr>
+        <p:txBody>
+          <a:bodyPr wrap="square" rtlCol="0">
+            <a:spAutoFit/>
+          </a:bodyPr>
+          <a:lstStyle/>
+          <a:p>
+            <a:pPr algn="ctr"/>
+            <a:r>
+              <a:rPr lang="en-US" altLang="ko-KR" b="1" dirty="0"/>
+              <a:t>&lt; print </a:t>
+            </a:r>
+            <a:r>
+              <a:rPr lang="ko-KR" altLang="en-US" b="1" dirty="0"/>
+              <a:t>결과 확인 </a:t>
+            </a:r>
+            <a:r>
+              <a:rPr lang="en-US" altLang="ko-KR" b="1" dirty="0"/>
+              <a:t>&gt;</a:t>
+            </a:r>
+            <a:endParaRPr lang="ko-KR" altLang="en-US" b="1" dirty="0"/>
+          </a:p>
+        </p:txBody>
+      </p:sp>
     </p:spTree>
     <p:extLst>
       <p:ext uri="{BB962C8B-B14F-4D97-AF65-F5344CB8AC3E}">
@@ -8086,6 +8954,51 @@
           </a:prstGeom>
         </p:spPr>
       </p:pic>
+      <p:sp>
+        <p:nvSpPr>
+          <p:cNvPr id="2" name="TextBox 1">
+            <a:extLst>
+              <a:ext uri="{FF2B5EF4-FFF2-40B4-BE49-F238E27FC236}">
+                <a16:creationId xmlns:a16="http://schemas.microsoft.com/office/drawing/2014/main" id="{E87C8105-B907-BA6D-43F9-DAD928871270}"/>
+              </a:ext>
+            </a:extLst>
+          </p:cNvPr>
+          <p:cNvSpPr txBox="1"/>
+          <p:nvPr/>
+        </p:nvSpPr>
+        <p:spPr>
+          <a:xfrm>
+            <a:off x="8200125" y="6161230"/>
+            <a:ext cx="2065283" cy="369332"/>
+          </a:xfrm>
+          <a:prstGeom prst="rect">
+            <a:avLst/>
+          </a:prstGeom>
+          <a:noFill/>
+        </p:spPr>
+        <p:txBody>
+          <a:bodyPr wrap="square" rtlCol="0">
+            <a:spAutoFit/>
+          </a:bodyPr>
+          <a:lstStyle/>
+          <a:p>
+            <a:pPr algn="ctr"/>
+            <a:r>
+              <a:rPr lang="en-US" altLang="ko-KR" b="1" dirty="0"/>
+              <a:t>&lt; print </a:t>
+            </a:r>
+            <a:r>
+              <a:rPr lang="ko-KR" altLang="en-US" b="1" dirty="0"/>
+              <a:t>결과 확인 </a:t>
+            </a:r>
+            <a:r>
+              <a:rPr lang="en-US" altLang="ko-KR" b="1" dirty="0"/>
+              <a:t>&gt;</a:t>
+            </a:r>
+            <a:endParaRPr lang="ko-KR" altLang="en-US" b="1" dirty="0"/>
+          </a:p>
+        </p:txBody>
+      </p:sp>
     </p:spTree>
     <p:extLst>
       <p:ext uri="{BB962C8B-B14F-4D97-AF65-F5344CB8AC3E}">
@@ -8168,7 +9081,7 @@
         </p:blipFill>
         <p:spPr>
           <a:xfrm>
-            <a:off x="405165" y="4253438"/>
+            <a:off x="405164" y="4521452"/>
             <a:ext cx="10096581" cy="1967748"/>
           </a:xfrm>
           <a:prstGeom prst="rect">
@@ -8176,8 +9089,8 @@
           </a:prstGeom>
         </p:spPr>
       </p:pic>
-      <mc:AlternateContent xmlns:mc="http://schemas.openxmlformats.org/markup-compatibility/2006">
-        <mc:Choice xmlns:p14="http://schemas.microsoft.com/office/powerpoint/2010/main" Requires="p14">
+      <mc:AlternateContent xmlns:mc="http://schemas.openxmlformats.org/markup-compatibility/2006" xmlns:p14="http://schemas.microsoft.com/office/powerpoint/2010/main">
+        <mc:Choice Requires="p14">
           <p:contentPart p14:bwMode="auto" r:id="rId4">
             <p14:nvContentPartPr>
               <p14:cNvPr id="2" name="잉크 1">
@@ -8196,7 +9109,7 @@
             </p14:xfrm>
           </p:contentPart>
         </mc:Choice>
-        <mc:Fallback>
+        <mc:Fallback xmlns="">
           <p:pic>
             <p:nvPicPr>
               <p:cNvPr id="2" name="잉크 1">
@@ -8227,6 +9140,51 @@
           </p:pic>
         </mc:Fallback>
       </mc:AlternateContent>
+      <p:sp>
+        <p:nvSpPr>
+          <p:cNvPr id="3" name="TextBox 2">
+            <a:extLst>
+              <a:ext uri="{FF2B5EF4-FFF2-40B4-BE49-F238E27FC236}">
+                <a16:creationId xmlns:a16="http://schemas.microsoft.com/office/drawing/2014/main" id="{27B3D287-55D9-0CC1-AB3E-CF8C1E90E8A2}"/>
+              </a:ext>
+            </a:extLst>
+          </p:cNvPr>
+          <p:cNvSpPr txBox="1"/>
+          <p:nvPr/>
+        </p:nvSpPr>
+        <p:spPr>
+          <a:xfrm>
+            <a:off x="405164" y="4099608"/>
+            <a:ext cx="2065283" cy="369332"/>
+          </a:xfrm>
+          <a:prstGeom prst="rect">
+            <a:avLst/>
+          </a:prstGeom>
+          <a:noFill/>
+        </p:spPr>
+        <p:txBody>
+          <a:bodyPr wrap="square" rtlCol="0">
+            <a:spAutoFit/>
+          </a:bodyPr>
+          <a:lstStyle/>
+          <a:p>
+            <a:pPr algn="ctr"/>
+            <a:r>
+              <a:rPr lang="en-US" altLang="ko-KR" b="1" dirty="0"/>
+              <a:t>&lt; print </a:t>
+            </a:r>
+            <a:r>
+              <a:rPr lang="ko-KR" altLang="en-US" b="1" dirty="0"/>
+              <a:t>결과 확인 </a:t>
+            </a:r>
+            <a:r>
+              <a:rPr lang="en-US" altLang="ko-KR" b="1" dirty="0"/>
+              <a:t>&gt;</a:t>
+            </a:r>
+            <a:endParaRPr lang="ko-KR" altLang="en-US" b="1" dirty="0"/>
+          </a:p>
+        </p:txBody>
+      </p:sp>
     </p:spTree>
     <p:extLst>
       <p:ext uri="{BB962C8B-B14F-4D97-AF65-F5344CB8AC3E}">
